--- a/presentations/Datenerzeugung und Datenanalyse_Sprint1.pptx
+++ b/presentations/Datenerzeugung und Datenanalyse_Sprint1.pptx
@@ -5,18 +5,18 @@
     <p:sldMasterId id="2147483660" r:id="rId1"/>
   </p:sldMasterIdLst>
   <p:notesMasterIdLst>
-    <p:notesMasterId r:id="rId47"/>
+    <p:notesMasterId r:id="rId46"/>
   </p:notesMasterIdLst>
   <p:sldIdLst>
     <p:sldId id="256" r:id="rId2"/>
-    <p:sldId id="259" r:id="rId3"/>
-    <p:sldId id="257" r:id="rId4"/>
-    <p:sldId id="258" r:id="rId5"/>
-    <p:sldId id="261" r:id="rId6"/>
-    <p:sldId id="262" r:id="rId7"/>
-    <p:sldId id="267" r:id="rId8"/>
-    <p:sldId id="268" r:id="rId9"/>
-    <p:sldId id="269" r:id="rId10"/>
+    <p:sldId id="308" r:id="rId3"/>
+    <p:sldId id="259" r:id="rId4"/>
+    <p:sldId id="257" r:id="rId5"/>
+    <p:sldId id="258" r:id="rId6"/>
+    <p:sldId id="261" r:id="rId7"/>
+    <p:sldId id="262" r:id="rId8"/>
+    <p:sldId id="267" r:id="rId9"/>
+    <p:sldId id="268" r:id="rId10"/>
     <p:sldId id="270" r:id="rId11"/>
     <p:sldId id="271" r:id="rId12"/>
     <p:sldId id="272" r:id="rId13"/>
@@ -33,26 +33,25 @@
     <p:sldId id="280" r:id="rId24"/>
     <p:sldId id="281" r:id="rId25"/>
     <p:sldId id="305" r:id="rId26"/>
-    <p:sldId id="282" r:id="rId27"/>
-    <p:sldId id="283" r:id="rId28"/>
-    <p:sldId id="284" r:id="rId29"/>
-    <p:sldId id="285" r:id="rId30"/>
-    <p:sldId id="286" r:id="rId31"/>
-    <p:sldId id="306" r:id="rId32"/>
-    <p:sldId id="287" r:id="rId33"/>
-    <p:sldId id="288" r:id="rId34"/>
-    <p:sldId id="289" r:id="rId35"/>
-    <p:sldId id="290" r:id="rId36"/>
-    <p:sldId id="291" r:id="rId37"/>
-    <p:sldId id="292" r:id="rId38"/>
-    <p:sldId id="293" r:id="rId39"/>
-    <p:sldId id="294" r:id="rId40"/>
-    <p:sldId id="295" r:id="rId41"/>
-    <p:sldId id="297" r:id="rId42"/>
-    <p:sldId id="307" r:id="rId43"/>
-    <p:sldId id="299" r:id="rId44"/>
-    <p:sldId id="300" r:id="rId45"/>
-    <p:sldId id="301" r:id="rId46"/>
+    <p:sldId id="283" r:id="rId27"/>
+    <p:sldId id="284" r:id="rId28"/>
+    <p:sldId id="285" r:id="rId29"/>
+    <p:sldId id="286" r:id="rId30"/>
+    <p:sldId id="306" r:id="rId31"/>
+    <p:sldId id="287" r:id="rId32"/>
+    <p:sldId id="288" r:id="rId33"/>
+    <p:sldId id="289" r:id="rId34"/>
+    <p:sldId id="290" r:id="rId35"/>
+    <p:sldId id="291" r:id="rId36"/>
+    <p:sldId id="292" r:id="rId37"/>
+    <p:sldId id="293" r:id="rId38"/>
+    <p:sldId id="294" r:id="rId39"/>
+    <p:sldId id="295" r:id="rId40"/>
+    <p:sldId id="297" r:id="rId41"/>
+    <p:sldId id="307" r:id="rId42"/>
+    <p:sldId id="299" r:id="rId43"/>
+    <p:sldId id="300" r:id="rId44"/>
+    <p:sldId id="301" r:id="rId45"/>
   </p:sldIdLst>
   <p:sldSz cx="12192000" cy="6858000"/>
   <p:notesSz cx="6858000" cy="9144000"/>
@@ -605,7 +604,7 @@
           <a:p>
             <a:fld id="{1DDC8DF3-0ADF-9941-83EE-C0D624FF54D1}" type="slidenum">
               <a:rPr lang="de-DE" smtClean="0"/>
-              <a:t>27</a:t>
+              <a:t>26</a:t>
             </a:fld>
             <a:endParaRPr lang="de-DE"/>
           </a:p>
@@ -6485,7 +6484,7 @@
           <p:cNvPr id="2" name="Titel 1">
             <a:extLst>
               <a:ext uri="{FF2B5EF4-FFF2-40B4-BE49-F238E27FC236}">
-                <a16:creationId xmlns="" xmlns:a16="http://schemas.microsoft.com/office/drawing/2014/main" id="{CDDEC2E6-79C2-4973-B961-08C3F6BB30BF}"/>
+                <a16:creationId xmlns:a16="http://schemas.microsoft.com/office/drawing/2014/main" xmlns="" id="{CDDEC2E6-79C2-4973-B961-08C3F6BB30BF}"/>
               </a:ext>
             </a:extLst>
           </p:cNvPr>
@@ -6518,7 +6517,7 @@
           <p:cNvPr id="3" name="Inhaltsplatzhalter 2">
             <a:extLst>
               <a:ext uri="{FF2B5EF4-FFF2-40B4-BE49-F238E27FC236}">
-                <a16:creationId xmlns="" xmlns:a16="http://schemas.microsoft.com/office/drawing/2014/main" id="{D7F1D4C7-5B58-4412-A1E9-C7528849B143}"/>
+                <a16:creationId xmlns:a16="http://schemas.microsoft.com/office/drawing/2014/main" xmlns="" id="{D7F1D4C7-5B58-4412-A1E9-C7528849B143}"/>
               </a:ext>
             </a:extLst>
           </p:cNvPr>
@@ -6620,7 +6619,7 @@
           <p:cNvPr id="4" name="Grafik 3">
             <a:extLst>
               <a:ext uri="{FF2B5EF4-FFF2-40B4-BE49-F238E27FC236}">
-                <a16:creationId xmlns="" xmlns:a16="http://schemas.microsoft.com/office/drawing/2014/main" id="{B65E04B7-248E-49AA-AD46-0E4C2A8140EA}"/>
+                <a16:creationId xmlns:a16="http://schemas.microsoft.com/office/drawing/2014/main" xmlns="" id="{B65E04B7-248E-49AA-AD46-0E4C2A8140EA}"/>
               </a:ext>
             </a:extLst>
           </p:cNvPr>
@@ -6642,7 +6641,7 @@
         </p:blipFill>
         <p:spPr>
           <a:xfrm>
-            <a:off x="7120714" y="2435009"/>
+            <a:off x="6096000" y="2703950"/>
             <a:ext cx="4029075" cy="4032219"/>
           </a:xfrm>
           <a:prstGeom prst="rect">
@@ -6660,6 +6659,16 @@
   <p:clrMapOvr>
     <a:masterClrMapping/>
   </p:clrMapOvr>
+  <p:transition spd="slow">
+    <p:push dir="u"/>
+  </p:transition>
+  <p:timing>
+    <p:tnLst>
+      <p:par>
+        <p:cTn id="1" dur="indefinite" restart="never" nodeType="tmRoot"/>
+      </p:par>
+    </p:tnLst>
+  </p:timing>
 </p:sld>
 </file>
 
@@ -6685,7 +6694,7 @@
           <p:cNvPr id="2" name="Titel 1">
             <a:extLst>
               <a:ext uri="{FF2B5EF4-FFF2-40B4-BE49-F238E27FC236}">
-                <a16:creationId xmlns="" xmlns:a16="http://schemas.microsoft.com/office/drawing/2014/main" id="{60271D86-4CB2-4409-B05F-BCA08D355142}"/>
+                <a16:creationId xmlns:a16="http://schemas.microsoft.com/office/drawing/2014/main" xmlns="" id="{60271D86-4CB2-4409-B05F-BCA08D355142}"/>
               </a:ext>
             </a:extLst>
           </p:cNvPr>
@@ -6713,7 +6722,7 @@
           <p:cNvPr id="3" name="Inhaltsplatzhalter 2">
             <a:extLst>
               <a:ext uri="{FF2B5EF4-FFF2-40B4-BE49-F238E27FC236}">
-                <a16:creationId xmlns="" xmlns:a16="http://schemas.microsoft.com/office/drawing/2014/main" id="{26DF3A91-1ACC-4D55-8616-F4C25321C110}"/>
+                <a16:creationId xmlns:a16="http://schemas.microsoft.com/office/drawing/2014/main" xmlns="" id="{26DF3A91-1ACC-4D55-8616-F4C25321C110}"/>
               </a:ext>
             </a:extLst>
           </p:cNvPr>
@@ -6840,6 +6849,16 @@
   <p:clrMapOvr>
     <a:masterClrMapping/>
   </p:clrMapOvr>
+  <p:transition spd="slow">
+    <p:push dir="u"/>
+  </p:transition>
+  <p:timing>
+    <p:tnLst>
+      <p:par>
+        <p:cTn id="1" dur="indefinite" restart="never" nodeType="tmRoot"/>
+      </p:par>
+    </p:tnLst>
+  </p:timing>
 </p:sld>
 </file>
 
@@ -6865,7 +6884,7 @@
           <p:cNvPr id="2" name="Titel 1">
             <a:extLst>
               <a:ext uri="{FF2B5EF4-FFF2-40B4-BE49-F238E27FC236}">
-                <a16:creationId xmlns="" xmlns:a16="http://schemas.microsoft.com/office/drawing/2014/main" id="{CCAD9307-1B32-4D7F-9148-CD74FFEFF568}"/>
+                <a16:creationId xmlns:a16="http://schemas.microsoft.com/office/drawing/2014/main" xmlns="" id="{CCAD9307-1B32-4D7F-9148-CD74FFEFF568}"/>
               </a:ext>
             </a:extLst>
           </p:cNvPr>
@@ -6893,7 +6912,7 @@
           <p:cNvPr id="3" name="Inhaltsplatzhalter 2">
             <a:extLst>
               <a:ext uri="{FF2B5EF4-FFF2-40B4-BE49-F238E27FC236}">
-                <a16:creationId xmlns="" xmlns:a16="http://schemas.microsoft.com/office/drawing/2014/main" id="{D928D9F6-A085-466A-99D0-B93A9303E798}"/>
+                <a16:creationId xmlns:a16="http://schemas.microsoft.com/office/drawing/2014/main" xmlns="" id="{D928D9F6-A085-466A-99D0-B93A9303E798}"/>
               </a:ext>
             </a:extLst>
           </p:cNvPr>
@@ -6926,6 +6945,16 @@
   <p:clrMapOvr>
     <a:masterClrMapping/>
   </p:clrMapOvr>
+  <p:transition spd="slow">
+    <p:push dir="u"/>
+  </p:transition>
+  <p:timing>
+    <p:tnLst>
+      <p:par>
+        <p:cTn id="1" dur="indefinite" restart="never" nodeType="tmRoot"/>
+      </p:par>
+    </p:tnLst>
+  </p:timing>
 </p:sld>
 </file>
 
@@ -6951,7 +6980,7 @@
           <p:cNvPr id="2" name="Titel 1">
             <a:extLst>
               <a:ext uri="{FF2B5EF4-FFF2-40B4-BE49-F238E27FC236}">
-                <a16:creationId xmlns="" xmlns:a16="http://schemas.microsoft.com/office/drawing/2014/main" id="{CCAD9307-1B32-4D7F-9148-CD74FFEFF568}"/>
+                <a16:creationId xmlns:a16="http://schemas.microsoft.com/office/drawing/2014/main" xmlns="" id="{CCAD9307-1B32-4D7F-9148-CD74FFEFF568}"/>
               </a:ext>
             </a:extLst>
           </p:cNvPr>
@@ -6980,7 +7009,7 @@
           <p:cNvPr id="3" name="Inhaltsplatzhalter 2">
             <a:extLst>
               <a:ext uri="{FF2B5EF4-FFF2-40B4-BE49-F238E27FC236}">
-                <a16:creationId xmlns="" xmlns:a16="http://schemas.microsoft.com/office/drawing/2014/main" id="{D928D9F6-A085-466A-99D0-B93A9303E798}"/>
+                <a16:creationId xmlns:a16="http://schemas.microsoft.com/office/drawing/2014/main" xmlns="" id="{D928D9F6-A085-466A-99D0-B93A9303E798}"/>
               </a:ext>
             </a:extLst>
           </p:cNvPr>
@@ -6996,6 +7025,10 @@
           <a:bodyPr/>
           <a:lstStyle/>
           <a:p>
+            <a:r>
+              <a:rPr lang="de-DE" dirty="0" smtClean="0"/>
+              <a:t>95%</a:t>
+            </a:r>
             <a:endParaRPr lang="de-DE" dirty="0"/>
           </a:p>
         </p:txBody>
@@ -7010,6 +7043,16 @@
   <p:clrMapOvr>
     <a:masterClrMapping/>
   </p:clrMapOvr>
+  <p:transition spd="slow">
+    <p:push dir="u"/>
+  </p:transition>
+  <p:timing>
+    <p:tnLst>
+      <p:par>
+        <p:cTn id="1" dur="indefinite" restart="never" nodeType="tmRoot"/>
+      </p:par>
+    </p:tnLst>
+  </p:timing>
 </p:sld>
 </file>
 
@@ -7035,7 +7078,7 @@
           <p:cNvPr id="2" name="Titel 1">
             <a:extLst>
               <a:ext uri="{FF2B5EF4-FFF2-40B4-BE49-F238E27FC236}">
-                <a16:creationId xmlns="" xmlns:a16="http://schemas.microsoft.com/office/drawing/2014/main" id="{CCAD9307-1B32-4D7F-9148-CD74FFEFF568}"/>
+                <a16:creationId xmlns:a16="http://schemas.microsoft.com/office/drawing/2014/main" xmlns="" id="{CCAD9307-1B32-4D7F-9148-CD74FFEFF568}"/>
               </a:ext>
             </a:extLst>
           </p:cNvPr>
@@ -7064,7 +7107,7 @@
           <p:cNvPr id="3" name="Inhaltsplatzhalter 2">
             <a:extLst>
               <a:ext uri="{FF2B5EF4-FFF2-40B4-BE49-F238E27FC236}">
-                <a16:creationId xmlns="" xmlns:a16="http://schemas.microsoft.com/office/drawing/2014/main" id="{D928D9F6-A085-466A-99D0-B93A9303E798}"/>
+                <a16:creationId xmlns:a16="http://schemas.microsoft.com/office/drawing/2014/main" xmlns="" id="{D928D9F6-A085-466A-99D0-B93A9303E798}"/>
               </a:ext>
             </a:extLst>
           </p:cNvPr>
@@ -7094,6 +7137,16 @@
   <p:clrMapOvr>
     <a:masterClrMapping/>
   </p:clrMapOvr>
+  <p:transition spd="slow">
+    <p:push dir="u"/>
+  </p:transition>
+  <p:timing>
+    <p:tnLst>
+      <p:par>
+        <p:cTn id="1" dur="indefinite" restart="never" nodeType="tmRoot"/>
+      </p:par>
+    </p:tnLst>
+  </p:timing>
 </p:sld>
 </file>
 
@@ -7219,6 +7272,16 @@
   <p:clrMapOvr>
     <a:masterClrMapping/>
   </p:clrMapOvr>
+  <p:transition spd="slow">
+    <p:push dir="u"/>
+  </p:transition>
+  <p:timing>
+    <p:tnLst>
+      <p:par>
+        <p:cTn id="1" dur="indefinite" restart="never" nodeType="tmRoot"/>
+      </p:par>
+    </p:tnLst>
+  </p:timing>
 </p:sld>
 </file>
 
@@ -7310,6 +7373,18 @@
             <a:pPr marL="0" indent="0">
               <a:buNone/>
             </a:pPr>
+            <a:endParaRPr lang="de-DE" dirty="0" smtClean="0"/>
+          </a:p>
+          <a:p>
+            <a:pPr marL="0" indent="0">
+              <a:buNone/>
+            </a:pPr>
+            <a:endParaRPr lang="de-DE" dirty="0" smtClean="0"/>
+          </a:p>
+          <a:p>
+            <a:pPr marL="0" indent="0">
+              <a:buNone/>
+            </a:pPr>
             <a:r>
               <a:rPr lang="de-DE" dirty="0" smtClean="0"/>
               <a:t>Alternativ statt der prozentualen Verteilung auch mit den einzelnen Zielen jeder Person in eigener Datei</a:t>
@@ -7327,11 +7402,15 @@
             <a:graphicFrameLocks noGrp="1"/>
           </p:cNvGraphicFramePr>
           <p:nvPr>
-            <p:extLst/>
+            <p:extLst>
+              <p:ext uri="{D42A27DB-BD31-4B8C-83A1-F6EECF244321}">
+                <p14:modId xmlns:p14="http://schemas.microsoft.com/office/powerpoint/2010/main" val="1598726027"/>
+              </p:ext>
+            </p:extLst>
           </p:nvPr>
         </p:nvGraphicFramePr>
         <p:xfrm>
-          <a:off x="1153039" y="4157527"/>
+          <a:off x="677334" y="4100975"/>
           <a:ext cx="9394457" cy="370840"/>
         </p:xfrm>
         <a:graphic>
@@ -7341,12 +7420,12 @@
                 <a:tableStyleId>{5C22544A-7EE6-4342-B048-85BDC9FD1C3A}</a:tableStyleId>
               </a:tblPr>
               <a:tblGrid>
-                <a:gridCol w="1272658"/>
-                <a:gridCol w="1584000"/>
-                <a:gridCol w="1584000"/>
-                <a:gridCol w="438506"/>
-                <a:gridCol w="1584000"/>
-                <a:gridCol w="811870"/>
+                <a:gridCol w="1245595"/>
+                <a:gridCol w="1600200"/>
+                <a:gridCol w="1594863"/>
+                <a:gridCol w="341514"/>
+                <a:gridCol w="1653988"/>
+                <a:gridCol w="838874"/>
                 <a:gridCol w="1219200"/>
                 <a:gridCol w="900223"/>
               </a:tblGrid>
@@ -7357,10 +7436,10 @@
                     <a:lstStyle/>
                     <a:p>
                       <a:r>
-                        <a:rPr lang="de-DE" dirty="0" err="1" smtClean="0"/>
+                        <a:rPr lang="de-DE" sz="1600" dirty="0" err="1" smtClean="0"/>
                         <a:t>Timestamp</a:t>
                       </a:r>
-                      <a:endParaRPr lang="de-DE" dirty="0"/>
+                      <a:endParaRPr lang="de-DE" sz="1600" dirty="0"/>
                     </a:p>
                   </a:txBody>
                   <a:tcPr/>
@@ -7371,14 +7450,14 @@
                     <a:lstStyle/>
                     <a:p>
                       <a:r>
-                        <a:rPr lang="de-DE" dirty="0" err="1" smtClean="0"/>
+                        <a:rPr lang="de-DE" sz="1600" dirty="0" err="1" smtClean="0"/>
                         <a:t>Pedestian</a:t>
                       </a:r>
                       <a:r>
-                        <a:rPr lang="de-DE" baseline="0" dirty="0" smtClean="0"/>
+                        <a:rPr lang="de-DE" sz="1600" baseline="0" dirty="0" smtClean="0"/>
                         <a:t> 1 - x</a:t>
                       </a:r>
-                      <a:endParaRPr lang="de-DE" dirty="0"/>
+                      <a:endParaRPr lang="de-DE" sz="1600" dirty="0"/>
                     </a:p>
                   </a:txBody>
                   <a:tcPr/>
@@ -7389,14 +7468,14 @@
                     <a:lstStyle/>
                     <a:p>
                       <a:r>
-                        <a:rPr lang="de-DE" dirty="0" err="1" smtClean="0"/>
+                        <a:rPr lang="de-DE" sz="1600" dirty="0" err="1" smtClean="0"/>
                         <a:t>Pedestian</a:t>
                       </a:r>
                       <a:r>
-                        <a:rPr lang="de-DE" baseline="0" dirty="0" smtClean="0"/>
+                        <a:rPr lang="de-DE" sz="1600" baseline="0" dirty="0" smtClean="0"/>
                         <a:t> 1 - y</a:t>
                       </a:r>
-                      <a:endParaRPr lang="de-DE" dirty="0"/>
+                      <a:endParaRPr lang="de-DE" sz="1600" dirty="0"/>
                     </a:p>
                   </a:txBody>
                   <a:tcPr/>
@@ -7407,10 +7486,10 @@
                     <a:lstStyle/>
                     <a:p>
                       <a:r>
-                        <a:rPr lang="de-DE" dirty="0" smtClean="0"/>
+                        <a:rPr lang="de-DE" sz="1600" dirty="0" smtClean="0"/>
                         <a:t>…</a:t>
                       </a:r>
-                      <a:endParaRPr lang="de-DE" dirty="0"/>
+                      <a:endParaRPr lang="de-DE" sz="1600" dirty="0"/>
                     </a:p>
                   </a:txBody>
                   <a:tcPr/>
@@ -7421,14 +7500,14 @@
                     <a:lstStyle/>
                     <a:p>
                       <a:r>
-                        <a:rPr lang="de-DE" dirty="0" err="1" smtClean="0"/>
+                        <a:rPr lang="de-DE" sz="1600" dirty="0" err="1" smtClean="0"/>
                         <a:t>Pedestian</a:t>
                       </a:r>
                       <a:r>
-                        <a:rPr lang="de-DE" baseline="0" dirty="0" smtClean="0"/>
+                        <a:rPr lang="de-DE" sz="1600" baseline="0" dirty="0" smtClean="0"/>
                         <a:t> n - y</a:t>
                       </a:r>
-                      <a:endParaRPr lang="de-DE" dirty="0"/>
+                      <a:endParaRPr lang="de-DE" sz="1600" dirty="0"/>
                     </a:p>
                   </a:txBody>
                   <a:tcPr/>
@@ -7439,14 +7518,14 @@
                     <a:lstStyle/>
                     <a:p>
                       <a:r>
-                        <a:rPr lang="de-DE" dirty="0" err="1" smtClean="0"/>
+                        <a:rPr lang="de-DE" sz="1600" dirty="0" err="1" smtClean="0"/>
                         <a:t>Left</a:t>
                       </a:r>
                       <a:r>
-                        <a:rPr lang="de-DE" dirty="0" smtClean="0"/>
+                        <a:rPr lang="de-DE" sz="1600" dirty="0" smtClean="0"/>
                         <a:t> %</a:t>
                       </a:r>
-                      <a:endParaRPr lang="de-DE" dirty="0"/>
+                      <a:endParaRPr lang="de-DE" sz="1600" dirty="0"/>
                     </a:p>
                   </a:txBody>
                   <a:tcPr/>
@@ -7457,10 +7536,10 @@
                     <a:lstStyle/>
                     <a:p>
                       <a:r>
-                        <a:rPr lang="de-DE" dirty="0" smtClean="0"/>
+                        <a:rPr lang="de-DE" sz="1600" dirty="0" smtClean="0"/>
                         <a:t>Straight %</a:t>
                       </a:r>
-                      <a:endParaRPr lang="de-DE" dirty="0"/>
+                      <a:endParaRPr lang="de-DE" sz="1600" dirty="0"/>
                     </a:p>
                   </a:txBody>
                   <a:tcPr/>
@@ -7471,14 +7550,14 @@
                     <a:lstStyle/>
                     <a:p>
                       <a:r>
-                        <a:rPr lang="de-DE" dirty="0" err="1" smtClean="0"/>
+                        <a:rPr lang="de-DE" sz="1600" dirty="0" err="1" smtClean="0"/>
                         <a:t>Right</a:t>
                       </a:r>
                       <a:r>
-                        <a:rPr lang="de-DE" dirty="0" smtClean="0"/>
+                        <a:rPr lang="de-DE" sz="1600" dirty="0" smtClean="0"/>
                         <a:t> %</a:t>
                       </a:r>
-                      <a:endParaRPr lang="de-DE" dirty="0"/>
+                      <a:endParaRPr lang="de-DE" sz="1600" dirty="0"/>
                     </a:p>
                   </a:txBody>
                   <a:tcPr/>
@@ -7498,6 +7577,16 @@
   <p:clrMapOvr>
     <a:masterClrMapping/>
   </p:clrMapOvr>
+  <p:transition spd="slow">
+    <p:push dir="u"/>
+  </p:transition>
+  <p:timing>
+    <p:tnLst>
+      <p:par>
+        <p:cTn id="1" dur="indefinite" restart="never" nodeType="tmRoot"/>
+      </p:par>
+    </p:tnLst>
+  </p:timing>
 </p:sld>
 </file>
 
@@ -7601,6 +7690,16 @@
   <p:clrMapOvr>
     <a:masterClrMapping/>
   </p:clrMapOvr>
+  <p:transition spd="slow">
+    <p:push dir="u"/>
+  </p:transition>
+  <p:timing>
+    <p:tnLst>
+      <p:par>
+        <p:cTn id="1" dur="indefinite" restart="never" nodeType="tmRoot"/>
+      </p:par>
+    </p:tnLst>
+  </p:timing>
 </p:sld>
 </file>
 
@@ -7703,6 +7802,16 @@
   <p:clrMapOvr>
     <a:masterClrMapping/>
   </p:clrMapOvr>
+  <p:transition spd="slow">
+    <p:push dir="u"/>
+  </p:transition>
+  <p:timing>
+    <p:tnLst>
+      <p:par>
+        <p:cTn id="1" dur="indefinite" restart="never" nodeType="tmRoot"/>
+      </p:par>
+    </p:tnLst>
+  </p:timing>
 </p:sld>
 </file>
 
@@ -7796,10 +7905,1534 @@
   <p:clrMapOvr>
     <a:masterClrMapping/>
   </p:clrMapOvr>
+  <p:transition spd="slow">
+    <p:push dir="u"/>
+  </p:transition>
+  <p:timing>
+    <p:tnLst>
+      <p:par>
+        <p:cTn id="1" dur="indefinite" restart="never" nodeType="tmRoot"/>
+      </p:par>
+    </p:tnLst>
+  </p:timing>
 </p:sld>
 </file>
 
 <file path=ppt/slides/slide2.xml><?xml version="1.0" encoding="utf-8"?>
+<p:sld xmlns:a="http://schemas.openxmlformats.org/drawingml/2006/main" xmlns:r="http://schemas.openxmlformats.org/officeDocument/2006/relationships" xmlns:p="http://schemas.openxmlformats.org/presentationml/2006/main">
+  <p:cSld>
+    <p:spTree>
+      <p:nvGrpSpPr>
+        <p:cNvPr id="1" name=""/>
+        <p:cNvGrpSpPr/>
+        <p:nvPr/>
+      </p:nvGrpSpPr>
+      <p:grpSpPr>
+        <a:xfrm>
+          <a:off x="0" y="0"/>
+          <a:ext cx="0" cy="0"/>
+          <a:chOff x="0" y="0"/>
+          <a:chExt cx="0" cy="0"/>
+        </a:xfrm>
+      </p:grpSpPr>
+      <p:sp>
+        <p:nvSpPr>
+          <p:cNvPr id="2" name="Titel 1"/>
+          <p:cNvSpPr>
+            <a:spLocks noGrp="1"/>
+          </p:cNvSpPr>
+          <p:nvPr>
+            <p:ph type="ctrTitle"/>
+          </p:nvPr>
+        </p:nvSpPr>
+        <p:spPr>
+          <a:xfrm>
+            <a:off x="1524000" y="719407"/>
+            <a:ext cx="9144000" cy="845922"/>
+          </a:xfrm>
+        </p:spPr>
+        <p:txBody>
+          <a:bodyPr>
+            <a:normAutofit fontScale="90000"/>
+          </a:bodyPr>
+          <a:lstStyle/>
+          <a:p>
+            <a:pPr algn="l"/>
+            <a:r>
+              <a:rPr lang="de-DE" sz="6500" dirty="0" smtClean="0">
+                <a:solidFill>
+                  <a:schemeClr val="tx1"/>
+                </a:solidFill>
+                <a:latin typeface="Times New Roman" panose="02020603050405020304" pitchFamily="18" charset="0"/>
+                <a:cs typeface="Times New Roman" panose="02020603050405020304" pitchFamily="18" charset="0"/>
+              </a:rPr>
+              <a:t>Ablauf</a:t>
+            </a:r>
+            <a:endParaRPr lang="de-DE" sz="6500" dirty="0">
+              <a:solidFill>
+                <a:schemeClr val="tx1"/>
+              </a:solidFill>
+              <a:latin typeface="Times New Roman" panose="02020603050405020304" pitchFamily="18" charset="0"/>
+              <a:cs typeface="Times New Roman" panose="02020603050405020304" pitchFamily="18" charset="0"/>
+            </a:endParaRPr>
+          </a:p>
+        </p:txBody>
+      </p:sp>
+      <p:sp>
+        <p:nvSpPr>
+          <p:cNvPr id="3" name="Textfeld 2"/>
+          <p:cNvSpPr txBox="1"/>
+          <p:nvPr/>
+        </p:nvSpPr>
+        <p:spPr>
+          <a:xfrm>
+            <a:off x="1534332" y="2154264"/>
+            <a:ext cx="9159499" cy="2308324"/>
+          </a:xfrm>
+          <a:prstGeom prst="rect">
+            <a:avLst/>
+          </a:prstGeom>
+          <a:noFill/>
+        </p:spPr>
+        <p:txBody>
+          <a:bodyPr wrap="square" rtlCol="0">
+            <a:spAutoFit/>
+          </a:bodyPr>
+          <a:lstStyle/>
+          <a:p>
+            <a:pPr marL="285750" indent="-285750">
+              <a:buFont typeface="Arial" panose="020B0604020202020204" pitchFamily="34" charset="0"/>
+              <a:buChar char="•"/>
+            </a:pPr>
+            <a:r>
+              <a:rPr lang="de-DE" dirty="0" smtClean="0"/>
+              <a:t>Allgemeine Vorstellung der Tätigkeiten (Lisa)</a:t>
+            </a:r>
+          </a:p>
+          <a:p>
+            <a:pPr marL="285750" indent="-285750">
+              <a:buFont typeface="Arial" panose="020B0604020202020204" pitchFamily="34" charset="0"/>
+              <a:buChar char="•"/>
+            </a:pPr>
+            <a:r>
+              <a:rPr lang="de-DE" dirty="0" smtClean="0"/>
+              <a:t>Julian</a:t>
+            </a:r>
+          </a:p>
+          <a:p>
+            <a:pPr marL="285750" indent="-285750">
+              <a:buFont typeface="Arial" panose="020B0604020202020204" pitchFamily="34" charset="0"/>
+              <a:buChar char="•"/>
+            </a:pPr>
+            <a:r>
+              <a:rPr lang="de-DE" dirty="0" smtClean="0"/>
+              <a:t>Anita</a:t>
+            </a:r>
+          </a:p>
+          <a:p>
+            <a:pPr marL="285750" indent="-285750">
+              <a:buFont typeface="Arial" panose="020B0604020202020204" pitchFamily="34" charset="0"/>
+              <a:buChar char="•"/>
+            </a:pPr>
+            <a:r>
+              <a:rPr lang="de-DE" dirty="0" smtClean="0"/>
+              <a:t>Amir</a:t>
+            </a:r>
+          </a:p>
+          <a:p>
+            <a:pPr marL="285750" indent="-285750">
+              <a:buFont typeface="Arial" panose="020B0604020202020204" pitchFamily="34" charset="0"/>
+              <a:buChar char="•"/>
+            </a:pPr>
+            <a:r>
+              <a:rPr lang="de-DE" dirty="0" smtClean="0"/>
+              <a:t>Do</a:t>
+            </a:r>
+          </a:p>
+          <a:p>
+            <a:pPr marL="285750" indent="-285750">
+              <a:buFont typeface="Arial" panose="020B0604020202020204" pitchFamily="34" charset="0"/>
+              <a:buChar char="•"/>
+            </a:pPr>
+            <a:r>
+              <a:rPr lang="de-DE" dirty="0" smtClean="0"/>
+              <a:t>Rebecca</a:t>
+            </a:r>
+          </a:p>
+          <a:p>
+            <a:pPr marL="285750" indent="-285750">
+              <a:buFont typeface="Arial" panose="020B0604020202020204" pitchFamily="34" charset="0"/>
+              <a:buChar char="•"/>
+            </a:pPr>
+            <a:r>
+              <a:rPr lang="de-DE" dirty="0" smtClean="0"/>
+              <a:t>Hubert</a:t>
+            </a:r>
+          </a:p>
+          <a:p>
+            <a:pPr marL="285750" indent="-285750">
+              <a:buFont typeface="Arial" panose="020B0604020202020204" pitchFamily="34" charset="0"/>
+              <a:buChar char="•"/>
+            </a:pPr>
+            <a:r>
+              <a:rPr lang="de-DE" dirty="0" smtClean="0"/>
+              <a:t>Lisa</a:t>
+            </a:r>
+            <a:endParaRPr lang="de-DE" dirty="0"/>
+          </a:p>
+        </p:txBody>
+      </p:sp>
+    </p:spTree>
+    <p:extLst>
+      <p:ext uri="{BB962C8B-B14F-4D97-AF65-F5344CB8AC3E}">
+        <p14:creationId xmlns:p14="http://schemas.microsoft.com/office/powerpoint/2010/main" val="246951676"/>
+      </p:ext>
+    </p:extLst>
+  </p:cSld>
+  <p:clrMapOvr>
+    <a:masterClrMapping/>
+  </p:clrMapOvr>
+  <p:transition spd="slow">
+    <p:push dir="u"/>
+  </p:transition>
+  <p:timing>
+    <p:tnLst>
+      <p:par>
+        <p:cTn id="1" dur="indefinite" restart="never" nodeType="tmRoot"/>
+      </p:par>
+    </p:tnLst>
+  </p:timing>
+</p:sld>
+</file>
+
+<file path=ppt/slides/slide20.xml><?xml version="1.0" encoding="utf-8"?>
+<p:sld xmlns:a="http://schemas.openxmlformats.org/drawingml/2006/main" xmlns:r="http://schemas.openxmlformats.org/officeDocument/2006/relationships" xmlns:p="http://schemas.openxmlformats.org/presentationml/2006/main">
+  <p:cSld>
+    <p:spTree>
+      <p:nvGrpSpPr>
+        <p:cNvPr id="1" name=""/>
+        <p:cNvGrpSpPr/>
+        <p:nvPr/>
+      </p:nvGrpSpPr>
+      <p:grpSpPr>
+        <a:xfrm>
+          <a:off x="0" y="0"/>
+          <a:ext cx="0" cy="0"/>
+          <a:chOff x="0" y="0"/>
+          <a:chExt cx="0" cy="0"/>
+        </a:xfrm>
+      </p:grpSpPr>
+      <p:sp>
+        <p:nvSpPr>
+          <p:cNvPr id="2" name="Titel 1"/>
+          <p:cNvSpPr>
+            <a:spLocks noGrp="1"/>
+          </p:cNvSpPr>
+          <p:nvPr>
+            <p:ph type="ctrTitle"/>
+          </p:nvPr>
+        </p:nvSpPr>
+        <p:spPr/>
+        <p:txBody>
+          <a:bodyPr/>
+          <a:lstStyle/>
+          <a:p>
+            <a:r>
+              <a:rPr lang="en-GB" dirty="0" err="1" smtClean="0"/>
+              <a:t>Umwandeln</a:t>
+            </a:r>
+            <a:r>
+              <a:rPr lang="en-GB" dirty="0" smtClean="0"/>
+              <a:t> der </a:t>
+            </a:r>
+            <a:r>
+              <a:rPr lang="en-GB" dirty="0" err="1" smtClean="0"/>
+              <a:t>Daten</a:t>
+            </a:r>
+            <a:r>
+              <a:rPr lang="en-GB" dirty="0" smtClean="0"/>
+              <a:t> </a:t>
+            </a:r>
+            <a:r>
+              <a:rPr lang="en-GB" dirty="0" err="1" smtClean="0"/>
+              <a:t>aus</a:t>
+            </a:r>
+            <a:r>
+              <a:rPr lang="en-GB" dirty="0" smtClean="0"/>
+              <a:t> </a:t>
+            </a:r>
+            <a:r>
+              <a:rPr lang="en-GB" dirty="0" err="1" smtClean="0"/>
+              <a:t>vadere</a:t>
+            </a:r>
+            <a:endParaRPr lang="de-DE" dirty="0"/>
+          </a:p>
+        </p:txBody>
+      </p:sp>
+      <p:sp>
+        <p:nvSpPr>
+          <p:cNvPr id="3" name="Untertitel 2"/>
+          <p:cNvSpPr>
+            <a:spLocks noGrp="1"/>
+          </p:cNvSpPr>
+          <p:nvPr>
+            <p:ph type="subTitle" idx="1"/>
+          </p:nvPr>
+        </p:nvSpPr>
+        <p:spPr/>
+        <p:txBody>
+          <a:bodyPr/>
+          <a:lstStyle/>
+          <a:p>
+            <a:endParaRPr lang="de-DE"/>
+          </a:p>
+        </p:txBody>
+      </p:sp>
+    </p:spTree>
+    <p:extLst>
+      <p:ext uri="{BB962C8B-B14F-4D97-AF65-F5344CB8AC3E}">
+        <p14:creationId xmlns:p14="http://schemas.microsoft.com/office/powerpoint/2010/main" val="4068708190"/>
+      </p:ext>
+    </p:extLst>
+  </p:cSld>
+  <p:clrMapOvr>
+    <a:masterClrMapping/>
+  </p:clrMapOvr>
+  <p:transition spd="slow">
+    <p:push dir="u"/>
+  </p:transition>
+  <p:timing>
+    <p:tnLst>
+      <p:par>
+        <p:cTn id="1" dur="indefinite" restart="never" nodeType="tmRoot"/>
+      </p:par>
+    </p:tnLst>
+  </p:timing>
+</p:sld>
+</file>
+
+<file path=ppt/slides/slide21.xml><?xml version="1.0" encoding="utf-8"?>
+<p:sld xmlns:a="http://schemas.openxmlformats.org/drawingml/2006/main" xmlns:r="http://schemas.openxmlformats.org/officeDocument/2006/relationships" xmlns:p="http://schemas.openxmlformats.org/presentationml/2006/main">
+  <p:cSld>
+    <p:spTree>
+      <p:nvGrpSpPr>
+        <p:cNvPr id="1" name=""/>
+        <p:cNvGrpSpPr/>
+        <p:nvPr/>
+      </p:nvGrpSpPr>
+      <p:grpSpPr>
+        <a:xfrm>
+          <a:off x="0" y="0"/>
+          <a:ext cx="0" cy="0"/>
+          <a:chOff x="0" y="0"/>
+          <a:chExt cx="0" cy="0"/>
+        </a:xfrm>
+      </p:grpSpPr>
+      <p:sp>
+        <p:nvSpPr>
+          <p:cNvPr id="3" name="Inhaltsplatzhalter 2"/>
+          <p:cNvSpPr>
+            <a:spLocks noGrp="1"/>
+          </p:cNvSpPr>
+          <p:nvPr>
+            <p:ph idx="1"/>
+          </p:nvPr>
+        </p:nvSpPr>
+        <p:spPr>
+          <a:xfrm>
+            <a:off x="684212" y="685800"/>
+            <a:ext cx="8534400" cy="5205046"/>
+          </a:xfrm>
+        </p:spPr>
+        <p:txBody>
+          <a:bodyPr/>
+          <a:lstStyle/>
+          <a:p>
+            <a:r>
+              <a:rPr lang="en-GB" dirty="0" err="1" smtClean="0"/>
+              <a:t>Ziel</a:t>
+            </a:r>
+            <a:r>
+              <a:rPr lang="en-GB" dirty="0" smtClean="0"/>
+              <a:t>: </a:t>
+            </a:r>
+            <a:r>
+              <a:rPr lang="en-GB" dirty="0" err="1" smtClean="0"/>
+              <a:t>Logfiles</a:t>
+            </a:r>
+            <a:r>
+              <a:rPr lang="en-GB" dirty="0" smtClean="0"/>
+              <a:t> von </a:t>
+            </a:r>
+            <a:r>
+              <a:rPr lang="en-GB" dirty="0" err="1" smtClean="0"/>
+              <a:t>Vadere</a:t>
+            </a:r>
+            <a:r>
+              <a:rPr lang="en-GB" dirty="0" smtClean="0"/>
+              <a:t> so </a:t>
+            </a:r>
+            <a:r>
+              <a:rPr lang="en-GB" dirty="0" err="1" smtClean="0"/>
+              <a:t>umwandeln</a:t>
+            </a:r>
+            <a:r>
+              <a:rPr lang="en-GB" dirty="0" smtClean="0"/>
+              <a:t> </a:t>
+            </a:r>
+            <a:r>
+              <a:rPr lang="en-GB" dirty="0" err="1" smtClean="0"/>
+              <a:t>dass</a:t>
+            </a:r>
+            <a:r>
+              <a:rPr lang="en-GB" dirty="0" smtClean="0"/>
+              <a:t> </a:t>
+            </a:r>
+            <a:r>
+              <a:rPr lang="en-GB" dirty="0" err="1" smtClean="0"/>
+              <a:t>Daten</a:t>
+            </a:r>
+            <a:r>
+              <a:rPr lang="en-GB" dirty="0" smtClean="0"/>
+              <a:t> </a:t>
+            </a:r>
+            <a:r>
+              <a:rPr lang="en-GB" dirty="0" err="1" smtClean="0"/>
+              <a:t>entstehen</a:t>
+            </a:r>
+            <a:r>
+              <a:rPr lang="en-GB" dirty="0" smtClean="0"/>
+              <a:t>, die </a:t>
+            </a:r>
+            <a:r>
+              <a:rPr lang="en-GB" dirty="0" err="1" smtClean="0"/>
+              <a:t>verwendet</a:t>
+            </a:r>
+            <a:r>
+              <a:rPr lang="en-GB" dirty="0" smtClean="0"/>
+              <a:t> </a:t>
+            </a:r>
+            <a:r>
+              <a:rPr lang="en-GB" dirty="0" err="1" smtClean="0"/>
+              <a:t>werden</a:t>
+            </a:r>
+            <a:r>
+              <a:rPr lang="en-GB" dirty="0" smtClean="0"/>
+              <a:t> </a:t>
+            </a:r>
+            <a:r>
+              <a:rPr lang="en-GB" dirty="0" err="1" smtClean="0"/>
+              <a:t>können</a:t>
+            </a:r>
+            <a:endParaRPr lang="en-GB" dirty="0" smtClean="0"/>
+          </a:p>
+          <a:p>
+            <a:r>
+              <a:rPr lang="en-GB" dirty="0" err="1" smtClean="0"/>
+              <a:t>Umsetzung</a:t>
+            </a:r>
+            <a:r>
+              <a:rPr lang="en-GB" dirty="0" smtClean="0"/>
+              <a:t>: Python </a:t>
+            </a:r>
+            <a:r>
+              <a:rPr lang="en-GB" dirty="0" err="1" smtClean="0"/>
+              <a:t>Skript</a:t>
+            </a:r>
+            <a:endParaRPr lang="de-DE" dirty="0"/>
+          </a:p>
+        </p:txBody>
+      </p:sp>
+    </p:spTree>
+    <p:extLst>
+      <p:ext uri="{BB962C8B-B14F-4D97-AF65-F5344CB8AC3E}">
+        <p14:creationId xmlns:p14="http://schemas.microsoft.com/office/powerpoint/2010/main" val="2214173771"/>
+      </p:ext>
+    </p:extLst>
+  </p:cSld>
+  <p:clrMapOvr>
+    <a:masterClrMapping/>
+  </p:clrMapOvr>
+  <p:transition spd="slow">
+    <p:push dir="u"/>
+  </p:transition>
+  <p:timing>
+    <p:tnLst>
+      <p:par>
+        <p:cTn id="1" dur="indefinite" restart="never" nodeType="tmRoot"/>
+      </p:par>
+    </p:tnLst>
+  </p:timing>
+</p:sld>
+</file>
+
+<file path=ppt/slides/slide22.xml><?xml version="1.0" encoding="utf-8"?>
+<p:sld xmlns:a="http://schemas.openxmlformats.org/drawingml/2006/main" xmlns:r="http://schemas.openxmlformats.org/officeDocument/2006/relationships" xmlns:p="http://schemas.openxmlformats.org/presentationml/2006/main">
+  <p:cSld>
+    <p:spTree>
+      <p:nvGrpSpPr>
+        <p:cNvPr id="1" name=""/>
+        <p:cNvGrpSpPr/>
+        <p:nvPr/>
+      </p:nvGrpSpPr>
+      <p:grpSpPr>
+        <a:xfrm>
+          <a:off x="0" y="0"/>
+          <a:ext cx="0" cy="0"/>
+          <a:chOff x="0" y="0"/>
+          <a:chExt cx="0" cy="0"/>
+        </a:xfrm>
+      </p:grpSpPr>
+      <p:sp>
+        <p:nvSpPr>
+          <p:cNvPr id="3" name="Inhaltsplatzhalter 2"/>
+          <p:cNvSpPr>
+            <a:spLocks noGrp="1"/>
+          </p:cNvSpPr>
+          <p:nvPr>
+            <p:ph idx="1"/>
+          </p:nvPr>
+        </p:nvSpPr>
+        <p:spPr>
+          <a:xfrm>
+            <a:off x="684212" y="685800"/>
+            <a:ext cx="8534400" cy="5275385"/>
+          </a:xfrm>
+        </p:spPr>
+        <p:txBody>
+          <a:bodyPr>
+            <a:normAutofit/>
+          </a:bodyPr>
+          <a:lstStyle/>
+          <a:p>
+            <a:pPr marL="0" indent="0">
+              <a:buNone/>
+            </a:pPr>
+            <a:r>
+              <a:rPr lang="en-GB" sz="3200" dirty="0" smtClean="0"/>
+              <a:t>Input-Format</a:t>
+            </a:r>
+            <a:endParaRPr lang="de-DE" sz="3200" dirty="0" smtClean="0"/>
+          </a:p>
+          <a:p>
+            <a:pPr marL="0" indent="0">
+              <a:buNone/>
+            </a:pPr>
+            <a:r>
+              <a:rPr lang="en-GB" dirty="0" err="1" smtClean="0"/>
+              <a:t>Schritt</a:t>
+            </a:r>
+            <a:r>
+              <a:rPr lang="en-GB" dirty="0" smtClean="0"/>
+              <a:t>, </a:t>
+            </a:r>
+            <a:r>
+              <a:rPr lang="en-GB" dirty="0" err="1" smtClean="0"/>
+              <a:t>Personen</a:t>
+            </a:r>
+            <a:r>
+              <a:rPr lang="en-GB" dirty="0" smtClean="0"/>
+              <a:t>-Id, </a:t>
+            </a:r>
+            <a:r>
+              <a:rPr lang="es-ES" dirty="0" smtClean="0"/>
+              <a:t>x-Koordinate, y-Koordinate, Ziel-Id</a:t>
+            </a:r>
+          </a:p>
+          <a:p>
+            <a:pPr marL="0" indent="0">
+              <a:buNone/>
+            </a:pPr>
+            <a:endParaRPr lang="es-ES" dirty="0" smtClean="0"/>
+          </a:p>
+          <a:p>
+            <a:pPr marL="0" indent="0">
+              <a:buNone/>
+            </a:pPr>
+            <a:r>
+              <a:rPr lang="es-ES" sz="3200" dirty="0" smtClean="0"/>
+              <a:t>Output-Format</a:t>
+            </a:r>
+          </a:p>
+          <a:p>
+            <a:pPr marL="0" indent="0">
+              <a:buNone/>
+            </a:pPr>
+            <a:r>
+              <a:rPr lang="es-ES" dirty="0" smtClean="0"/>
+              <a:t>Datei 1:</a:t>
+            </a:r>
+          </a:p>
+          <a:p>
+            <a:pPr marL="0" indent="0">
+              <a:buNone/>
+            </a:pPr>
+            <a:r>
+              <a:rPr lang="es-ES" dirty="0"/>
+              <a:t>	</a:t>
+            </a:r>
+            <a:r>
+              <a:rPr lang="es-ES" dirty="0" smtClean="0"/>
+              <a:t>x-P1, y-P1, x-P2, y-P2, .....</a:t>
+            </a:r>
+          </a:p>
+          <a:p>
+            <a:pPr marL="0" indent="0">
+              <a:buNone/>
+            </a:pPr>
+            <a:r>
+              <a:rPr lang="es-ES" dirty="0" smtClean="0"/>
+              <a:t>Datei 2:</a:t>
+            </a:r>
+          </a:p>
+          <a:p>
+            <a:pPr marL="0" indent="0">
+              <a:buNone/>
+            </a:pPr>
+            <a:r>
+              <a:rPr lang="es-ES" dirty="0"/>
+              <a:t>	</a:t>
+            </a:r>
+            <a:r>
+              <a:rPr lang="es-ES" dirty="0" smtClean="0"/>
+              <a:t>Ziel-Id-P1, Ziel-Id-P2, .....</a:t>
+            </a:r>
+          </a:p>
+        </p:txBody>
+      </p:sp>
+    </p:spTree>
+    <p:extLst>
+      <p:ext uri="{BB962C8B-B14F-4D97-AF65-F5344CB8AC3E}">
+        <p14:creationId xmlns:p14="http://schemas.microsoft.com/office/powerpoint/2010/main" val="2706205801"/>
+      </p:ext>
+    </p:extLst>
+  </p:cSld>
+  <p:clrMapOvr>
+    <a:masterClrMapping/>
+  </p:clrMapOvr>
+  <p:transition spd="slow">
+    <p:push dir="u"/>
+  </p:transition>
+  <p:timing>
+    <p:tnLst>
+      <p:par>
+        <p:cTn id="1" dur="indefinite" restart="never" nodeType="tmRoot"/>
+      </p:par>
+    </p:tnLst>
+  </p:timing>
+</p:sld>
+</file>
+
+<file path=ppt/slides/slide23.xml><?xml version="1.0" encoding="utf-8"?>
+<p:sld xmlns:a="http://schemas.openxmlformats.org/drawingml/2006/main" xmlns:r="http://schemas.openxmlformats.org/officeDocument/2006/relationships" xmlns:p="http://schemas.openxmlformats.org/presentationml/2006/main">
+  <p:cSld>
+    <p:spTree>
+      <p:nvGrpSpPr>
+        <p:cNvPr id="1" name=""/>
+        <p:cNvGrpSpPr/>
+        <p:nvPr/>
+      </p:nvGrpSpPr>
+      <p:grpSpPr>
+        <a:xfrm>
+          <a:off x="0" y="0"/>
+          <a:ext cx="0" cy="0"/>
+          <a:chOff x="0" y="0"/>
+          <a:chExt cx="0" cy="0"/>
+        </a:xfrm>
+      </p:grpSpPr>
+      <p:sp>
+        <p:nvSpPr>
+          <p:cNvPr id="3" name="Inhaltsplatzhalter 2"/>
+          <p:cNvSpPr>
+            <a:spLocks noGrp="1"/>
+          </p:cNvSpPr>
+          <p:nvPr>
+            <p:ph idx="1"/>
+          </p:nvPr>
+        </p:nvSpPr>
+        <p:spPr>
+          <a:xfrm>
+            <a:off x="684212" y="685800"/>
+            <a:ext cx="10745788" cy="5539154"/>
+          </a:xfrm>
+        </p:spPr>
+        <p:txBody>
+          <a:bodyPr/>
+          <a:lstStyle/>
+          <a:p>
+            <a:pPr marL="0" indent="0">
+              <a:buNone/>
+            </a:pPr>
+            <a:r>
+              <a:rPr lang="en-GB" sz="3200" dirty="0" err="1" smtClean="0"/>
+              <a:t>Schwierigkeiten</a:t>
+            </a:r>
+            <a:endParaRPr lang="en-GB" sz="3200" dirty="0" smtClean="0"/>
+          </a:p>
+          <a:p>
+            <a:r>
+              <a:rPr lang="en-GB" dirty="0" err="1" smtClean="0"/>
+              <a:t>Wechselnde</a:t>
+            </a:r>
+            <a:r>
+              <a:rPr lang="en-GB" dirty="0" smtClean="0"/>
+              <a:t> </a:t>
+            </a:r>
+            <a:r>
+              <a:rPr lang="en-GB" dirty="0" err="1" smtClean="0"/>
+              <a:t>Anforderungen</a:t>
+            </a:r>
+            <a:endParaRPr lang="en-GB" dirty="0" smtClean="0"/>
+          </a:p>
+          <a:p>
+            <a:r>
+              <a:rPr lang="en-GB" dirty="0" err="1" smtClean="0"/>
+              <a:t>Wenig</a:t>
+            </a:r>
+            <a:r>
+              <a:rPr lang="en-GB" dirty="0" smtClean="0"/>
+              <a:t> Meta-</a:t>
+            </a:r>
+            <a:r>
+              <a:rPr lang="en-GB" dirty="0" err="1" smtClean="0"/>
+              <a:t>Daten</a:t>
+            </a:r>
+            <a:r>
+              <a:rPr lang="en-GB" dirty="0" smtClean="0"/>
+              <a:t> (</a:t>
+            </a:r>
+            <a:r>
+              <a:rPr lang="en-GB" dirty="0" err="1" smtClean="0"/>
+              <a:t>Gesamtanzahl</a:t>
+            </a:r>
+            <a:r>
+              <a:rPr lang="en-GB" dirty="0" smtClean="0"/>
+              <a:t> an </a:t>
+            </a:r>
+            <a:r>
+              <a:rPr lang="en-GB" dirty="0" err="1" smtClean="0"/>
+              <a:t>Personen</a:t>
+            </a:r>
+            <a:r>
+              <a:rPr lang="en-GB" dirty="0" smtClean="0"/>
+              <a:t>, </a:t>
+            </a:r>
+            <a:r>
+              <a:rPr lang="en-GB" dirty="0" err="1" smtClean="0"/>
+              <a:t>Anzahl</a:t>
+            </a:r>
+            <a:r>
+              <a:rPr lang="en-GB" dirty="0" smtClean="0"/>
+              <a:t> an </a:t>
+            </a:r>
+            <a:r>
+              <a:rPr lang="en-GB" dirty="0" err="1" smtClean="0"/>
+              <a:t>Zielen</a:t>
+            </a:r>
+            <a:r>
+              <a:rPr lang="en-GB" dirty="0" smtClean="0"/>
+              <a:t>, …)</a:t>
+            </a:r>
+          </a:p>
+          <a:p>
+            <a:r>
+              <a:rPr lang="en-GB" dirty="0" err="1" smtClean="0"/>
+              <a:t>Berechnung</a:t>
+            </a:r>
+            <a:r>
+              <a:rPr lang="en-GB" dirty="0" smtClean="0"/>
+              <a:t> der </a:t>
+            </a:r>
+            <a:r>
+              <a:rPr lang="en-GB" dirty="0" err="1" smtClean="0"/>
+              <a:t>Verteilung</a:t>
+            </a:r>
+            <a:r>
+              <a:rPr lang="en-GB" dirty="0" smtClean="0"/>
+              <a:t> der </a:t>
+            </a:r>
+            <a:r>
+              <a:rPr lang="en-GB" dirty="0" err="1" smtClean="0"/>
+              <a:t>Personen</a:t>
+            </a:r>
+            <a:r>
+              <a:rPr lang="en-GB" dirty="0" smtClean="0"/>
+              <a:t> pro </a:t>
+            </a:r>
+            <a:r>
+              <a:rPr lang="en-GB" dirty="0" err="1" smtClean="0"/>
+              <a:t>Ziel</a:t>
+            </a:r>
+            <a:endParaRPr lang="en-GB" dirty="0" smtClean="0"/>
+          </a:p>
+          <a:p>
+            <a:endParaRPr lang="de-DE" dirty="0"/>
+          </a:p>
+        </p:txBody>
+      </p:sp>
+    </p:spTree>
+    <p:extLst>
+      <p:ext uri="{BB962C8B-B14F-4D97-AF65-F5344CB8AC3E}">
+        <p14:creationId xmlns:p14="http://schemas.microsoft.com/office/powerpoint/2010/main" val="3254874645"/>
+      </p:ext>
+    </p:extLst>
+  </p:cSld>
+  <p:clrMapOvr>
+    <a:masterClrMapping/>
+  </p:clrMapOvr>
+  <p:transition spd="slow">
+    <p:push dir="u"/>
+  </p:transition>
+  <p:timing>
+    <p:tnLst>
+      <p:par>
+        <p:cTn id="1" dur="indefinite" restart="never" nodeType="tmRoot"/>
+      </p:par>
+    </p:tnLst>
+  </p:timing>
+</p:sld>
+</file>
+
+<file path=ppt/slides/slide24.xml><?xml version="1.0" encoding="utf-8"?>
+<p:sld xmlns:a="http://schemas.openxmlformats.org/drawingml/2006/main" xmlns:r="http://schemas.openxmlformats.org/officeDocument/2006/relationships" xmlns:p="http://schemas.openxmlformats.org/presentationml/2006/main">
+  <p:cSld>
+    <p:spTree>
+      <p:nvGrpSpPr>
+        <p:cNvPr id="1" name=""/>
+        <p:cNvGrpSpPr/>
+        <p:nvPr/>
+      </p:nvGrpSpPr>
+      <p:grpSpPr>
+        <a:xfrm>
+          <a:off x="0" y="0"/>
+          <a:ext cx="0" cy="0"/>
+          <a:chOff x="0" y="0"/>
+          <a:chExt cx="0" cy="0"/>
+        </a:xfrm>
+      </p:grpSpPr>
+      <p:sp>
+        <p:nvSpPr>
+          <p:cNvPr id="3" name="Inhaltsplatzhalter 2"/>
+          <p:cNvSpPr>
+            <a:spLocks noGrp="1"/>
+          </p:cNvSpPr>
+          <p:nvPr>
+            <p:ph idx="1"/>
+          </p:nvPr>
+        </p:nvSpPr>
+        <p:spPr>
+          <a:xfrm>
+            <a:off x="684212" y="677008"/>
+            <a:ext cx="8534400" cy="5336930"/>
+          </a:xfrm>
+        </p:spPr>
+        <p:txBody>
+          <a:bodyPr>
+            <a:normAutofit/>
+          </a:bodyPr>
+          <a:lstStyle/>
+          <a:p>
+            <a:pPr marL="0" indent="0">
+              <a:buNone/>
+            </a:pPr>
+            <a:r>
+              <a:rPr lang="en-GB" sz="4400" dirty="0" err="1" smtClean="0"/>
+              <a:t>Selbsteinschätzung</a:t>
+            </a:r>
+            <a:endParaRPr lang="en-GB" sz="4400" dirty="0" smtClean="0"/>
+          </a:p>
+          <a:p>
+            <a:pPr marL="0" indent="0">
+              <a:buNone/>
+            </a:pPr>
+            <a:endParaRPr lang="en-GB" sz="4400" dirty="0"/>
+          </a:p>
+          <a:p>
+            <a:pPr marL="0" indent="0">
+              <a:buNone/>
+            </a:pPr>
+            <a:endParaRPr lang="en-GB" sz="4400" dirty="0" smtClean="0"/>
+          </a:p>
+          <a:p>
+            <a:pPr marL="0" indent="0">
+              <a:buNone/>
+            </a:pPr>
+            <a:r>
+              <a:rPr lang="en-GB" sz="4400" dirty="0" smtClean="0"/>
+              <a:t>50%</a:t>
+            </a:r>
+          </a:p>
+        </p:txBody>
+      </p:sp>
+    </p:spTree>
+    <p:extLst>
+      <p:ext uri="{BB962C8B-B14F-4D97-AF65-F5344CB8AC3E}">
+        <p14:creationId xmlns:p14="http://schemas.microsoft.com/office/powerpoint/2010/main" val="3340400464"/>
+      </p:ext>
+    </p:extLst>
+  </p:cSld>
+  <p:clrMapOvr>
+    <a:masterClrMapping/>
+  </p:clrMapOvr>
+  <p:transition spd="slow">
+    <p:push dir="u"/>
+  </p:transition>
+  <p:timing>
+    <p:tnLst>
+      <p:par>
+        <p:cTn id="1" dur="indefinite" restart="never" nodeType="tmRoot"/>
+      </p:par>
+    </p:tnLst>
+  </p:timing>
+</p:sld>
+</file>
+
+<file path=ppt/slides/slide25.xml><?xml version="1.0" encoding="utf-8"?>
+<p:sld xmlns:a="http://schemas.openxmlformats.org/drawingml/2006/main" xmlns:r="http://schemas.openxmlformats.org/officeDocument/2006/relationships" xmlns:p="http://schemas.openxmlformats.org/presentationml/2006/main">
+  <p:cSld>
+    <p:spTree>
+      <p:nvGrpSpPr>
+        <p:cNvPr id="1" name=""/>
+        <p:cNvGrpSpPr/>
+        <p:nvPr/>
+      </p:nvGrpSpPr>
+      <p:grpSpPr>
+        <a:xfrm>
+          <a:off x="0" y="0"/>
+          <a:ext cx="0" cy="0"/>
+          <a:chOff x="0" y="0"/>
+          <a:chExt cx="0" cy="0"/>
+        </a:xfrm>
+      </p:grpSpPr>
+      <p:sp>
+        <p:nvSpPr>
+          <p:cNvPr id="3" name="Inhaltsplatzhalter 2"/>
+          <p:cNvSpPr>
+            <a:spLocks noGrp="1"/>
+          </p:cNvSpPr>
+          <p:nvPr>
+            <p:ph idx="1"/>
+          </p:nvPr>
+        </p:nvSpPr>
+        <p:spPr>
+          <a:xfrm>
+            <a:off x="684212" y="677008"/>
+            <a:ext cx="8534400" cy="5336930"/>
+          </a:xfrm>
+        </p:spPr>
+        <p:txBody>
+          <a:bodyPr>
+            <a:normAutofit/>
+          </a:bodyPr>
+          <a:lstStyle/>
+          <a:p>
+            <a:pPr marL="0" indent="0">
+              <a:buNone/>
+            </a:pPr>
+            <a:r>
+              <a:rPr lang="en-GB" sz="4400" dirty="0" smtClean="0"/>
+              <a:t>Do</a:t>
+            </a:r>
+          </a:p>
+        </p:txBody>
+      </p:sp>
+    </p:spTree>
+    <p:extLst>
+      <p:ext uri="{BB962C8B-B14F-4D97-AF65-F5344CB8AC3E}">
+        <p14:creationId xmlns:p14="http://schemas.microsoft.com/office/powerpoint/2010/main" val="2984088426"/>
+      </p:ext>
+    </p:extLst>
+  </p:cSld>
+  <p:clrMapOvr>
+    <a:masterClrMapping/>
+  </p:clrMapOvr>
+  <p:transition spd="slow">
+    <p:push dir="u"/>
+  </p:transition>
+  <p:timing>
+    <p:tnLst>
+      <p:par>
+        <p:cTn id="1" dur="indefinite" restart="never" nodeType="tmRoot"/>
+      </p:par>
+    </p:tnLst>
+  </p:timing>
+</p:sld>
+</file>
+
+<file path=ppt/slides/slide26.xml><?xml version="1.0" encoding="utf-8"?>
+<p:sld xmlns:a="http://schemas.openxmlformats.org/drawingml/2006/main" xmlns:r="http://schemas.openxmlformats.org/officeDocument/2006/relationships" xmlns:p="http://schemas.openxmlformats.org/presentationml/2006/main">
+  <p:cSld>
+    <p:spTree>
+      <p:nvGrpSpPr>
+        <p:cNvPr id="1" name=""/>
+        <p:cNvGrpSpPr/>
+        <p:nvPr/>
+      </p:nvGrpSpPr>
+      <p:grpSpPr>
+        <a:xfrm>
+          <a:off x="0" y="0"/>
+          <a:ext cx="0" cy="0"/>
+          <a:chOff x="0" y="0"/>
+          <a:chExt cx="0" cy="0"/>
+        </a:xfrm>
+      </p:grpSpPr>
+      <p:sp>
+        <p:nvSpPr>
+          <p:cNvPr id="2" name="Titel 1"/>
+          <p:cNvSpPr>
+            <a:spLocks noGrp="1"/>
+          </p:cNvSpPr>
+          <p:nvPr>
+            <p:ph type="title"/>
+          </p:nvPr>
+        </p:nvSpPr>
+        <p:spPr/>
+        <p:txBody>
+          <a:bodyPr/>
+          <a:lstStyle/>
+          <a:p>
+            <a:r>
+              <a:rPr lang="de-DE" dirty="0" smtClean="0"/>
+              <a:t>Meine Tätigkeiten</a:t>
+            </a:r>
+            <a:endParaRPr lang="de-DE" dirty="0"/>
+          </a:p>
+        </p:txBody>
+      </p:sp>
+      <p:sp>
+        <p:nvSpPr>
+          <p:cNvPr id="3" name="Inhaltsplatzhalter 2"/>
+          <p:cNvSpPr>
+            <a:spLocks noGrp="1"/>
+          </p:cNvSpPr>
+          <p:nvPr>
+            <p:ph idx="1"/>
+          </p:nvPr>
+        </p:nvSpPr>
+        <p:spPr>
+          <a:xfrm>
+            <a:off x="3731014" y="2020889"/>
+            <a:ext cx="6168589" cy="4105275"/>
+          </a:xfrm>
+        </p:spPr>
+        <p:txBody>
+          <a:bodyPr>
+            <a:normAutofit/>
+          </a:bodyPr>
+          <a:lstStyle/>
+          <a:p>
+            <a:r>
+              <a:rPr lang="de-DE" dirty="0" smtClean="0"/>
+              <a:t>Einarbeitung in </a:t>
+            </a:r>
+            <a:r>
+              <a:rPr lang="de-DE" dirty="0" err="1" smtClean="0"/>
+              <a:t>Vadere</a:t>
+            </a:r>
+            <a:endParaRPr lang="de-DE" dirty="0" smtClean="0"/>
+          </a:p>
+          <a:p>
+            <a:r>
+              <a:rPr lang="de-DE" dirty="0"/>
+              <a:t> </a:t>
+            </a:r>
+            <a:r>
+              <a:rPr lang="de-DE" dirty="0" smtClean="0"/>
+              <a:t>Beispiel Szenarien erstellt</a:t>
+            </a:r>
+          </a:p>
+          <a:p>
+            <a:r>
+              <a:rPr lang="de-DE" dirty="0" smtClean="0"/>
+              <a:t>Filterverfahren, welche vorhanden sind</a:t>
+            </a:r>
+          </a:p>
+          <a:p>
+            <a:pPr lvl="1"/>
+            <a:r>
+              <a:rPr lang="de-DE" dirty="0" err="1" smtClean="0"/>
+              <a:t>Gaussian</a:t>
+            </a:r>
+            <a:r>
+              <a:rPr lang="de-DE" dirty="0" smtClean="0"/>
+              <a:t> Filter Python </a:t>
+            </a:r>
+          </a:p>
+          <a:p>
+            <a:pPr lvl="1"/>
+            <a:r>
+              <a:rPr lang="de-DE" dirty="0" err="1" smtClean="0"/>
+              <a:t>Scipy.ndimage.filter</a:t>
+            </a:r>
+            <a:r>
+              <a:rPr lang="de-DE" dirty="0" smtClean="0"/>
+              <a:t>  Bildfilter</a:t>
+            </a:r>
+          </a:p>
+          <a:p>
+            <a:r>
+              <a:rPr lang="de-DE" dirty="0" smtClean="0"/>
+              <a:t>Datenformat für Maschinelles Lernen bereitstellen </a:t>
+            </a:r>
+          </a:p>
+          <a:p>
+            <a:pPr lvl="1"/>
+            <a:r>
+              <a:rPr lang="de-DE" dirty="0" smtClean="0"/>
+              <a:t> Python Skript</a:t>
+            </a:r>
+          </a:p>
+          <a:p>
+            <a:r>
+              <a:rPr lang="de-DE" dirty="0" smtClean="0"/>
+              <a:t>Szenarien-Automatisierung</a:t>
+            </a:r>
+          </a:p>
+          <a:p>
+            <a:endParaRPr lang="de-DE" dirty="0"/>
+          </a:p>
+        </p:txBody>
+      </p:sp>
+    </p:spTree>
+    <p:extLst>
+      <p:ext uri="{BB962C8B-B14F-4D97-AF65-F5344CB8AC3E}">
+        <p14:creationId xmlns:p14="http://schemas.microsoft.com/office/powerpoint/2010/main" val="3861215185"/>
+      </p:ext>
+    </p:extLst>
+  </p:cSld>
+  <p:clrMapOvr>
+    <a:masterClrMapping/>
+  </p:clrMapOvr>
+  <p:transition spd="slow">
+    <p:push dir="u"/>
+  </p:transition>
+  <p:timing>
+    <p:tnLst>
+      <p:par>
+        <p:cTn id="1" dur="indefinite" restart="never" nodeType="tmRoot"/>
+      </p:par>
+    </p:tnLst>
+  </p:timing>
+</p:sld>
+</file>
+
+<file path=ppt/slides/slide27.xml><?xml version="1.0" encoding="utf-8"?>
+<p:sld xmlns:a="http://schemas.openxmlformats.org/drawingml/2006/main" xmlns:r="http://schemas.openxmlformats.org/officeDocument/2006/relationships" xmlns:p="http://schemas.openxmlformats.org/presentationml/2006/main">
+  <p:cSld>
+    <p:spTree>
+      <p:nvGrpSpPr>
+        <p:cNvPr id="1" name=""/>
+        <p:cNvGrpSpPr/>
+        <p:nvPr/>
+      </p:nvGrpSpPr>
+      <p:grpSpPr>
+        <a:xfrm>
+          <a:off x="0" y="0"/>
+          <a:ext cx="0" cy="0"/>
+          <a:chOff x="0" y="0"/>
+          <a:chExt cx="0" cy="0"/>
+        </a:xfrm>
+      </p:grpSpPr>
+      <p:sp>
+        <p:nvSpPr>
+          <p:cNvPr id="2" name="Titel 1"/>
+          <p:cNvSpPr>
+            <a:spLocks noGrp="1"/>
+          </p:cNvSpPr>
+          <p:nvPr>
+            <p:ph type="title"/>
+          </p:nvPr>
+        </p:nvSpPr>
+        <p:spPr/>
+        <p:txBody>
+          <a:bodyPr/>
+          <a:lstStyle/>
+          <a:p>
+            <a:r>
+              <a:rPr lang="de-DE" dirty="0" smtClean="0"/>
+              <a:t>Szenarien - Automatisierung</a:t>
+            </a:r>
+            <a:endParaRPr lang="de-DE" dirty="0"/>
+          </a:p>
+        </p:txBody>
+      </p:sp>
+      <p:sp>
+        <p:nvSpPr>
+          <p:cNvPr id="3" name="Inhaltsplatzhalter 2"/>
+          <p:cNvSpPr>
+            <a:spLocks noGrp="1"/>
+          </p:cNvSpPr>
+          <p:nvPr>
+            <p:ph idx="1"/>
+          </p:nvPr>
+        </p:nvSpPr>
+        <p:spPr>
+          <a:xfrm>
+            <a:off x="3792662" y="2020889"/>
+            <a:ext cx="6106941" cy="4105275"/>
+          </a:xfrm>
+        </p:spPr>
+        <p:txBody>
+          <a:bodyPr/>
+          <a:lstStyle/>
+          <a:p>
+            <a:r>
+              <a:rPr lang="de-DE" dirty="0" smtClean="0"/>
+              <a:t>Auftrag: 50 Szenarien mit unterschiedlichen Verteilungen</a:t>
+            </a:r>
+          </a:p>
+          <a:p>
+            <a:r>
+              <a:rPr lang="de-DE" dirty="0" smtClean="0"/>
+              <a:t>Einarbeitung in die </a:t>
+            </a:r>
+            <a:r>
+              <a:rPr lang="de-DE" dirty="0" err="1" smtClean="0"/>
+              <a:t>Vadere</a:t>
+            </a:r>
+            <a:r>
+              <a:rPr lang="de-DE" dirty="0" smtClean="0"/>
+              <a:t> Klassen (Bsp. </a:t>
+            </a:r>
+            <a:r>
+              <a:rPr lang="de-DE" dirty="0" err="1" smtClean="0"/>
+              <a:t>IOVadere</a:t>
+            </a:r>
+            <a:r>
+              <a:rPr lang="de-DE" dirty="0" smtClean="0"/>
+              <a:t>, </a:t>
+            </a:r>
+            <a:r>
+              <a:rPr lang="de-DE" dirty="0" err="1" smtClean="0"/>
+              <a:t>ScenarioBuilder</a:t>
+            </a:r>
+            <a:r>
+              <a:rPr lang="de-DE" dirty="0" smtClean="0"/>
+              <a:t>)</a:t>
+            </a:r>
+          </a:p>
+          <a:p>
+            <a:pPr marL="0" indent="0">
+              <a:buNone/>
+            </a:pPr>
+            <a:r>
+              <a:rPr lang="de-DE" dirty="0"/>
+              <a:t>	</a:t>
+            </a:r>
+            <a:r>
+              <a:rPr lang="de-DE" dirty="0" smtClean="0"/>
+              <a:t>- Einlesen der Szenarien </a:t>
+            </a:r>
+          </a:p>
+          <a:p>
+            <a:pPr marL="0" indent="0">
+              <a:buNone/>
+            </a:pPr>
+            <a:r>
+              <a:rPr lang="de-DE" dirty="0"/>
+              <a:t>	</a:t>
+            </a:r>
+            <a:r>
+              <a:rPr lang="de-DE" dirty="0" smtClean="0"/>
+              <a:t>- Attribute verändern</a:t>
+            </a:r>
+          </a:p>
+          <a:p>
+            <a:pPr marL="0" indent="0">
+              <a:buNone/>
+            </a:pPr>
+            <a:r>
+              <a:rPr lang="de-DE" dirty="0"/>
+              <a:t>	</a:t>
+            </a:r>
+            <a:r>
+              <a:rPr lang="de-DE" dirty="0" smtClean="0"/>
+              <a:t>- Verteilung berechnen</a:t>
+            </a:r>
+          </a:p>
+          <a:p>
+            <a:pPr marL="0" indent="0">
+              <a:buNone/>
+            </a:pPr>
+            <a:r>
+              <a:rPr lang="de-DE" dirty="0"/>
+              <a:t> </a:t>
+            </a:r>
+            <a:r>
+              <a:rPr lang="de-DE" dirty="0" smtClean="0"/>
+              <a:t>    	- Ausführen und </a:t>
+            </a:r>
+            <a:r>
+              <a:rPr lang="de-DE" dirty="0"/>
+              <a:t>S</a:t>
+            </a:r>
+            <a:r>
+              <a:rPr lang="de-DE" dirty="0" smtClean="0"/>
+              <a:t>peicherung</a:t>
+            </a:r>
+            <a:endParaRPr lang="de-DE" dirty="0"/>
+          </a:p>
+          <a:p>
+            <a:pPr marL="0" indent="0">
+              <a:buNone/>
+            </a:pPr>
+            <a:endParaRPr lang="de-DE" dirty="0" smtClean="0"/>
+          </a:p>
+        </p:txBody>
+      </p:sp>
+    </p:spTree>
+    <p:extLst>
+      <p:ext uri="{BB962C8B-B14F-4D97-AF65-F5344CB8AC3E}">
+        <p14:creationId xmlns:p14="http://schemas.microsoft.com/office/powerpoint/2010/main" val="325816035"/>
+      </p:ext>
+    </p:extLst>
+  </p:cSld>
+  <p:clrMapOvr>
+    <a:masterClrMapping/>
+  </p:clrMapOvr>
+  <p:transition spd="slow">
+    <p:push dir="u"/>
+  </p:transition>
+  <p:timing>
+    <p:tnLst>
+      <p:par>
+        <p:cTn id="1" dur="indefinite" restart="never" nodeType="tmRoot"/>
+      </p:par>
+    </p:tnLst>
+  </p:timing>
+</p:sld>
+</file>
+
+<file path=ppt/slides/slide28.xml><?xml version="1.0" encoding="utf-8"?>
+<p:sld xmlns:a="http://schemas.openxmlformats.org/drawingml/2006/main" xmlns:r="http://schemas.openxmlformats.org/officeDocument/2006/relationships" xmlns:p="http://schemas.openxmlformats.org/presentationml/2006/main">
+  <p:cSld>
+    <p:spTree>
+      <p:nvGrpSpPr>
+        <p:cNvPr id="1" name=""/>
+        <p:cNvGrpSpPr/>
+        <p:nvPr/>
+      </p:nvGrpSpPr>
+      <p:grpSpPr>
+        <a:xfrm>
+          <a:off x="0" y="0"/>
+          <a:ext cx="0" cy="0"/>
+          <a:chOff x="0" y="0"/>
+          <a:chExt cx="0" cy="0"/>
+        </a:xfrm>
+      </p:grpSpPr>
+      <p:sp>
+        <p:nvSpPr>
+          <p:cNvPr id="2" name="Titel 1"/>
+          <p:cNvSpPr>
+            <a:spLocks noGrp="1"/>
+          </p:cNvSpPr>
+          <p:nvPr>
+            <p:ph type="title"/>
+          </p:nvPr>
+        </p:nvSpPr>
+        <p:spPr/>
+        <p:txBody>
+          <a:bodyPr/>
+          <a:lstStyle/>
+          <a:p>
+            <a:r>
+              <a:rPr lang="de-DE" dirty="0" smtClean="0"/>
+              <a:t>Warum Automatisieren?</a:t>
+            </a:r>
+            <a:endParaRPr lang="de-DE" dirty="0"/>
+          </a:p>
+        </p:txBody>
+      </p:sp>
+      <p:sp>
+        <p:nvSpPr>
+          <p:cNvPr id="3" name="Inhaltsplatzhalter 2"/>
+          <p:cNvSpPr>
+            <a:spLocks noGrp="1"/>
+          </p:cNvSpPr>
+          <p:nvPr>
+            <p:ph idx="1"/>
+          </p:nvPr>
+        </p:nvSpPr>
+        <p:spPr>
+          <a:xfrm>
+            <a:off x="3829650" y="2020889"/>
+            <a:ext cx="6069952" cy="4105275"/>
+          </a:xfrm>
+        </p:spPr>
+        <p:txBody>
+          <a:bodyPr/>
+          <a:lstStyle/>
+          <a:p>
+            <a:r>
+              <a:rPr lang="de-DE" dirty="0" smtClean="0"/>
+              <a:t>Szenario mit verschiedenen Verteilungen möglich </a:t>
+            </a:r>
+          </a:p>
+          <a:p>
+            <a:r>
+              <a:rPr lang="de-DE" dirty="0" smtClean="0"/>
+              <a:t>Aufwändige Zusammenstellung und </a:t>
+            </a:r>
+            <a:r>
+              <a:rPr lang="de-DE" dirty="0" err="1" smtClean="0"/>
+              <a:t>händische</a:t>
+            </a:r>
+            <a:r>
+              <a:rPr lang="de-DE" dirty="0" smtClean="0"/>
+              <a:t> Ausführung der einzelnen Szenarien nicht mehr nötig</a:t>
+            </a:r>
+            <a:endParaRPr lang="de-DE" dirty="0"/>
+          </a:p>
+        </p:txBody>
+      </p:sp>
+    </p:spTree>
+    <p:extLst>
+      <p:ext uri="{BB962C8B-B14F-4D97-AF65-F5344CB8AC3E}">
+        <p14:creationId xmlns:p14="http://schemas.microsoft.com/office/powerpoint/2010/main" val="3740562076"/>
+      </p:ext>
+    </p:extLst>
+  </p:cSld>
+  <p:clrMapOvr>
+    <a:masterClrMapping/>
+  </p:clrMapOvr>
+  <p:transition spd="slow">
+    <p:push dir="u"/>
+  </p:transition>
+  <p:timing>
+    <p:tnLst>
+      <p:par>
+        <p:cTn id="1" dur="indefinite" restart="never" nodeType="tmRoot"/>
+      </p:par>
+    </p:tnLst>
+  </p:timing>
+</p:sld>
+</file>
+
+<file path=ppt/slides/slide29.xml><?xml version="1.0" encoding="utf-8"?>
+<p:sld xmlns:a="http://schemas.openxmlformats.org/drawingml/2006/main" xmlns:r="http://schemas.openxmlformats.org/officeDocument/2006/relationships" xmlns:p="http://schemas.openxmlformats.org/presentationml/2006/main">
+  <p:cSld>
+    <p:spTree>
+      <p:nvGrpSpPr>
+        <p:cNvPr id="1" name=""/>
+        <p:cNvGrpSpPr/>
+        <p:nvPr/>
+      </p:nvGrpSpPr>
+      <p:grpSpPr>
+        <a:xfrm>
+          <a:off x="0" y="0"/>
+          <a:ext cx="0" cy="0"/>
+          <a:chOff x="0" y="0"/>
+          <a:chExt cx="0" cy="0"/>
+        </a:xfrm>
+      </p:grpSpPr>
+      <p:sp>
+        <p:nvSpPr>
+          <p:cNvPr id="2" name="Titel 1"/>
+          <p:cNvSpPr>
+            <a:spLocks noGrp="1"/>
+          </p:cNvSpPr>
+          <p:nvPr>
+            <p:ph type="title"/>
+          </p:nvPr>
+        </p:nvSpPr>
+        <p:spPr/>
+        <p:txBody>
+          <a:bodyPr/>
+          <a:lstStyle/>
+          <a:p>
+            <a:r>
+              <a:rPr lang="de-DE" dirty="0" smtClean="0"/>
+              <a:t>Selbsteinschätzung</a:t>
+            </a:r>
+            <a:endParaRPr lang="de-DE" dirty="0"/>
+          </a:p>
+        </p:txBody>
+      </p:sp>
+      <p:sp>
+        <p:nvSpPr>
+          <p:cNvPr id="3" name="Inhaltsplatzhalter 2"/>
+          <p:cNvSpPr>
+            <a:spLocks noGrp="1"/>
+          </p:cNvSpPr>
+          <p:nvPr>
+            <p:ph idx="1"/>
+          </p:nvPr>
+        </p:nvSpPr>
+        <p:spPr/>
+        <p:txBody>
+          <a:bodyPr/>
+          <a:lstStyle/>
+          <a:p>
+            <a:endParaRPr lang="de-DE" dirty="0" smtClean="0"/>
+          </a:p>
+          <a:p>
+            <a:pPr marL="0" indent="0">
+              <a:buNone/>
+            </a:pPr>
+            <a:endParaRPr lang="de-DE" dirty="0" smtClean="0"/>
+          </a:p>
+          <a:p>
+            <a:endParaRPr lang="de-DE" dirty="0" smtClean="0"/>
+          </a:p>
+        </p:txBody>
+      </p:sp>
+      <p:sp>
+        <p:nvSpPr>
+          <p:cNvPr id="5" name="Textfeld 4"/>
+          <p:cNvSpPr txBox="1"/>
+          <p:nvPr/>
+        </p:nvSpPr>
+        <p:spPr>
+          <a:xfrm>
+            <a:off x="5344324" y="2774023"/>
+            <a:ext cx="2186817" cy="1323439"/>
+          </a:xfrm>
+          <a:prstGeom prst="rect">
+            <a:avLst/>
+          </a:prstGeom>
+          <a:noFill/>
+        </p:spPr>
+        <p:txBody>
+          <a:bodyPr wrap="none" rtlCol="0">
+            <a:spAutoFit/>
+          </a:bodyPr>
+          <a:lstStyle/>
+          <a:p>
+            <a:r>
+              <a:rPr lang="de-DE" sz="8000" dirty="0" smtClean="0"/>
+              <a:t>60 </a:t>
+            </a:r>
+            <a:r>
+              <a:rPr lang="de-DE" sz="8000" dirty="0"/>
+              <a:t>%</a:t>
+            </a:r>
+          </a:p>
+        </p:txBody>
+      </p:sp>
+    </p:spTree>
+    <p:extLst>
+      <p:ext uri="{BB962C8B-B14F-4D97-AF65-F5344CB8AC3E}">
+        <p14:creationId xmlns:p14="http://schemas.microsoft.com/office/powerpoint/2010/main" val="816830783"/>
+      </p:ext>
+    </p:extLst>
+  </p:cSld>
+  <p:clrMapOvr>
+    <a:masterClrMapping/>
+  </p:clrMapOvr>
+  <p:transition spd="slow">
+    <p:push dir="u"/>
+  </p:transition>
+  <p:timing>
+    <p:tnLst>
+      <p:par>
+        <p:cTn id="1" dur="indefinite" restart="never" nodeType="tmRoot"/>
+      </p:par>
+    </p:tnLst>
+  </p:timing>
+</p:sld>
+</file>
+
+<file path=ppt/slides/slide3.xml><?xml version="1.0" encoding="utf-8"?>
 <p:sld xmlns:a="http://schemas.openxmlformats.org/drawingml/2006/main" xmlns:r="http://schemas.openxmlformats.org/officeDocument/2006/relationships" xmlns:p="http://schemas.openxmlformats.org/presentationml/2006/main">
   <p:cSld>
     <p:spTree>
@@ -8042,7 +9675,7 @@
 </p:sld>
 </file>
 
-<file path=ppt/slides/slide20.xml><?xml version="1.0" encoding="utf-8"?>
+<file path=ppt/slides/slide30.xml><?xml version="1.0" encoding="utf-8"?>
 <p:sld xmlns:a="http://schemas.openxmlformats.org/drawingml/2006/main" xmlns:r="http://schemas.openxmlformats.org/officeDocument/2006/relationships" xmlns:p="http://schemas.openxmlformats.org/presentationml/2006/main">
   <p:cSld>
     <p:spTree>
@@ -8066,7 +9699,7 @@
             <a:spLocks noGrp="1"/>
           </p:cNvSpPr>
           <p:nvPr>
-            <p:ph type="ctrTitle"/>
+            <p:ph type="title"/>
           </p:nvPr>
         </p:nvSpPr>
         <p:spPr/>
@@ -8075,32 +9708,8 @@
           <a:lstStyle/>
           <a:p>
             <a:r>
-              <a:rPr lang="en-GB" dirty="0" err="1" smtClean="0"/>
-              <a:t>Umwandeln</a:t>
-            </a:r>
-            <a:r>
-              <a:rPr lang="en-GB" dirty="0" smtClean="0"/>
-              <a:t> der </a:t>
-            </a:r>
-            <a:r>
-              <a:rPr lang="en-GB" dirty="0" err="1" smtClean="0"/>
-              <a:t>Daten</a:t>
-            </a:r>
-            <a:r>
-              <a:rPr lang="en-GB" dirty="0" smtClean="0"/>
-              <a:t> </a:t>
-            </a:r>
-            <a:r>
-              <a:rPr lang="en-GB" dirty="0" err="1" smtClean="0"/>
-              <a:t>aus</a:t>
-            </a:r>
-            <a:r>
-              <a:rPr lang="en-GB" dirty="0" smtClean="0"/>
-              <a:t> </a:t>
-            </a:r>
-            <a:r>
-              <a:rPr lang="en-GB" dirty="0" err="1" smtClean="0"/>
-              <a:t>vadere</a:t>
+              <a:rPr lang="de-DE" dirty="0" smtClean="0"/>
+              <a:t>Rebecca</a:t>
             </a:r>
             <a:endParaRPr lang="de-DE" dirty="0"/>
           </a:p>
@@ -8108,12 +9717,12 @@
       </p:sp>
       <p:sp>
         <p:nvSpPr>
-          <p:cNvPr id="3" name="Untertitel 2"/>
-          <p:cNvSpPr>
-            <a:spLocks noGrp="1"/>
-          </p:cNvSpPr>
-          <p:nvPr>
-            <p:ph type="subTitle" idx="1"/>
+          <p:cNvPr id="3" name="Inhaltsplatzhalter 2"/>
+          <p:cNvSpPr>
+            <a:spLocks noGrp="1"/>
+          </p:cNvSpPr>
+          <p:nvPr>
+            <p:ph idx="1"/>
           </p:nvPr>
         </p:nvSpPr>
         <p:spPr/>
@@ -8121,24 +9730,40 @@
           <a:bodyPr/>
           <a:lstStyle/>
           <a:p>
-            <a:endParaRPr lang="de-DE"/>
+            <a:endParaRPr lang="de-DE" dirty="0" smtClean="0"/>
+          </a:p>
+          <a:p>
+            <a:pPr marL="0" indent="0">
+              <a:buNone/>
+            </a:pPr>
+            <a:endParaRPr lang="de-DE" dirty="0" smtClean="0"/>
           </a:p>
         </p:txBody>
       </p:sp>
     </p:spTree>
     <p:extLst>
       <p:ext uri="{BB962C8B-B14F-4D97-AF65-F5344CB8AC3E}">
-        <p14:creationId xmlns:p14="http://schemas.microsoft.com/office/powerpoint/2010/main" val="4068708190"/>
+        <p14:creationId xmlns:p14="http://schemas.microsoft.com/office/powerpoint/2010/main" val="2891619597"/>
       </p:ext>
     </p:extLst>
   </p:cSld>
   <p:clrMapOvr>
     <a:masterClrMapping/>
   </p:clrMapOvr>
+  <p:transition spd="slow">
+    <p:push dir="u"/>
+  </p:transition>
+  <p:timing>
+    <p:tnLst>
+      <p:par>
+        <p:cTn id="1" dur="indefinite" restart="never" nodeType="tmRoot"/>
+      </p:par>
+    </p:tnLst>
+  </p:timing>
 </p:sld>
 </file>
 
-<file path=ppt/slides/slide21.xml><?xml version="1.0" encoding="utf-8"?>
+<file path=ppt/slides/slide31.xml><?xml version="1.0" encoding="utf-8"?>
 <p:sld xmlns:a="http://schemas.openxmlformats.org/drawingml/2006/main" xmlns:r="http://schemas.openxmlformats.org/officeDocument/2006/relationships" xmlns:p="http://schemas.openxmlformats.org/presentationml/2006/main">
   <p:cSld>
     <p:spTree>
@@ -8157,8 +9782,44 @@
       </p:grpSpPr>
       <p:sp>
         <p:nvSpPr>
-          <p:cNvPr id="3" name="Inhaltsplatzhalter 2"/>
-          <p:cNvSpPr>
+          <p:cNvPr id="2" name="Title 6">
+            <a:extLst>
+              <a:ext uri="{FF2B5EF4-FFF2-40B4-BE49-F238E27FC236}">
+                <a16:creationId xmlns="" xmlns:a16="http://schemas.microsoft.com/office/drawing/2014/main" id="{04F78A0C-BF40-4E0B-9FA4-AAAA57E3C4EF}"/>
+              </a:ext>
+            </a:extLst>
+          </p:cNvPr>
+          <p:cNvSpPr txBox="1">
+            <a:spLocks noGrp="1"/>
+          </p:cNvSpPr>
+          <p:nvPr>
+            <p:ph type="title"/>
+          </p:nvPr>
+        </p:nvSpPr>
+        <p:spPr/>
+        <p:txBody>
+          <a:bodyPr/>
+          <a:lstStyle/>
+          <a:p>
+            <a:pPr lvl="0"/>
+            <a:r>
+              <a:rPr lang="de-DE"/>
+              <a:t>Sprint 1</a:t>
+            </a:r>
+            <a:endParaRPr lang="en-GB"/>
+          </a:p>
+        </p:txBody>
+      </p:sp>
+      <p:sp>
+        <p:nvSpPr>
+          <p:cNvPr id="3" name="Content Placeholder 7">
+            <a:extLst>
+              <a:ext uri="{FF2B5EF4-FFF2-40B4-BE49-F238E27FC236}">
+                <a16:creationId xmlns="" xmlns:a16="http://schemas.microsoft.com/office/drawing/2014/main" id="{3A52400E-A01D-4CCF-8280-EBE32B011F8E}"/>
+              </a:ext>
+            </a:extLst>
+          </p:cNvPr>
+          <p:cNvSpPr txBox="1">
             <a:spLocks noGrp="1"/>
           </p:cNvSpPr>
           <p:nvPr>
@@ -8167,123 +9828,126 @@
         </p:nvSpPr>
         <p:spPr>
           <a:xfrm>
-            <a:off x="684212" y="685800"/>
-            <a:ext cx="8534400" cy="5205046"/>
+            <a:off x="677334" y="1703389"/>
+            <a:ext cx="8596668" cy="3880773"/>
           </a:xfrm>
         </p:spPr>
         <p:txBody>
-          <a:bodyPr/>
-          <a:lstStyle/>
-          <a:p>
-            <a:r>
-              <a:rPr lang="en-GB" dirty="0" err="1" smtClean="0"/>
-              <a:t>Ziel</a:t>
-            </a:r>
-            <a:r>
-              <a:rPr lang="en-GB" dirty="0" smtClean="0"/>
-              <a:t>: </a:t>
-            </a:r>
-            <a:r>
-              <a:rPr lang="en-GB" dirty="0" err="1" smtClean="0"/>
-              <a:t>Logfiles</a:t>
-            </a:r>
-            <a:r>
-              <a:rPr lang="en-GB" dirty="0" smtClean="0"/>
-              <a:t> von </a:t>
-            </a:r>
-            <a:r>
-              <a:rPr lang="en-GB" dirty="0" err="1" smtClean="0"/>
-              <a:t>Vadere</a:t>
-            </a:r>
-            <a:r>
-              <a:rPr lang="en-GB" dirty="0" smtClean="0"/>
-              <a:t> so </a:t>
-            </a:r>
-            <a:r>
-              <a:rPr lang="en-GB" dirty="0" err="1" smtClean="0"/>
-              <a:t>umwandeln</a:t>
-            </a:r>
-            <a:r>
-              <a:rPr lang="en-GB" dirty="0" smtClean="0"/>
-              <a:t> </a:t>
-            </a:r>
-            <a:r>
-              <a:rPr lang="en-GB" dirty="0" err="1" smtClean="0"/>
-              <a:t>dass</a:t>
-            </a:r>
-            <a:r>
-              <a:rPr lang="en-GB" dirty="0" smtClean="0"/>
-              <a:t> </a:t>
-            </a:r>
-            <a:r>
-              <a:rPr lang="en-GB" dirty="0" err="1" smtClean="0"/>
-              <a:t>Daten</a:t>
-            </a:r>
-            <a:r>
-              <a:rPr lang="en-GB" dirty="0" smtClean="0"/>
-              <a:t> </a:t>
-            </a:r>
-            <a:r>
-              <a:rPr lang="en-GB" dirty="0" err="1" smtClean="0"/>
-              <a:t>entstehen</a:t>
-            </a:r>
-            <a:r>
-              <a:rPr lang="en-GB" dirty="0" smtClean="0"/>
-              <a:t>, die </a:t>
-            </a:r>
-            <a:r>
-              <a:rPr lang="en-GB" dirty="0" err="1" smtClean="0"/>
-              <a:t>verwendet</a:t>
-            </a:r>
-            <a:r>
-              <a:rPr lang="en-GB" dirty="0" smtClean="0"/>
-              <a:t> </a:t>
-            </a:r>
-            <a:r>
-              <a:rPr lang="en-GB" dirty="0" err="1" smtClean="0"/>
-              <a:t>werden</a:t>
-            </a:r>
-            <a:r>
-              <a:rPr lang="en-GB" dirty="0" smtClean="0"/>
-              <a:t> </a:t>
-            </a:r>
-            <a:r>
-              <a:rPr lang="en-GB" dirty="0" err="1" smtClean="0"/>
-              <a:t>können</a:t>
-            </a:r>
-            <a:endParaRPr lang="en-GB" dirty="0" smtClean="0"/>
-          </a:p>
-          <a:p>
-            <a:r>
-              <a:rPr lang="en-GB" dirty="0" err="1" smtClean="0"/>
-              <a:t>Umsetzung</a:t>
-            </a:r>
-            <a:r>
-              <a:rPr lang="en-GB" dirty="0" smtClean="0"/>
-              <a:t>: Python </a:t>
-            </a:r>
-            <a:r>
-              <a:rPr lang="en-GB" dirty="0" err="1" smtClean="0"/>
-              <a:t>Skript</a:t>
-            </a:r>
-            <a:endParaRPr lang="de-DE" dirty="0"/>
+          <a:bodyPr>
+            <a:normAutofit fontScale="85000" lnSpcReduction="20000"/>
+          </a:bodyPr>
+          <a:lstStyle/>
+          <a:p>
+            <a:pPr marL="0" lvl="0" indent="0">
+              <a:lnSpc>
+                <a:spcPct val="200000"/>
+              </a:lnSpc>
+              <a:buNone/>
+            </a:pPr>
+            <a:r>
+              <a:rPr lang="de-DE" sz="2800" dirty="0"/>
+              <a:t>Aufgaben:</a:t>
+            </a:r>
+          </a:p>
+          <a:p>
+            <a:pPr lvl="0"/>
+            <a:r>
+              <a:rPr lang="de-DE" b="1" dirty="0"/>
+              <a:t>Einarbeitung in die Simulationssoftware Vadere 6%</a:t>
+            </a:r>
+          </a:p>
+          <a:p>
+            <a:pPr lvl="0"/>
+            <a:r>
+              <a:rPr lang="de-DE" dirty="0"/>
+              <a:t>Generierung der Test Szenarios 10%</a:t>
+            </a:r>
+          </a:p>
+          <a:p>
+            <a:pPr lvl="0"/>
+            <a:r>
+              <a:rPr lang="de-DE" dirty="0"/>
+              <a:t>Automatisierung von Simulationsdurchläufen 25%</a:t>
+            </a:r>
+          </a:p>
+          <a:p>
+            <a:pPr lvl="0"/>
+            <a:r>
+              <a:rPr lang="de-DE" dirty="0"/>
+              <a:t>Erstellen eines Datenformats für Trajektorien 20%</a:t>
+            </a:r>
+          </a:p>
+          <a:p>
+            <a:pPr lvl="0"/>
+            <a:r>
+              <a:rPr lang="de-DE" dirty="0"/>
+              <a:t>Literatur Recherche Bildfilter 4%</a:t>
+            </a:r>
+          </a:p>
+          <a:p>
+            <a:pPr lvl="0"/>
+            <a:r>
+              <a:rPr lang="de-DE" b="1" dirty="0"/>
+              <a:t>Datenformat für die Personendichte 30%</a:t>
+            </a:r>
+          </a:p>
+          <a:p>
+            <a:pPr lvl="1"/>
+            <a:r>
+              <a:rPr lang="de-DE" b="1" dirty="0"/>
+              <a:t>Variante 1: Auslesung der Personendichte aus Vadere</a:t>
+            </a:r>
+          </a:p>
+          <a:p>
+            <a:pPr lvl="1"/>
+            <a:r>
+              <a:rPr lang="de-DE" b="1" dirty="0"/>
+              <a:t>Variante 2: Berechnung der Persoendichte aus Trajektorien</a:t>
+            </a:r>
+          </a:p>
+          <a:p>
+            <a:pPr lvl="1"/>
+            <a:r>
+              <a:rPr lang="de-DE" b="1" dirty="0"/>
+              <a:t>Testen der Ergebnisse</a:t>
+            </a:r>
+          </a:p>
+          <a:p>
+            <a:r>
+              <a:rPr lang="de-DE" dirty="0" err="1"/>
+              <a:t>Scrum</a:t>
+            </a:r>
+            <a:r>
+              <a:rPr lang="de-DE" dirty="0"/>
+              <a:t> Master 5%</a:t>
+            </a:r>
           </a:p>
         </p:txBody>
       </p:sp>
     </p:spTree>
     <p:extLst>
       <p:ext uri="{BB962C8B-B14F-4D97-AF65-F5344CB8AC3E}">
-        <p14:creationId xmlns:p14="http://schemas.microsoft.com/office/powerpoint/2010/main" val="2214173771"/>
+        <p14:creationId xmlns:p14="http://schemas.microsoft.com/office/powerpoint/2010/main" val="1274323518"/>
       </p:ext>
     </p:extLst>
   </p:cSld>
   <p:clrMapOvr>
     <a:masterClrMapping/>
   </p:clrMapOvr>
+  <p:transition spd="slow">
+    <p:push dir="u"/>
+  </p:transition>
+  <p:timing>
+    <p:tnLst>
+      <p:par>
+        <p:cTn id="1" dur="indefinite" restart="never" nodeType="tmRoot"/>
+      </p:par>
+    </p:tnLst>
+  </p:timing>
 </p:sld>
 </file>
 
-<file path=ppt/slides/slide22.xml><?xml version="1.0" encoding="utf-8"?>
+<file path=ppt/slides/slide32.xml><?xml version="1.0" encoding="utf-8"?>
 <p:sld xmlns:a="http://schemas.openxmlformats.org/drawingml/2006/main" xmlns:r="http://schemas.openxmlformats.org/officeDocument/2006/relationships" xmlns:p="http://schemas.openxmlformats.org/presentationml/2006/main">
   <p:cSld>
     <p:spTree>
@@ -8302,135 +9966,193 @@
       </p:grpSpPr>
       <p:sp>
         <p:nvSpPr>
-          <p:cNvPr id="3" name="Inhaltsplatzhalter 2"/>
-          <p:cNvSpPr>
-            <a:spLocks noGrp="1"/>
-          </p:cNvSpPr>
-          <p:nvPr>
-            <p:ph idx="1"/>
-          </p:nvPr>
-        </p:nvSpPr>
-        <p:spPr>
-          <a:xfrm>
-            <a:off x="684212" y="685800"/>
-            <a:ext cx="8534400" cy="5275385"/>
-          </a:xfrm>
-        </p:spPr>
+          <p:cNvPr id="2" name="Title 1">
+            <a:extLst>
+              <a:ext uri="{FF2B5EF4-FFF2-40B4-BE49-F238E27FC236}">
+                <a16:creationId xmlns="" xmlns:a16="http://schemas.microsoft.com/office/drawing/2014/main" id="{6A957F68-909E-49D3-98A5-0D417ABCFAB9}"/>
+              </a:ext>
+            </a:extLst>
+          </p:cNvPr>
+          <p:cNvSpPr txBox="1">
+            <a:spLocks noGrp="1"/>
+          </p:cNvSpPr>
+          <p:nvPr>
+            <p:ph type="title"/>
+          </p:nvPr>
+        </p:nvSpPr>
+        <p:spPr/>
         <p:txBody>
           <a:bodyPr>
             <a:normAutofit/>
           </a:bodyPr>
           <a:lstStyle/>
           <a:p>
-            <a:pPr marL="0" indent="0">
-              <a:buNone/>
-            </a:pPr>
-            <a:r>
-              <a:rPr lang="en-GB" sz="3200" dirty="0" smtClean="0"/>
-              <a:t>Input-Format</a:t>
-            </a:r>
-            <a:endParaRPr lang="de-DE" sz="3200" dirty="0" smtClean="0"/>
-          </a:p>
-          <a:p>
-            <a:pPr marL="0" indent="0">
-              <a:buNone/>
-            </a:pPr>
-            <a:r>
-              <a:rPr lang="en-GB" dirty="0" err="1" smtClean="0"/>
-              <a:t>Schritt</a:t>
-            </a:r>
-            <a:r>
-              <a:rPr lang="en-GB" dirty="0" smtClean="0"/>
-              <a:t>, </a:t>
-            </a:r>
-            <a:r>
-              <a:rPr lang="en-GB" dirty="0" err="1" smtClean="0"/>
-              <a:t>Personen</a:t>
-            </a:r>
-            <a:r>
-              <a:rPr lang="en-GB" dirty="0" smtClean="0"/>
-              <a:t>-Id, </a:t>
-            </a:r>
-            <a:r>
-              <a:rPr lang="es-ES" dirty="0" smtClean="0"/>
-              <a:t>x-Koordinate, y-Koordinate, Ziel-Id</a:t>
-            </a:r>
-          </a:p>
-          <a:p>
-            <a:pPr marL="0" indent="0">
-              <a:buNone/>
-            </a:pPr>
-            <a:endParaRPr lang="es-ES" dirty="0" smtClean="0"/>
-          </a:p>
-          <a:p>
-            <a:pPr marL="0" indent="0">
-              <a:buNone/>
-            </a:pPr>
-            <a:r>
-              <a:rPr lang="es-ES" sz="3200" dirty="0" smtClean="0"/>
-              <a:t>Output-Format</a:t>
-            </a:r>
-          </a:p>
-          <a:p>
-            <a:pPr marL="0" indent="0">
-              <a:buNone/>
-            </a:pPr>
-            <a:r>
-              <a:rPr lang="es-ES" dirty="0" smtClean="0"/>
-              <a:t>Datei 1:</a:t>
-            </a:r>
-          </a:p>
-          <a:p>
-            <a:pPr marL="0" indent="0">
-              <a:buNone/>
-            </a:pPr>
-            <a:r>
-              <a:rPr lang="es-ES" dirty="0"/>
-              <a:t>	</a:t>
-            </a:r>
-            <a:r>
-              <a:rPr lang="es-ES" dirty="0" smtClean="0"/>
-              <a:t>x-P1, y-P1, x-P2, y-P2, .....</a:t>
-            </a:r>
-          </a:p>
-          <a:p>
-            <a:pPr marL="0" indent="0">
-              <a:buNone/>
-            </a:pPr>
-            <a:r>
-              <a:rPr lang="es-ES" dirty="0" smtClean="0"/>
-              <a:t>Datei 2:</a:t>
-            </a:r>
-          </a:p>
-          <a:p>
-            <a:pPr marL="0" indent="0">
-              <a:buNone/>
-            </a:pPr>
-            <a:r>
-              <a:rPr lang="es-ES" dirty="0"/>
-              <a:t>	</a:t>
-            </a:r>
-            <a:r>
-              <a:rPr lang="es-ES" dirty="0" smtClean="0"/>
-              <a:t>Ziel-Id-P1, Ziel-Id-P2, .....</a:t>
-            </a:r>
-          </a:p>
-        </p:txBody>
-      </p:sp>
+            <a:pPr lvl="0"/>
+            <a:r>
+              <a:rPr lang="de-DE" sz="3500" dirty="0"/>
+              <a:t>Datenformat Personendichte</a:t>
+            </a:r>
+            <a:endParaRPr lang="en-GB" sz="3500" dirty="0"/>
+          </a:p>
+        </p:txBody>
+      </p:sp>
+      <p:sp>
+        <p:nvSpPr>
+          <p:cNvPr id="3" name="Content Placeholder 2">
+            <a:extLst>
+              <a:ext uri="{FF2B5EF4-FFF2-40B4-BE49-F238E27FC236}">
+                <a16:creationId xmlns="" xmlns:a16="http://schemas.microsoft.com/office/drawing/2014/main" id="{D998EE4F-50DE-4482-A66D-E9A06C7DFD16}"/>
+              </a:ext>
+            </a:extLst>
+          </p:cNvPr>
+          <p:cNvSpPr txBox="1">
+            <a:spLocks noGrp="1"/>
+          </p:cNvSpPr>
+          <p:nvPr>
+            <p:ph idx="1"/>
+          </p:nvPr>
+        </p:nvSpPr>
+        <p:spPr>
+          <a:xfrm>
+            <a:off x="3867912" y="868680"/>
+            <a:ext cx="4370566" cy="5505483"/>
+          </a:xfrm>
+        </p:spPr>
+        <p:txBody>
+          <a:bodyPr anchor="t"/>
+          <a:lstStyle/>
+          <a:p>
+            <a:pPr marL="0" lvl="0" indent="0">
+              <a:spcAft>
+                <a:spcPts val="1200"/>
+              </a:spcAft>
+              <a:buNone/>
+            </a:pPr>
+            <a:r>
+              <a:rPr lang="de-DE" sz="2400" b="1" dirty="0"/>
+              <a:t>Auslesen der Berechneten Daten aus Vadere</a:t>
+            </a:r>
+          </a:p>
+          <a:p>
+            <a:pPr marL="0" lvl="0" indent="0">
+              <a:buNone/>
+            </a:pPr>
+            <a:r>
+              <a:rPr lang="de-DE" dirty="0"/>
+              <a:t>Vorteile:</a:t>
+            </a:r>
+          </a:p>
+          <a:p>
+            <a:pPr lvl="0"/>
+            <a:r>
+              <a:rPr lang="de-DE" sz="1800" dirty="0"/>
+              <a:t>Effiziente und schnelle Berechnung </a:t>
+            </a:r>
+          </a:p>
+          <a:p>
+            <a:pPr marL="0" lvl="0" indent="0">
+              <a:buNone/>
+            </a:pPr>
+            <a:endParaRPr lang="de-DE" sz="1200" dirty="0"/>
+          </a:p>
+          <a:p>
+            <a:pPr marL="0" lvl="0" indent="0">
+              <a:buNone/>
+            </a:pPr>
+            <a:r>
+              <a:rPr lang="de-DE" dirty="0"/>
+              <a:t>Nachteile:</a:t>
+            </a:r>
+          </a:p>
+          <a:p>
+            <a:pPr lvl="0"/>
+            <a:r>
+              <a:rPr lang="de-DE" sz="1800" dirty="0" smtClean="0"/>
+              <a:t>Instabilität </a:t>
+            </a:r>
+            <a:r>
+              <a:rPr lang="de-DE" sz="1800" dirty="0"/>
+              <a:t>von Vadere</a:t>
+            </a:r>
+          </a:p>
+          <a:p>
+            <a:pPr lvl="0">
+              <a:buFont typeface="Symbol" panose="05050102010706020507" pitchFamily="18" charset="2"/>
+              <a:buChar char="Þ"/>
+            </a:pPr>
+            <a:r>
+              <a:rPr lang="de-DE" sz="1800" dirty="0" smtClean="0"/>
+              <a:t>Ein Python Skript für das Post-Processing der Trajektorien Daten</a:t>
+            </a:r>
+          </a:p>
+          <a:p>
+            <a:pPr lvl="0">
+              <a:buFont typeface="Symbol" panose="05050102010706020507" pitchFamily="18" charset="2"/>
+              <a:buChar char="Þ"/>
+            </a:pPr>
+            <a:endParaRPr lang="de-DE" dirty="0"/>
+          </a:p>
+          <a:p>
+            <a:pPr marL="0" lvl="0" indent="0">
+              <a:buNone/>
+            </a:pPr>
+            <a:endParaRPr lang="de-DE" sz="1800" dirty="0"/>
+          </a:p>
+        </p:txBody>
+      </p:sp>
+      <p:pic>
+        <p:nvPicPr>
+          <p:cNvPr id="4" name="Content Placeholder 5">
+            <a:extLst>
+              <a:ext uri="{FF2B5EF4-FFF2-40B4-BE49-F238E27FC236}">
+                <a16:creationId xmlns="" xmlns:a16="http://schemas.microsoft.com/office/drawing/2014/main" id="{0CADCC4B-41EB-442D-8677-2E3D32E5998C}"/>
+              </a:ext>
+            </a:extLst>
+          </p:cNvPr>
+          <p:cNvPicPr>
+            <a:picLocks noGrp="1" noChangeAspect="1"/>
+          </p:cNvPicPr>
+          <p:nvPr>
+            <p:ph idx="2"/>
+          </p:nvPr>
+        </p:nvPicPr>
+        <p:blipFill>
+          <a:blip r:embed="rId2"/>
+          <a:stretch>
+            <a:fillRect/>
+          </a:stretch>
+        </p:blipFill>
+        <p:spPr>
+          <a:xfrm>
+            <a:off x="8238478" y="2082984"/>
+            <a:ext cx="3076864" cy="3076864"/>
+          </a:xfrm>
+        </p:spPr>
+      </p:pic>
     </p:spTree>
     <p:extLst>
       <p:ext uri="{BB962C8B-B14F-4D97-AF65-F5344CB8AC3E}">
-        <p14:creationId xmlns:p14="http://schemas.microsoft.com/office/powerpoint/2010/main" val="2706205801"/>
+        <p14:creationId xmlns:p14="http://schemas.microsoft.com/office/powerpoint/2010/main" val="27852655"/>
       </p:ext>
     </p:extLst>
   </p:cSld>
   <p:clrMapOvr>
     <a:masterClrMapping/>
   </p:clrMapOvr>
+  <p:transition spd="slow">
+    <p:push dir="u"/>
+  </p:transition>
+  <p:timing>
+    <p:tnLst>
+      <p:par>
+        <p:cTn id="1" dur="indefinite" restart="never" nodeType="tmRoot"/>
+      </p:par>
+    </p:tnLst>
+  </p:timing>
 </p:sld>
 </file>
 
-<file path=ppt/slides/slide23.xml><?xml version="1.0" encoding="utf-8"?>
+<file path=ppt/slides/slide33.xml><?xml version="1.0" encoding="utf-8"?>
 <p:sld xmlns:a="http://schemas.openxmlformats.org/drawingml/2006/main" xmlns:r="http://schemas.openxmlformats.org/officeDocument/2006/relationships" xmlns:p="http://schemas.openxmlformats.org/presentationml/2006/main">
   <p:cSld>
     <p:spTree>
@@ -8449,8 +10171,46 @@
       </p:grpSpPr>
       <p:sp>
         <p:nvSpPr>
-          <p:cNvPr id="3" name="Inhaltsplatzhalter 2"/>
-          <p:cNvSpPr>
+          <p:cNvPr id="2" name="Title 1">
+            <a:extLst>
+              <a:ext uri="{FF2B5EF4-FFF2-40B4-BE49-F238E27FC236}">
+                <a16:creationId xmlns="" xmlns:a16="http://schemas.microsoft.com/office/drawing/2014/main" id="{84CA9567-EE70-447E-95ED-B75B1E5769FC}"/>
+              </a:ext>
+            </a:extLst>
+          </p:cNvPr>
+          <p:cNvSpPr txBox="1">
+            <a:spLocks noGrp="1"/>
+          </p:cNvSpPr>
+          <p:nvPr>
+            <p:ph type="title"/>
+          </p:nvPr>
+        </p:nvSpPr>
+        <p:spPr/>
+        <p:txBody>
+          <a:bodyPr>
+            <a:normAutofit/>
+          </a:bodyPr>
+          <a:lstStyle/>
+          <a:p>
+            <a:pPr lvl="0"/>
+            <a:r>
+              <a:rPr lang="de-DE" sz="3500" dirty="0"/>
+              <a:t>Datenformat Personendichte</a:t>
+            </a:r>
+            <a:endParaRPr lang="en-GB" sz="3500" dirty="0"/>
+          </a:p>
+        </p:txBody>
+      </p:sp>
+      <p:sp>
+        <p:nvSpPr>
+          <p:cNvPr id="3" name="Content Placeholder 2">
+            <a:extLst>
+              <a:ext uri="{FF2B5EF4-FFF2-40B4-BE49-F238E27FC236}">
+                <a16:creationId xmlns="" xmlns:a16="http://schemas.microsoft.com/office/drawing/2014/main" id="{492DD7BD-063F-4E3D-8E9A-3AB783D556D8}"/>
+              </a:ext>
+            </a:extLst>
+          </p:cNvPr>
+          <p:cNvSpPr txBox="1">
             <a:spLocks noGrp="1"/>
           </p:cNvSpPr>
           <p:nvPr>
@@ -8459,138 +10219,223 @@
         </p:nvSpPr>
         <p:spPr>
           <a:xfrm>
-            <a:off x="684212" y="685800"/>
-            <a:ext cx="10745788" cy="5539154"/>
+            <a:off x="677334" y="1086067"/>
+            <a:ext cx="4370566" cy="5683041"/>
           </a:xfrm>
         </p:spPr>
         <p:txBody>
-          <a:bodyPr/>
-          <a:lstStyle/>
-          <a:p>
-            <a:pPr marL="0" indent="0">
-              <a:buNone/>
-            </a:pPr>
-            <a:r>
-              <a:rPr lang="en-GB" sz="3200" dirty="0" err="1" smtClean="0"/>
-              <a:t>Schwierigkeiten</a:t>
-            </a:r>
-            <a:endParaRPr lang="en-GB" sz="3200" dirty="0" smtClean="0"/>
-          </a:p>
-          <a:p>
-            <a:r>
-              <a:rPr lang="en-GB" dirty="0" err="1" smtClean="0"/>
-              <a:t>Wechselnde</a:t>
-            </a:r>
-            <a:r>
-              <a:rPr lang="en-GB" dirty="0" smtClean="0"/>
-              <a:t> </a:t>
-            </a:r>
-            <a:r>
-              <a:rPr lang="en-GB" dirty="0" err="1" smtClean="0"/>
-              <a:t>Anforderungen</a:t>
-            </a:r>
-            <a:endParaRPr lang="en-GB" dirty="0" smtClean="0"/>
-          </a:p>
-          <a:p>
-            <a:r>
-              <a:rPr lang="en-GB" dirty="0" err="1" smtClean="0"/>
-              <a:t>Wenig</a:t>
-            </a:r>
-            <a:r>
-              <a:rPr lang="en-GB" dirty="0" smtClean="0"/>
-              <a:t> Meta-</a:t>
-            </a:r>
-            <a:r>
-              <a:rPr lang="en-GB" dirty="0" err="1" smtClean="0"/>
-              <a:t>Daten</a:t>
-            </a:r>
-            <a:r>
-              <a:rPr lang="en-GB" dirty="0" smtClean="0"/>
-              <a:t> (</a:t>
-            </a:r>
-            <a:r>
-              <a:rPr lang="en-GB" dirty="0" err="1" smtClean="0"/>
-              <a:t>Gesamtanzahl</a:t>
-            </a:r>
-            <a:r>
-              <a:rPr lang="en-GB" dirty="0" smtClean="0"/>
-              <a:t> an </a:t>
-            </a:r>
-            <a:r>
-              <a:rPr lang="en-GB" dirty="0" err="1" smtClean="0"/>
-              <a:t>Personen</a:t>
-            </a:r>
-            <a:r>
-              <a:rPr lang="en-GB" dirty="0" smtClean="0"/>
-              <a:t>, </a:t>
-            </a:r>
-            <a:r>
-              <a:rPr lang="en-GB" dirty="0" err="1" smtClean="0"/>
-              <a:t>Anzahl</a:t>
-            </a:r>
-            <a:r>
-              <a:rPr lang="en-GB" dirty="0" smtClean="0"/>
-              <a:t> an </a:t>
-            </a:r>
-            <a:r>
-              <a:rPr lang="en-GB" dirty="0" err="1" smtClean="0"/>
-              <a:t>Zielen</a:t>
-            </a:r>
-            <a:r>
-              <a:rPr lang="en-GB" dirty="0" smtClean="0"/>
-              <a:t>, …)</a:t>
-            </a:r>
-          </a:p>
-          <a:p>
-            <a:r>
-              <a:rPr lang="en-GB" dirty="0" err="1" smtClean="0"/>
-              <a:t>Berechnung</a:t>
-            </a:r>
-            <a:r>
-              <a:rPr lang="en-GB" dirty="0" smtClean="0"/>
-              <a:t> der </a:t>
-            </a:r>
-            <a:r>
-              <a:rPr lang="en-GB" dirty="0" err="1" smtClean="0"/>
-              <a:t>Verteilung</a:t>
-            </a:r>
-            <a:r>
-              <a:rPr lang="en-GB" dirty="0" smtClean="0"/>
-              <a:t> der </a:t>
-            </a:r>
-            <a:r>
-              <a:rPr lang="en-GB" dirty="0" err="1" smtClean="0"/>
-              <a:t>Personen</a:t>
-            </a:r>
-            <a:r>
-              <a:rPr lang="en-GB" dirty="0" smtClean="0"/>
-              <a:t> pro </a:t>
-            </a:r>
-            <a:r>
-              <a:rPr lang="en-GB" dirty="0" err="1" smtClean="0"/>
-              <a:t>Ziel</a:t>
-            </a:r>
-            <a:endParaRPr lang="en-GB" dirty="0" smtClean="0"/>
-          </a:p>
-          <a:p>
-            <a:endParaRPr lang="de-DE" dirty="0"/>
+          <a:bodyPr anchor="t">
+            <a:normAutofit/>
+          </a:bodyPr>
+          <a:lstStyle/>
+          <a:p>
+            <a:pPr marL="0" lvl="0" indent="0">
+              <a:lnSpc>
+                <a:spcPct val="80000"/>
+              </a:lnSpc>
+              <a:spcAft>
+                <a:spcPts val="1200"/>
+              </a:spcAft>
+              <a:buNone/>
+            </a:pPr>
+            <a:r>
+              <a:rPr lang="de-DE" sz="2400" b="1" dirty="0"/>
+              <a:t>Berechnung aus Trajektorien</a:t>
+            </a:r>
+          </a:p>
+          <a:p>
+            <a:pPr lvl="0">
+              <a:lnSpc>
+                <a:spcPct val="80000"/>
+              </a:lnSpc>
+              <a:spcAft>
+                <a:spcPts val="1200"/>
+              </a:spcAft>
+            </a:pPr>
+            <a:r>
+              <a:rPr lang="de-DE" dirty="0"/>
+              <a:t>Berechnung durch Modellierung der Dichteverteilung einer Person durch Gauß Dichtefunktion</a:t>
+            </a:r>
+          </a:p>
+          <a:p>
+            <a:pPr lvl="0">
+              <a:lnSpc>
+                <a:spcPct val="80000"/>
+              </a:lnSpc>
+              <a:spcAft>
+                <a:spcPts val="1200"/>
+              </a:spcAft>
+            </a:pPr>
+            <a:r>
+              <a:rPr lang="de-DE" dirty="0"/>
+              <a:t>Grobe Berechnung der Personendichte</a:t>
+            </a:r>
+          </a:p>
+          <a:p>
+            <a:pPr lvl="1">
+              <a:lnSpc>
+                <a:spcPct val="80000"/>
+              </a:lnSpc>
+              <a:spcAft>
+                <a:spcPts val="1200"/>
+              </a:spcAft>
+            </a:pPr>
+            <a:r>
+              <a:rPr lang="de-DE" sz="2000" dirty="0"/>
+              <a:t>Raster Größe: 1 m</a:t>
+            </a:r>
+            <a:r>
+              <a:rPr lang="de-DE" sz="2000" baseline="30000" dirty="0"/>
+              <a:t>2</a:t>
+            </a:r>
+            <a:endParaRPr lang="de-DE" sz="2000" dirty="0"/>
+          </a:p>
+          <a:p>
+            <a:pPr lvl="1">
+              <a:lnSpc>
+                <a:spcPct val="80000"/>
+              </a:lnSpc>
+              <a:spcAft>
+                <a:spcPts val="1200"/>
+              </a:spcAft>
+            </a:pPr>
+            <a:r>
+              <a:rPr lang="de-DE" sz="2000" dirty="0"/>
+              <a:t>Einheit: Person / m</a:t>
+            </a:r>
+            <a:r>
+              <a:rPr lang="de-DE" sz="2000" baseline="30000" dirty="0"/>
+              <a:t>2</a:t>
+            </a:r>
+          </a:p>
+          <a:p>
+            <a:pPr lvl="1">
+              <a:lnSpc>
+                <a:spcPct val="80000"/>
+              </a:lnSpc>
+              <a:spcAft>
+                <a:spcPts val="1200"/>
+              </a:spcAft>
+            </a:pPr>
+            <a:r>
+              <a:rPr lang="de-DE" sz="2000" dirty="0" smtClean="0"/>
+              <a:t>Dichteverteilung nicht glatt</a:t>
+            </a:r>
+            <a:endParaRPr lang="de-DE" sz="2000" dirty="0"/>
+          </a:p>
+          <a:p>
+            <a:pPr lvl="1">
+              <a:lnSpc>
+                <a:spcPct val="80000"/>
+              </a:lnSpc>
+              <a:spcAft>
+                <a:spcPts val="1200"/>
+              </a:spcAft>
+            </a:pPr>
+            <a:r>
+              <a:rPr lang="de-DE" sz="2000" dirty="0"/>
+              <a:t>Als Vergleich zur glatten Gauß Dichte: Wie genau müssen die Daten sein für das Neuronale </a:t>
+            </a:r>
+            <a:r>
+              <a:rPr lang="de-DE" sz="2000" dirty="0" smtClean="0"/>
+              <a:t>Netz </a:t>
+            </a:r>
+            <a:r>
+              <a:rPr lang="de-DE" sz="2000" dirty="0"/>
+              <a:t>/ Random Forest?</a:t>
+            </a:r>
+          </a:p>
+          <a:p>
+            <a:pPr lvl="1">
+              <a:lnSpc>
+                <a:spcPct val="80000"/>
+              </a:lnSpc>
+              <a:spcAft>
+                <a:spcPts val="1200"/>
+              </a:spcAft>
+            </a:pPr>
+            <a:endParaRPr lang="de-DE" sz="2200" dirty="0"/>
+          </a:p>
+          <a:p>
+            <a:pPr lvl="1">
+              <a:lnSpc>
+                <a:spcPct val="80000"/>
+              </a:lnSpc>
+              <a:spcAft>
+                <a:spcPts val="1200"/>
+              </a:spcAft>
+            </a:pPr>
+            <a:endParaRPr lang="de-DE" sz="2200" b="1" dirty="0"/>
+          </a:p>
+          <a:p>
+            <a:pPr lvl="0">
+              <a:lnSpc>
+                <a:spcPct val="80000"/>
+              </a:lnSpc>
+              <a:spcAft>
+                <a:spcPts val="1200"/>
+              </a:spcAft>
+            </a:pPr>
+            <a:endParaRPr lang="de-DE" sz="2400" b="1" dirty="0"/>
+          </a:p>
+        </p:txBody>
+      </p:sp>
+      <p:sp>
+        <p:nvSpPr>
+          <p:cNvPr id="6" name="Content Placeholder 5">
+            <a:extLst>
+              <a:ext uri="{FF2B5EF4-FFF2-40B4-BE49-F238E27FC236}">
+                <a16:creationId xmlns="" xmlns:a16="http://schemas.microsoft.com/office/drawing/2014/main" id="{8504C47B-4449-4F8D-AAEB-0BB132074717}"/>
+              </a:ext>
+            </a:extLst>
+          </p:cNvPr>
+          <p:cNvSpPr>
+            <a:spLocks noGrp="1"/>
+          </p:cNvSpPr>
+          <p:nvPr>
+            <p:ph idx="2"/>
+          </p:nvPr>
+        </p:nvSpPr>
+        <p:spPr>
+          <a:xfrm>
+            <a:off x="5047900" y="1086067"/>
+            <a:ext cx="3054362" cy="5120640"/>
+          </a:xfrm>
+        </p:spPr>
+        <p:txBody>
+          <a:bodyPr>
+            <a:normAutofit/>
+          </a:bodyPr>
+          <a:lstStyle/>
+          <a:p>
+            <a:endParaRPr lang="en-GB" dirty="0"/>
           </a:p>
         </p:txBody>
       </p:sp>
     </p:spTree>
     <p:extLst>
       <p:ext uri="{BB962C8B-B14F-4D97-AF65-F5344CB8AC3E}">
-        <p14:creationId xmlns:p14="http://schemas.microsoft.com/office/powerpoint/2010/main" val="3254874645"/>
+        <p14:creationId xmlns:p14="http://schemas.microsoft.com/office/powerpoint/2010/main" val="3712850667"/>
       </p:ext>
     </p:extLst>
   </p:cSld>
   <p:clrMapOvr>
     <a:masterClrMapping/>
   </p:clrMapOvr>
+  <p:transition spd="slow">
+    <p:push dir="u"/>
+  </p:transition>
+  <p:timing>
+    <p:tnLst>
+      <p:par>
+        <p:cTn id="1" dur="indefinite" restart="never" nodeType="tmRoot"/>
+      </p:par>
+    </p:tnLst>
+  </p:timing>
 </p:sld>
 </file>
 
-<file path=ppt/slides/slide24.xml><?xml version="1.0" encoding="utf-8"?>
+<file path=ppt/slides/slide34.xml><?xml version="1.0" encoding="utf-8"?>
 <p:sld xmlns:a="http://schemas.openxmlformats.org/drawingml/2006/main" xmlns:r="http://schemas.openxmlformats.org/officeDocument/2006/relationships" xmlns:p="http://schemas.openxmlformats.org/presentationml/2006/main">
   <p:cSld>
     <p:spTree>
@@ -8609,51 +10454,163 @@
       </p:grpSpPr>
       <p:sp>
         <p:nvSpPr>
-          <p:cNvPr id="3" name="Inhaltsplatzhalter 2"/>
-          <p:cNvSpPr>
-            <a:spLocks noGrp="1"/>
-          </p:cNvSpPr>
-          <p:nvPr>
-            <p:ph idx="1"/>
-          </p:nvPr>
-        </p:nvSpPr>
-        <p:spPr>
-          <a:xfrm>
-            <a:off x="684212" y="677008"/>
-            <a:ext cx="8534400" cy="5336930"/>
-          </a:xfrm>
-        </p:spPr>
+          <p:cNvPr id="2" name="Title 1">
+            <a:extLst>
+              <a:ext uri="{FF2B5EF4-FFF2-40B4-BE49-F238E27FC236}">
+                <a16:creationId xmlns="" xmlns:a16="http://schemas.microsoft.com/office/drawing/2014/main" id="{125D1A1F-72A6-4F53-94B7-AA52911C148C}"/>
+              </a:ext>
+            </a:extLst>
+          </p:cNvPr>
+          <p:cNvSpPr txBox="1">
+            <a:spLocks noGrp="1"/>
+          </p:cNvSpPr>
+          <p:nvPr>
+            <p:ph type="title"/>
+          </p:nvPr>
+        </p:nvSpPr>
+        <p:spPr/>
         <p:txBody>
           <a:bodyPr>
             <a:normAutofit/>
           </a:bodyPr>
           <a:lstStyle/>
           <a:p>
-            <a:pPr marL="0" indent="0">
-              <a:buNone/>
-            </a:pPr>
-            <a:r>
-              <a:rPr lang="en-GB" sz="4400" dirty="0" err="1" smtClean="0"/>
-              <a:t>Selbsteinschätzung</a:t>
-            </a:r>
-            <a:endParaRPr lang="en-GB" sz="4400" dirty="0" smtClean="0"/>
+            <a:pPr lvl="0"/>
+            <a:r>
+              <a:rPr lang="de-DE" sz="3500" dirty="0"/>
+              <a:t>Datenformat Personendichte</a:t>
+            </a:r>
+            <a:endParaRPr lang="en-GB" sz="3500" dirty="0"/>
+          </a:p>
+        </p:txBody>
+      </p:sp>
+      <p:sp>
+        <p:nvSpPr>
+          <p:cNvPr id="3" name="Content Placeholder 2">
+            <a:extLst>
+              <a:ext uri="{FF2B5EF4-FFF2-40B4-BE49-F238E27FC236}">
+                <a16:creationId xmlns="" xmlns:a16="http://schemas.microsoft.com/office/drawing/2014/main" id="{9200409B-6442-4073-882A-466AA2C1EA55}"/>
+              </a:ext>
+            </a:extLst>
+          </p:cNvPr>
+          <p:cNvSpPr txBox="1">
+            <a:spLocks noGrp="1"/>
+          </p:cNvSpPr>
+          <p:nvPr>
+            <p:ph idx="1"/>
+          </p:nvPr>
+        </p:nvSpPr>
+        <p:spPr>
+          <a:xfrm>
+            <a:off x="2213061" y="1627094"/>
+            <a:ext cx="4370566" cy="4362226"/>
+          </a:xfrm>
+        </p:spPr>
+        <p:txBody>
+          <a:bodyPr anchor="t">
+            <a:normAutofit lnSpcReduction="10000"/>
+          </a:bodyPr>
+          <a:lstStyle/>
+          <a:p>
+            <a:pPr marL="0" lvl="0" indent="0">
+              <a:spcAft>
+                <a:spcPts val="1200"/>
+              </a:spcAft>
+              <a:buNone/>
+            </a:pPr>
+            <a:r>
+              <a:rPr lang="de-DE" sz="2400" b="1" dirty="0"/>
+              <a:t>Testen der Dichtedaten</a:t>
+            </a:r>
+          </a:p>
+          <a:p>
+            <a:pPr lvl="0">
+              <a:spcAft>
+                <a:spcPts val="1200"/>
+              </a:spcAft>
+            </a:pPr>
+            <a:r>
+              <a:rPr lang="de-DE" sz="2400" dirty="0"/>
+              <a:t>Erstellen einer Reihe von schwarz-weiß Bilder aus den berechneten Dichtedaten pro Zeitschritt</a:t>
+            </a:r>
+          </a:p>
+          <a:p>
+            <a:pPr lvl="0">
+              <a:spcAft>
+                <a:spcPts val="1200"/>
+              </a:spcAft>
+            </a:pPr>
+            <a:r>
+              <a:rPr lang="de-DE" sz="2400" dirty="0"/>
+              <a:t>Visueller Vergleich mit den Simulations Ergebnissen aus Vadere</a:t>
+            </a:r>
+          </a:p>
+          <a:p>
+            <a:pPr lvl="0">
+              <a:spcAft>
+                <a:spcPts val="1200"/>
+              </a:spcAft>
+            </a:pPr>
+            <a:r>
+              <a:rPr lang="de-DE" sz="2400" dirty="0"/>
+              <a:t>Unit Tests des </a:t>
+            </a:r>
+            <a:r>
+              <a:rPr lang="de-DE" sz="2400" dirty="0" smtClean="0"/>
+              <a:t>Scripts</a:t>
+            </a:r>
+            <a:endParaRPr lang="de-DE" sz="2400" dirty="0"/>
+          </a:p>
+          <a:p>
+            <a:pPr lvl="0">
+              <a:spcAft>
+                <a:spcPts val="1200"/>
+              </a:spcAft>
+            </a:pPr>
+            <a:endParaRPr lang="de-DE" sz="2400" dirty="0"/>
+          </a:p>
+          <a:p>
+            <a:pPr lvl="1">
+              <a:spcAft>
+                <a:spcPts val="1200"/>
+              </a:spcAft>
+            </a:pPr>
+            <a:endParaRPr lang="de-DE" sz="2200" b="1" dirty="0"/>
+          </a:p>
+          <a:p>
+            <a:pPr lvl="0">
+              <a:spcAft>
+                <a:spcPts val="1200"/>
+              </a:spcAft>
+            </a:pPr>
+            <a:endParaRPr lang="de-DE" sz="2400" b="1" dirty="0"/>
           </a:p>
         </p:txBody>
       </p:sp>
     </p:spTree>
     <p:extLst>
       <p:ext uri="{BB962C8B-B14F-4D97-AF65-F5344CB8AC3E}">
-        <p14:creationId xmlns:p14="http://schemas.microsoft.com/office/powerpoint/2010/main" val="3340400464"/>
+        <p14:creationId xmlns:p14="http://schemas.microsoft.com/office/powerpoint/2010/main" val="4120624612"/>
       </p:ext>
     </p:extLst>
   </p:cSld>
   <p:clrMapOvr>
     <a:masterClrMapping/>
   </p:clrMapOvr>
+  <p:transition spd="slow">
+    <p:push dir="u"/>
+  </p:transition>
+  <p:timing>
+    <p:tnLst>
+      <p:par>
+        <p:cTn id="1" dur="indefinite" restart="never" nodeType="tmRoot"/>
+      </p:par>
+    </p:tnLst>
+  </p:timing>
 </p:sld>
 </file>
 
-<file path=ppt/slides/slide25.xml><?xml version="1.0" encoding="utf-8"?>
+<file path=ppt/slides/slide35.xml><?xml version="1.0" encoding="utf-8"?>
 <p:sld xmlns:a="http://schemas.openxmlformats.org/drawingml/2006/main" xmlns:r="http://schemas.openxmlformats.org/officeDocument/2006/relationships" xmlns:p="http://schemas.openxmlformats.org/presentationml/2006/main">
   <p:cSld>
     <p:spTree>
@@ -8672,51 +10629,229 @@
       </p:grpSpPr>
       <p:sp>
         <p:nvSpPr>
-          <p:cNvPr id="3" name="Inhaltsplatzhalter 2"/>
-          <p:cNvSpPr>
-            <a:spLocks noGrp="1"/>
-          </p:cNvSpPr>
-          <p:nvPr>
-            <p:ph idx="1"/>
-          </p:nvPr>
-        </p:nvSpPr>
-        <p:spPr>
-          <a:xfrm>
-            <a:off x="684212" y="677008"/>
-            <a:ext cx="8534400" cy="5336930"/>
-          </a:xfrm>
-        </p:spPr>
+          <p:cNvPr id="2" name="Title 6">
+            <a:extLst>
+              <a:ext uri="{FF2B5EF4-FFF2-40B4-BE49-F238E27FC236}">
+                <a16:creationId xmlns="" xmlns:a16="http://schemas.microsoft.com/office/drawing/2014/main" id="{04F78A0C-BF40-4E0B-9FA4-AAAA57E3C4EF}"/>
+              </a:ext>
+            </a:extLst>
+          </p:cNvPr>
+          <p:cNvSpPr txBox="1">
+            <a:spLocks noGrp="1"/>
+          </p:cNvSpPr>
+          <p:nvPr>
+            <p:ph type="title"/>
+          </p:nvPr>
+        </p:nvSpPr>
+        <p:spPr/>
         <p:txBody>
           <a:bodyPr>
             <a:normAutofit/>
           </a:bodyPr>
           <a:lstStyle/>
           <a:p>
-            <a:pPr marL="0" indent="0">
-              <a:buNone/>
-            </a:pPr>
-            <a:r>
-              <a:rPr lang="en-GB" sz="4400" dirty="0" smtClean="0"/>
-              <a:t>Do</a:t>
-            </a:r>
-            <a:endParaRPr lang="en-GB" sz="4400" dirty="0" smtClean="0"/>
+            <a:pPr lvl="0" algn="ctr"/>
+            <a:r>
+              <a:rPr lang="de-DE" sz="6600" dirty="0" smtClean="0"/>
+              <a:t>70 </a:t>
+            </a:r>
+            <a:r>
+              <a:rPr lang="de-DE" sz="6600" dirty="0"/>
+              <a:t>% =</a:t>
+            </a:r>
+            <a:endParaRPr lang="en-GB" sz="2800" dirty="0"/>
+          </a:p>
+        </p:txBody>
+      </p:sp>
+      <p:sp>
+        <p:nvSpPr>
+          <p:cNvPr id="3" name="Content Placeholder 7">
+            <a:extLst>
+              <a:ext uri="{FF2B5EF4-FFF2-40B4-BE49-F238E27FC236}">
+                <a16:creationId xmlns="" xmlns:a16="http://schemas.microsoft.com/office/drawing/2014/main" id="{3A52400E-A01D-4CCF-8280-EBE32B011F8E}"/>
+              </a:ext>
+            </a:extLst>
+          </p:cNvPr>
+          <p:cNvSpPr txBox="1">
+            <a:spLocks noGrp="1"/>
+          </p:cNvSpPr>
+          <p:nvPr>
+            <p:ph idx="1"/>
+          </p:nvPr>
+        </p:nvSpPr>
+        <p:spPr/>
+        <p:txBody>
+          <a:bodyPr>
+            <a:normAutofit fontScale="85000" lnSpcReduction="20000"/>
+          </a:bodyPr>
+          <a:lstStyle/>
+          <a:p>
+            <a:pPr marL="0" lvl="0" indent="0">
+              <a:lnSpc>
+                <a:spcPct val="200000"/>
+              </a:lnSpc>
+              <a:buNone/>
+            </a:pPr>
+            <a:r>
+              <a:rPr lang="de-DE" sz="2800" dirty="0"/>
+              <a:t>Selbsteinschätzung:</a:t>
+            </a:r>
+          </a:p>
+          <a:p>
+            <a:pPr lvl="0"/>
+            <a:r>
+              <a:rPr lang="de-DE" b="1" dirty="0"/>
+              <a:t>Einarbeitung in die Simulationssoftware Vadere </a:t>
+            </a:r>
+            <a:r>
+              <a:rPr lang="de-DE" b="1" dirty="0">
+                <a:solidFill>
+                  <a:srgbClr val="00B0F0"/>
+                </a:solidFill>
+              </a:rPr>
+              <a:t>6%</a:t>
+            </a:r>
+          </a:p>
+          <a:p>
+            <a:pPr lvl="0"/>
+            <a:r>
+              <a:rPr lang="de-DE" dirty="0"/>
+              <a:t>Generierung der Test Szenarios </a:t>
+            </a:r>
+            <a:r>
+              <a:rPr lang="de-DE" dirty="0">
+                <a:solidFill>
+                  <a:srgbClr val="00B0F0"/>
+                </a:solidFill>
+              </a:rPr>
+              <a:t>10%</a:t>
+            </a:r>
+          </a:p>
+          <a:p>
+            <a:pPr lvl="0"/>
+            <a:r>
+              <a:rPr lang="de-DE" dirty="0"/>
+              <a:t>Automatisierung von Simulationsdurchläufen </a:t>
+            </a:r>
+            <a:r>
+              <a:rPr lang="de-DE" dirty="0">
+                <a:solidFill>
+                  <a:srgbClr val="00B0F0"/>
+                </a:solidFill>
+              </a:rPr>
+              <a:t>25%</a:t>
+            </a:r>
+          </a:p>
+          <a:p>
+            <a:pPr lvl="0"/>
+            <a:r>
+              <a:rPr lang="de-DE" dirty="0"/>
+              <a:t>Erstellen eines Datenformats für Trajektorien </a:t>
+            </a:r>
+            <a:r>
+              <a:rPr lang="de-DE" dirty="0">
+                <a:solidFill>
+                  <a:srgbClr val="00B0F0"/>
+                </a:solidFill>
+              </a:rPr>
+              <a:t>20%</a:t>
+            </a:r>
+          </a:p>
+          <a:p>
+            <a:pPr lvl="0"/>
+            <a:r>
+              <a:rPr lang="de-DE" dirty="0"/>
+              <a:t>Literatur Recherche Bildfilter </a:t>
+            </a:r>
+            <a:r>
+              <a:rPr lang="de-DE" dirty="0">
+                <a:solidFill>
+                  <a:srgbClr val="00B0F0"/>
+                </a:solidFill>
+              </a:rPr>
+              <a:t>4%</a:t>
+            </a:r>
+          </a:p>
+          <a:p>
+            <a:pPr lvl="0"/>
+            <a:r>
+              <a:rPr lang="de-DE" b="1" dirty="0"/>
+              <a:t>Datenformat für die Personendichte </a:t>
+            </a:r>
+            <a:r>
+              <a:rPr lang="de-DE" b="1" dirty="0">
+                <a:solidFill>
+                  <a:srgbClr val="00B0F0"/>
+                </a:solidFill>
+              </a:rPr>
+              <a:t>30%</a:t>
+            </a:r>
+          </a:p>
+          <a:p>
+            <a:pPr lvl="1"/>
+            <a:r>
+              <a:rPr lang="de-DE" b="1" dirty="0"/>
+              <a:t>Variante 1: Auslesung der Personendichte aus Vadere</a:t>
+            </a:r>
+          </a:p>
+          <a:p>
+            <a:pPr lvl="1"/>
+            <a:r>
+              <a:rPr lang="de-DE" b="1" dirty="0"/>
+              <a:t>Variante 2: Berechnung der Persoendichte aus Trajektorien</a:t>
+            </a:r>
+          </a:p>
+          <a:p>
+            <a:pPr lvl="1"/>
+            <a:r>
+              <a:rPr lang="de-DE" b="1" dirty="0"/>
+              <a:t>Testen der Ergebnisse</a:t>
+            </a:r>
+          </a:p>
+          <a:p>
+            <a:r>
+              <a:rPr lang="de-DE" dirty="0" err="1"/>
+              <a:t>Scrum</a:t>
+            </a:r>
+            <a:r>
+              <a:rPr lang="de-DE" dirty="0"/>
+              <a:t> Master </a:t>
+            </a:r>
+            <a:r>
+              <a:rPr lang="de-DE" dirty="0">
+                <a:solidFill>
+                  <a:srgbClr val="00B0F0"/>
+                </a:solidFill>
+              </a:rPr>
+              <a:t>5%</a:t>
+            </a:r>
           </a:p>
         </p:txBody>
       </p:sp>
     </p:spTree>
     <p:extLst>
       <p:ext uri="{BB962C8B-B14F-4D97-AF65-F5344CB8AC3E}">
-        <p14:creationId xmlns:p14="http://schemas.microsoft.com/office/powerpoint/2010/main" val="2984088426"/>
+        <p14:creationId xmlns:p14="http://schemas.microsoft.com/office/powerpoint/2010/main" val="2402276352"/>
       </p:ext>
     </p:extLst>
   </p:cSld>
   <p:clrMapOvr>
     <a:masterClrMapping/>
   </p:clrMapOvr>
+  <p:transition spd="slow">
+    <p:push dir="u"/>
+  </p:transition>
+  <p:timing>
+    <p:tnLst>
+      <p:par>
+        <p:cTn id="1" dur="indefinite" restart="never" nodeType="tmRoot"/>
+      </p:par>
+    </p:tnLst>
+  </p:timing>
 </p:sld>
 </file>
 
-<file path=ppt/slides/slide26.xml><?xml version="1.0" encoding="utf-8"?>
+<file path=ppt/slides/slide36.xml><?xml version="1.0" encoding="utf-8"?>
 <p:sld xmlns:a="http://schemas.openxmlformats.org/drawingml/2006/main" xmlns:r="http://schemas.openxmlformats.org/officeDocument/2006/relationships" xmlns:p="http://schemas.openxmlformats.org/presentationml/2006/main">
   <p:cSld>
     <p:spTree>
@@ -8735,77 +10870,60 @@
       </p:grpSpPr>
       <p:sp>
         <p:nvSpPr>
-          <p:cNvPr id="2" name="Titel 1"/>
-          <p:cNvSpPr>
-            <a:spLocks noGrp="1"/>
-          </p:cNvSpPr>
-          <p:nvPr>
-            <p:ph type="ctrTitle"/>
+          <p:cNvPr id="2" name="Title 6">
+            <a:extLst>
+              <a:ext uri="{FF2B5EF4-FFF2-40B4-BE49-F238E27FC236}">
+                <a16:creationId xmlns="" xmlns:a16="http://schemas.microsoft.com/office/drawing/2014/main" id="{04F78A0C-BF40-4E0B-9FA4-AAAA57E3C4EF}"/>
+              </a:ext>
+            </a:extLst>
+          </p:cNvPr>
+          <p:cNvSpPr txBox="1">
+            <a:spLocks noGrp="1"/>
+          </p:cNvSpPr>
+          <p:nvPr>
+            <p:ph type="title"/>
           </p:nvPr>
         </p:nvSpPr>
         <p:spPr/>
         <p:txBody>
-          <a:bodyPr/>
-          <a:lstStyle/>
-          <a:p>
-            <a:r>
-              <a:rPr lang="de-DE" sz="3100" dirty="0"/>
-              <a:t>Datenerzeugung</a:t>
-            </a:r>
-            <a:r>
-              <a:rPr lang="de-DE" sz="2800" dirty="0"/>
-              <a:t> </a:t>
-            </a:r>
-            <a:r>
-              <a:rPr lang="de-DE" sz="2000" dirty="0"/>
-              <a:t>Modellierungsseminar</a:t>
-            </a:r>
-            <a:endParaRPr lang="de-DE" sz="2000" dirty="0"/>
-          </a:p>
-        </p:txBody>
-      </p:sp>
-      <p:sp>
-        <p:nvSpPr>
-          <p:cNvPr id="3" name="Untertitel 2"/>
-          <p:cNvSpPr>
-            <a:spLocks noGrp="1"/>
-          </p:cNvSpPr>
-          <p:nvPr>
-            <p:ph type="subTitle" idx="1"/>
-          </p:nvPr>
-        </p:nvSpPr>
-        <p:spPr>
-          <a:xfrm>
-            <a:off x="6175248" y="3985005"/>
-            <a:ext cx="3273552" cy="438307"/>
-          </a:xfrm>
-        </p:spPr>
-        <p:txBody>
-          <a:bodyPr/>
-          <a:lstStyle/>
-          <a:p>
-            <a:r>
-              <a:rPr lang="de-DE" dirty="0" smtClean="0"/>
-              <a:t>Do Nhu Nguyen</a:t>
-            </a:r>
-            <a:endParaRPr lang="de-DE" dirty="0"/>
+          <a:bodyPr>
+            <a:normAutofit/>
+          </a:bodyPr>
+          <a:lstStyle/>
+          <a:p>
+            <a:pPr lvl="0" algn="ctr"/>
+            <a:r>
+              <a:rPr lang="de-DE" sz="6600" dirty="0" smtClean="0"/>
+              <a:t>Hubert</a:t>
+            </a:r>
+            <a:endParaRPr lang="en-GB" sz="2800" dirty="0"/>
           </a:p>
         </p:txBody>
       </p:sp>
     </p:spTree>
     <p:extLst>
       <p:ext uri="{BB962C8B-B14F-4D97-AF65-F5344CB8AC3E}">
-        <p14:creationId xmlns:p14="http://schemas.microsoft.com/office/powerpoint/2010/main" val="3951828210"/>
+        <p14:creationId xmlns:p14="http://schemas.microsoft.com/office/powerpoint/2010/main" val="591797269"/>
       </p:ext>
     </p:extLst>
   </p:cSld>
   <p:clrMapOvr>
     <a:masterClrMapping/>
   </p:clrMapOvr>
+  <p:transition spd="slow">
+    <p:push dir="u"/>
+  </p:transition>
+  <p:timing>
+    <p:tnLst>
+      <p:par>
+        <p:cTn id="1" dur="indefinite" restart="never" nodeType="tmRoot"/>
+      </p:par>
+    </p:tnLst>
+  </p:timing>
 </p:sld>
 </file>
 
-<file path=ppt/slides/slide27.xml><?xml version="1.0" encoding="utf-8"?>
+<file path=ppt/slides/slide37.xml><?xml version="1.0" encoding="utf-8"?>
 <p:sld xmlns:a="http://schemas.openxmlformats.org/drawingml/2006/main" xmlns:r="http://schemas.openxmlformats.org/officeDocument/2006/relationships" xmlns:p="http://schemas.openxmlformats.org/presentationml/2006/main">
   <p:cSld>
     <p:spTree>
@@ -8824,8 +10942,14 @@
       </p:grpSpPr>
       <p:sp>
         <p:nvSpPr>
-          <p:cNvPr id="2" name="Titel 1"/>
-          <p:cNvSpPr>
+          <p:cNvPr id="2" name="Title 6">
+            <a:extLst>
+              <a:ext uri="{FF2B5EF4-FFF2-40B4-BE49-F238E27FC236}">
+                <a16:creationId xmlns="" xmlns:a16="http://schemas.microsoft.com/office/drawing/2014/main" id="{04F78A0C-BF40-4E0B-9FA4-AAAA57E3C4EF}"/>
+              </a:ext>
+            </a:extLst>
+          </p:cNvPr>
+          <p:cNvSpPr txBox="1">
             <a:spLocks noGrp="1"/>
           </p:cNvSpPr>
           <p:nvPr>
@@ -8834,125 +10958,286 @@
         </p:nvSpPr>
         <p:spPr/>
         <p:txBody>
-          <a:bodyPr/>
-          <a:lstStyle/>
-          <a:p>
-            <a:r>
-              <a:rPr lang="de-DE" dirty="0" smtClean="0"/>
-              <a:t>Meine Tätigkeiten</a:t>
-            </a:r>
-            <a:endParaRPr lang="de-DE" dirty="0"/>
-          </a:p>
-        </p:txBody>
-      </p:sp>
-      <p:sp>
-        <p:nvSpPr>
-          <p:cNvPr id="3" name="Inhaltsplatzhalter 2"/>
-          <p:cNvSpPr>
+          <a:bodyPr>
+            <a:normAutofit fontScale="90000"/>
+          </a:bodyPr>
+          <a:lstStyle/>
+          <a:p>
+            <a:pPr lvl="0" algn="ctr"/>
+            <a:r>
+              <a:rPr lang="de-DE" sz="6600" dirty="0" smtClean="0"/>
+              <a:t>Aufgaben und Tätigkeiten</a:t>
+            </a:r>
+            <a:endParaRPr lang="en-GB" sz="2800" dirty="0"/>
+          </a:p>
+        </p:txBody>
+      </p:sp>
+      <p:sp>
+        <p:nvSpPr>
+          <p:cNvPr id="3" name="Content Placeholder 7">
+            <a:extLst>
+              <a:ext uri="{FF2B5EF4-FFF2-40B4-BE49-F238E27FC236}">
+                <a16:creationId xmlns="" xmlns:a16="http://schemas.microsoft.com/office/drawing/2014/main" id="{3A52400E-A01D-4CCF-8280-EBE32B011F8E}"/>
+              </a:ext>
+            </a:extLst>
+          </p:cNvPr>
+          <p:cNvSpPr txBox="1">
             <a:spLocks noGrp="1"/>
           </p:cNvSpPr>
           <p:nvPr>
             <p:ph idx="1"/>
           </p:nvPr>
         </p:nvSpPr>
-        <p:spPr>
-          <a:xfrm>
-            <a:off x="3731014" y="2020889"/>
-            <a:ext cx="6168589" cy="4105275"/>
-          </a:xfrm>
-        </p:spPr>
+        <p:spPr/>
         <p:txBody>
           <a:bodyPr>
-            <a:normAutofit/>
+            <a:normAutofit fontScale="70000" lnSpcReduction="20000"/>
           </a:bodyPr>
           <a:lstStyle/>
           <a:p>
-            <a:r>
-              <a:rPr lang="de-DE" dirty="0" smtClean="0"/>
+            <a:pPr lvl="0">
+              <a:lnSpc>
+                <a:spcPct val="200000"/>
+              </a:lnSpc>
+              <a:buFontTx/>
+              <a:buChar char="-"/>
+            </a:pPr>
+            <a:r>
+              <a:rPr lang="de-DE" dirty="0" smtClean="0">
+                <a:solidFill>
+                  <a:schemeClr val="tx1"/>
+                </a:solidFill>
+              </a:rPr>
               <a:t>Einarbeitung in </a:t>
             </a:r>
             <a:r>
-              <a:rPr lang="de-DE" dirty="0" err="1" smtClean="0"/>
+              <a:rPr lang="de-DE" dirty="0" err="1" smtClean="0">
+                <a:solidFill>
+                  <a:schemeClr val="tx1"/>
+                </a:solidFill>
+              </a:rPr>
               <a:t>Vadere</a:t>
             </a:r>
-            <a:endParaRPr lang="de-DE" dirty="0" smtClean="0"/>
-          </a:p>
-          <a:p>
-            <a:r>
-              <a:rPr lang="de-DE" dirty="0"/>
-              <a:t> </a:t>
-            </a:r>
-            <a:r>
-              <a:rPr lang="de-DE" dirty="0" smtClean="0"/>
-              <a:t>Beispiel Szenarien erstellt</a:t>
-            </a:r>
-          </a:p>
-          <a:p>
-            <a:r>
-              <a:rPr lang="de-DE" dirty="0" smtClean="0"/>
-              <a:t>Filterverfahren, welche vorhanden sind</a:t>
-            </a:r>
-          </a:p>
-          <a:p>
-            <a:pPr lvl="1"/>
-            <a:r>
-              <a:rPr lang="de-DE" dirty="0" err="1" smtClean="0"/>
-              <a:t>Gaussian</a:t>
-            </a:r>
-            <a:r>
-              <a:rPr lang="de-DE" dirty="0" smtClean="0"/>
-              <a:t> Filter Python </a:t>
-            </a:r>
-          </a:p>
-          <a:p>
-            <a:pPr lvl="1"/>
-            <a:r>
-              <a:rPr lang="de-DE" dirty="0" err="1" smtClean="0"/>
-              <a:t>Scipy.ndimage.filter</a:t>
-            </a:r>
-            <a:r>
-              <a:rPr lang="de-DE" dirty="0" smtClean="0"/>
-              <a:t>  Bildfilter</a:t>
-            </a:r>
-          </a:p>
-          <a:p>
-            <a:r>
-              <a:rPr lang="de-DE" dirty="0" smtClean="0"/>
-              <a:t>Datenformat für Maschinelles Lernen bereitstellen </a:t>
-            </a:r>
-          </a:p>
-          <a:p>
-            <a:pPr lvl="1"/>
-            <a:r>
-              <a:rPr lang="de-DE" dirty="0" smtClean="0"/>
-              <a:t> Python Skript</a:t>
-            </a:r>
-          </a:p>
-          <a:p>
-            <a:r>
-              <a:rPr lang="de-DE" dirty="0" smtClean="0"/>
-              <a:t>Szenarien-Automatisierung</a:t>
-            </a:r>
-          </a:p>
-          <a:p>
-            <a:endParaRPr lang="de-DE" dirty="0"/>
+            <a:r>
+              <a:rPr lang="de-DE" dirty="0" smtClean="0">
+                <a:solidFill>
+                  <a:schemeClr val="tx1"/>
+                </a:solidFill>
+              </a:rPr>
+              <a:t> und </a:t>
+            </a:r>
+            <a:r>
+              <a:rPr lang="de-DE" dirty="0" err="1" smtClean="0">
+                <a:solidFill>
+                  <a:schemeClr val="tx1"/>
+                </a:solidFill>
+              </a:rPr>
+              <a:t>python</a:t>
+            </a:r>
+            <a:endParaRPr lang="de-DE" dirty="0">
+              <a:solidFill>
+                <a:schemeClr val="tx1"/>
+              </a:solidFill>
+            </a:endParaRPr>
+          </a:p>
+          <a:p>
+            <a:pPr lvl="0">
+              <a:lnSpc>
+                <a:spcPct val="200000"/>
+              </a:lnSpc>
+              <a:buFontTx/>
+              <a:buChar char="-"/>
+            </a:pPr>
+            <a:r>
+              <a:rPr lang="de-DE" dirty="0" smtClean="0">
+                <a:solidFill>
+                  <a:schemeClr val="tx1"/>
+                </a:solidFill>
+              </a:rPr>
+              <a:t>Erstellung von Test Szenarien</a:t>
+            </a:r>
+          </a:p>
+          <a:p>
+            <a:pPr lvl="0">
+              <a:lnSpc>
+                <a:spcPct val="200000"/>
+              </a:lnSpc>
+              <a:buFontTx/>
+              <a:buChar char="-"/>
+            </a:pPr>
+            <a:r>
+              <a:rPr lang="de-DE" dirty="0" smtClean="0">
+                <a:solidFill>
+                  <a:schemeClr val="tx1"/>
+                </a:solidFill>
+              </a:rPr>
+              <a:t>Prozessieren der .</a:t>
+            </a:r>
+            <a:r>
+              <a:rPr lang="de-DE" dirty="0" err="1" smtClean="0">
+                <a:solidFill>
+                  <a:schemeClr val="tx1"/>
+                </a:solidFill>
+              </a:rPr>
+              <a:t>trajectories</a:t>
+            </a:r>
+            <a:r>
+              <a:rPr lang="de-DE" dirty="0" smtClean="0">
+                <a:solidFill>
+                  <a:schemeClr val="tx1"/>
+                </a:solidFill>
+              </a:rPr>
+              <a:t> Dateien</a:t>
+            </a:r>
+          </a:p>
+          <a:p>
+            <a:pPr lvl="1">
+              <a:lnSpc>
+                <a:spcPct val="200000"/>
+              </a:lnSpc>
+              <a:buFontTx/>
+              <a:buChar char="-"/>
+            </a:pPr>
+            <a:r>
+              <a:rPr lang="de-DE" dirty="0" smtClean="0">
+                <a:solidFill>
+                  <a:schemeClr val="tx1"/>
+                </a:solidFill>
+              </a:rPr>
+              <a:t>Konvertieren der Daten in geeignete Datenstrukturen </a:t>
+            </a:r>
+          </a:p>
+          <a:p>
+            <a:pPr lvl="1">
+              <a:lnSpc>
+                <a:spcPct val="200000"/>
+              </a:lnSpc>
+              <a:buFontTx/>
+              <a:buChar char="-"/>
+            </a:pPr>
+            <a:r>
+              <a:rPr lang="de-DE" dirty="0" smtClean="0">
+                <a:solidFill>
+                  <a:schemeClr val="tx1"/>
+                </a:solidFill>
+              </a:rPr>
+              <a:t>Datenselektion durch Zeitangabe und Beobachtungsgebiet, Dichteberechnung</a:t>
+            </a:r>
+          </a:p>
+          <a:p>
+            <a:pPr lvl="1">
+              <a:lnSpc>
+                <a:spcPct val="200000"/>
+              </a:lnSpc>
+              <a:buFontTx/>
+              <a:buChar char="-"/>
+            </a:pPr>
+            <a:r>
+              <a:rPr lang="de-DE" dirty="0" smtClean="0">
+                <a:solidFill>
+                  <a:schemeClr val="tx1"/>
+                </a:solidFill>
+              </a:rPr>
+              <a:t>Datengenerierung</a:t>
+            </a:r>
+          </a:p>
+          <a:p>
+            <a:pPr>
+              <a:lnSpc>
+                <a:spcPct val="200000"/>
+              </a:lnSpc>
+              <a:buFontTx/>
+              <a:buChar char="-"/>
+            </a:pPr>
+            <a:r>
+              <a:rPr lang="de-DE" dirty="0" err="1" smtClean="0">
+                <a:solidFill>
+                  <a:schemeClr val="tx1"/>
+                </a:solidFill>
+              </a:rPr>
+              <a:t>Refactoring</a:t>
+            </a:r>
+            <a:r>
+              <a:rPr lang="de-DE" dirty="0" smtClean="0">
+                <a:solidFill>
+                  <a:schemeClr val="tx1"/>
+                </a:solidFill>
+              </a:rPr>
+              <a:t> der </a:t>
+            </a:r>
+            <a:r>
+              <a:rPr lang="de-DE" dirty="0" err="1" smtClean="0">
+                <a:solidFill>
+                  <a:schemeClr val="tx1"/>
+                </a:solidFill>
+              </a:rPr>
+              <a:t>Codebase</a:t>
+            </a:r>
+            <a:endParaRPr lang="de-DE" dirty="0">
+              <a:solidFill>
+                <a:schemeClr val="tx1"/>
+              </a:solidFill>
+            </a:endParaRPr>
+          </a:p>
+          <a:p>
+            <a:pPr>
+              <a:lnSpc>
+                <a:spcPct val="200000"/>
+              </a:lnSpc>
+              <a:buFontTx/>
+              <a:buChar char="-"/>
+            </a:pPr>
+            <a:r>
+              <a:rPr lang="de-DE" dirty="0" smtClean="0">
+                <a:solidFill>
+                  <a:schemeClr val="tx1"/>
+                </a:solidFill>
+              </a:rPr>
+              <a:t>Pair-</a:t>
+            </a:r>
+            <a:r>
+              <a:rPr lang="de-DE" dirty="0" err="1" smtClean="0">
+                <a:solidFill>
+                  <a:schemeClr val="tx1"/>
+                </a:solidFill>
+              </a:rPr>
+              <a:t>programming</a:t>
+            </a:r>
+            <a:r>
+              <a:rPr lang="de-DE" dirty="0" smtClean="0">
+                <a:solidFill>
+                  <a:schemeClr val="tx1"/>
+                </a:solidFill>
+              </a:rPr>
+              <a:t> mit Rebecca </a:t>
+            </a:r>
           </a:p>
         </p:txBody>
       </p:sp>
     </p:spTree>
     <p:extLst>
       <p:ext uri="{BB962C8B-B14F-4D97-AF65-F5344CB8AC3E}">
-        <p14:creationId xmlns:p14="http://schemas.microsoft.com/office/powerpoint/2010/main" val="3861215185"/>
+        <p14:creationId xmlns:p14="http://schemas.microsoft.com/office/powerpoint/2010/main" val="3555992738"/>
       </p:ext>
     </p:extLst>
   </p:cSld>
   <p:clrMapOvr>
     <a:masterClrMapping/>
   </p:clrMapOvr>
+  <p:transition spd="slow">
+    <p:push dir="u"/>
+  </p:transition>
+  <p:timing>
+    <p:tnLst>
+      <p:par>
+        <p:cTn id="1" dur="indefinite" restart="never" nodeType="tmRoot"/>
+      </p:par>
+    </p:tnLst>
+  </p:timing>
 </p:sld>
 </file>
 
-<file path=ppt/slides/slide28.xml><?xml version="1.0" encoding="utf-8"?>
+<file path=ppt/slides/slide38.xml><?xml version="1.0" encoding="utf-8"?>
 <p:sld xmlns:a="http://schemas.openxmlformats.org/drawingml/2006/main" xmlns:r="http://schemas.openxmlformats.org/officeDocument/2006/relationships" xmlns:p="http://schemas.openxmlformats.org/presentationml/2006/main">
   <p:cSld>
     <p:spTree>
@@ -8971,8 +11256,14 @@
       </p:grpSpPr>
       <p:sp>
         <p:nvSpPr>
-          <p:cNvPr id="2" name="Titel 1"/>
-          <p:cNvSpPr>
+          <p:cNvPr id="2" name="Title 6">
+            <a:extLst>
+              <a:ext uri="{FF2B5EF4-FFF2-40B4-BE49-F238E27FC236}">
+                <a16:creationId xmlns="" xmlns:a16="http://schemas.microsoft.com/office/drawing/2014/main" id="{04F78A0C-BF40-4E0B-9FA4-AAAA57E3C4EF}"/>
+              </a:ext>
+            </a:extLst>
+          </p:cNvPr>
+          <p:cNvSpPr txBox="1">
             <a:spLocks noGrp="1"/>
           </p:cNvSpPr>
           <p:nvPr>
@@ -8981,155 +11272,145 @@
         </p:nvSpPr>
         <p:spPr/>
         <p:txBody>
-          <a:bodyPr/>
-          <a:lstStyle/>
-          <a:p>
-            <a:r>
-              <a:rPr lang="de-DE" dirty="0" smtClean="0"/>
-              <a:t>Szenarien - Automatisierung</a:t>
-            </a:r>
-            <a:endParaRPr lang="de-DE" dirty="0"/>
-          </a:p>
-        </p:txBody>
-      </p:sp>
-      <p:sp>
-        <p:nvSpPr>
-          <p:cNvPr id="3" name="Inhaltsplatzhalter 2"/>
-          <p:cNvSpPr>
+          <a:bodyPr>
+            <a:normAutofit fontScale="90000"/>
+          </a:bodyPr>
+          <a:lstStyle/>
+          <a:p>
+            <a:pPr lvl="0" algn="ctr"/>
+            <a:r>
+              <a:rPr lang="en-GB" sz="2800" dirty="0" smtClean="0"/>
+              <a:t/>
+            </a:r>
+            <a:br>
+              <a:rPr lang="en-GB" sz="2800" dirty="0" smtClean="0"/>
+            </a:br>
+            <a:r>
+              <a:rPr lang="en-GB" sz="2800" dirty="0"/>
+              <a:t/>
+            </a:r>
+            <a:br>
+              <a:rPr lang="en-GB" sz="2800" dirty="0"/>
+            </a:br>
+            <a:r>
+              <a:rPr lang="en-GB" sz="2800" dirty="0" smtClean="0"/>
+              <a:t/>
+            </a:r>
+            <a:br>
+              <a:rPr lang="en-GB" sz="2800" dirty="0" smtClean="0"/>
+            </a:br>
+            <a:r>
+              <a:rPr lang="en-GB" sz="2800" dirty="0"/>
+              <a:t/>
+            </a:r>
+            <a:br>
+              <a:rPr lang="en-GB" sz="2800" dirty="0"/>
+            </a:br>
+            <a:r>
+              <a:rPr lang="en-GB" sz="2800" dirty="0" smtClean="0"/>
+              <a:t/>
+            </a:r>
+            <a:br>
+              <a:rPr lang="en-GB" sz="2800" dirty="0" smtClean="0"/>
+            </a:br>
+            <a:endParaRPr lang="en-GB" sz="2800" dirty="0"/>
+          </a:p>
+        </p:txBody>
+      </p:sp>
+      <p:sp>
+        <p:nvSpPr>
+          <p:cNvPr id="3" name="Content Placeholder 7">
+            <a:extLst>
+              <a:ext uri="{FF2B5EF4-FFF2-40B4-BE49-F238E27FC236}">
+                <a16:creationId xmlns="" xmlns:a16="http://schemas.microsoft.com/office/drawing/2014/main" id="{3A52400E-A01D-4CCF-8280-EBE32B011F8E}"/>
+              </a:ext>
+            </a:extLst>
+          </p:cNvPr>
+          <p:cNvSpPr txBox="1">
             <a:spLocks noGrp="1"/>
           </p:cNvSpPr>
           <p:nvPr>
             <p:ph idx="1"/>
           </p:nvPr>
         </p:nvSpPr>
+        <p:spPr/>
+        <p:txBody>
+          <a:bodyPr>
+            <a:normAutofit/>
+          </a:bodyPr>
+          <a:lstStyle/>
+          <a:p>
+            <a:pPr marL="0" lvl="0" indent="0">
+              <a:lnSpc>
+                <a:spcPct val="200000"/>
+              </a:lnSpc>
+              <a:buNone/>
+            </a:pPr>
+            <a:r>
+              <a:rPr lang="de-DE" dirty="0" smtClean="0">
+                <a:solidFill>
+                  <a:srgbClr val="00B0F0"/>
+                </a:solidFill>
+              </a:rPr>
+              <a:t> </a:t>
+            </a:r>
+          </a:p>
+        </p:txBody>
+      </p:sp>
+      <p:pic>
+        <p:nvPicPr>
+          <p:cNvPr id="6" name="Grafik 5"/>
+          <p:cNvPicPr>
+            <a:picLocks noChangeAspect="1"/>
+          </p:cNvPicPr>
+          <p:nvPr/>
+        </p:nvPicPr>
+        <p:blipFill>
+          <a:blip r:embed="rId2">
+            <a:extLst>
+              <a:ext uri="{28A0092B-C50C-407E-A947-70E740481C1C}">
+                <a14:useLocalDpi xmlns:a14="http://schemas.microsoft.com/office/drawing/2010/main" val="0"/>
+              </a:ext>
+            </a:extLst>
+          </a:blip>
+          <a:stretch>
+            <a:fillRect/>
+          </a:stretch>
+        </p:blipFill>
         <p:spPr>
           <a:xfrm>
-            <a:off x="3792662" y="2020889"/>
-            <a:ext cx="6106941" cy="4105275"/>
+            <a:off x="1034270" y="1270000"/>
+            <a:ext cx="10058400" cy="4301878"/>
           </a:xfrm>
+          <a:prstGeom prst="rect">
+            <a:avLst/>
+          </a:prstGeom>
         </p:spPr>
-        <p:txBody>
-          <a:bodyPr/>
-          <a:lstStyle/>
-          <a:p>
-            <a:r>
-              <a:rPr lang="de-DE" dirty="0" smtClean="0"/>
-              <a:t>Auftrag: 50 Szenarien mit unterschiedlichen Verteilungen</a:t>
-            </a:r>
-          </a:p>
-          <a:p>
-            <a:r>
-              <a:rPr lang="de-DE" dirty="0" smtClean="0"/>
-              <a:t>Einarbeitung in die </a:t>
-            </a:r>
-            <a:r>
-              <a:rPr lang="de-DE" dirty="0" err="1" smtClean="0"/>
-              <a:t>Vadere</a:t>
-            </a:r>
-            <a:r>
-              <a:rPr lang="de-DE" dirty="0" smtClean="0"/>
-              <a:t> Klassen (Bsp. </a:t>
-            </a:r>
-            <a:r>
-              <a:rPr lang="de-DE" dirty="0" err="1" smtClean="0"/>
-              <a:t>IOVadere</a:t>
-            </a:r>
-            <a:r>
-              <a:rPr lang="de-DE" dirty="0" smtClean="0"/>
-              <a:t>, </a:t>
-            </a:r>
-            <a:r>
-              <a:rPr lang="de-DE" dirty="0" err="1" smtClean="0"/>
-              <a:t>ScenarioBuilder</a:t>
-            </a:r>
-            <a:r>
-              <a:rPr lang="de-DE" dirty="0" smtClean="0"/>
-              <a:t>)</a:t>
-            </a:r>
-          </a:p>
-          <a:p>
-            <a:pPr marL="0" indent="0">
-              <a:buNone/>
-            </a:pPr>
-            <a:r>
-              <a:rPr lang="de-DE" dirty="0"/>
-              <a:t>	</a:t>
-            </a:r>
-            <a:r>
-              <a:rPr lang="de-DE" dirty="0" smtClean="0"/>
-              <a:t>- Einlesen der Szenarien </a:t>
-            </a:r>
-          </a:p>
-          <a:p>
-            <a:pPr marL="0" indent="0">
-              <a:buNone/>
-            </a:pPr>
-            <a:r>
-              <a:rPr lang="de-DE" dirty="0"/>
-              <a:t>	</a:t>
-            </a:r>
-            <a:r>
-              <a:rPr lang="de-DE" dirty="0" smtClean="0"/>
-              <a:t>- Attribute verändern</a:t>
-            </a:r>
-          </a:p>
-          <a:p>
-            <a:pPr marL="0" indent="0">
-              <a:buNone/>
-            </a:pPr>
-            <a:r>
-              <a:rPr lang="de-DE" dirty="0"/>
-              <a:t>	</a:t>
-            </a:r>
-            <a:r>
-              <a:rPr lang="de-DE" dirty="0" smtClean="0"/>
-              <a:t>- Verteilung berechnen</a:t>
-            </a:r>
-          </a:p>
-          <a:p>
-            <a:pPr marL="0" indent="0">
-              <a:buNone/>
-            </a:pPr>
-            <a:r>
-              <a:rPr lang="de-DE" dirty="0"/>
-              <a:t> </a:t>
-            </a:r>
-            <a:r>
-              <a:rPr lang="de-DE" dirty="0" smtClean="0"/>
-              <a:t>    	- Ausführen und </a:t>
-            </a:r>
-            <a:r>
-              <a:rPr lang="de-DE" dirty="0"/>
-              <a:t>S</a:t>
-            </a:r>
-            <a:r>
-              <a:rPr lang="de-DE" dirty="0" smtClean="0"/>
-              <a:t>peicherung</a:t>
-            </a:r>
-            <a:endParaRPr lang="de-DE" dirty="0"/>
-          </a:p>
-          <a:p>
-            <a:pPr marL="0" indent="0">
-              <a:buNone/>
-            </a:pPr>
-            <a:endParaRPr lang="de-DE" dirty="0" smtClean="0"/>
-          </a:p>
-        </p:txBody>
-      </p:sp>
+      </p:pic>
     </p:spTree>
     <p:extLst>
       <p:ext uri="{BB962C8B-B14F-4D97-AF65-F5344CB8AC3E}">
-        <p14:creationId xmlns:p14="http://schemas.microsoft.com/office/powerpoint/2010/main" val="325816035"/>
+        <p14:creationId xmlns:p14="http://schemas.microsoft.com/office/powerpoint/2010/main" val="3915547931"/>
       </p:ext>
     </p:extLst>
   </p:cSld>
   <p:clrMapOvr>
     <a:masterClrMapping/>
   </p:clrMapOvr>
+  <p:transition spd="slow">
+    <p:push dir="u"/>
+  </p:transition>
+  <p:timing>
+    <p:tnLst>
+      <p:par>
+        <p:cTn id="1" dur="indefinite" restart="never" nodeType="tmRoot"/>
+      </p:par>
+    </p:tnLst>
+  </p:timing>
 </p:sld>
 </file>
 
-<file path=ppt/slides/slide29.xml><?xml version="1.0" encoding="utf-8"?>
+<file path=ppt/slides/slide39.xml><?xml version="1.0" encoding="utf-8"?>
 <p:sld xmlns:a="http://schemas.openxmlformats.org/drawingml/2006/main" xmlns:r="http://schemas.openxmlformats.org/officeDocument/2006/relationships" xmlns:p="http://schemas.openxmlformats.org/presentationml/2006/main">
   <p:cSld>
     <p:spTree>
@@ -9148,8 +11429,14 @@
       </p:grpSpPr>
       <p:sp>
         <p:nvSpPr>
-          <p:cNvPr id="2" name="Titel 1"/>
-          <p:cNvSpPr>
+          <p:cNvPr id="2" name="Title 6">
+            <a:extLst>
+              <a:ext uri="{FF2B5EF4-FFF2-40B4-BE49-F238E27FC236}">
+                <a16:creationId xmlns="" xmlns:a16="http://schemas.microsoft.com/office/drawing/2014/main" id="{04F78A0C-BF40-4E0B-9FA4-AAAA57E3C4EF}"/>
+              </a:ext>
+            </a:extLst>
+          </p:cNvPr>
+          <p:cNvSpPr txBox="1">
             <a:spLocks noGrp="1"/>
           </p:cNvSpPr>
           <p:nvPr>
@@ -9158,73 +11445,85 @@
         </p:nvSpPr>
         <p:spPr/>
         <p:txBody>
-          <a:bodyPr/>
-          <a:lstStyle/>
-          <a:p>
-            <a:r>
-              <a:rPr lang="de-DE" dirty="0" smtClean="0"/>
-              <a:t>Warum Automatisieren?</a:t>
-            </a:r>
-            <a:endParaRPr lang="de-DE" dirty="0"/>
-          </a:p>
-        </p:txBody>
-      </p:sp>
-      <p:sp>
-        <p:nvSpPr>
-          <p:cNvPr id="3" name="Inhaltsplatzhalter 2"/>
-          <p:cNvSpPr>
+          <a:bodyPr>
+            <a:normAutofit fontScale="90000"/>
+          </a:bodyPr>
+          <a:lstStyle/>
+          <a:p>
+            <a:pPr lvl="0" algn="ctr"/>
+            <a:r>
+              <a:rPr lang="de-DE" sz="6600" dirty="0" smtClean="0"/>
+              <a:t>Gauß </a:t>
+            </a:r>
+            <a:r>
+              <a:rPr lang="de-DE" sz="6600" dirty="0" err="1" smtClean="0"/>
+              <a:t>Dichteberechung</a:t>
+            </a:r>
+            <a:endParaRPr lang="en-GB" sz="2800" dirty="0"/>
+          </a:p>
+        </p:txBody>
+      </p:sp>
+      <p:sp>
+        <p:nvSpPr>
+          <p:cNvPr id="3" name="Content Placeholder 7">
+            <a:extLst>
+              <a:ext uri="{FF2B5EF4-FFF2-40B4-BE49-F238E27FC236}">
+                <a16:creationId xmlns="" xmlns:a16="http://schemas.microsoft.com/office/drawing/2014/main" id="{3A52400E-A01D-4CCF-8280-EBE32B011F8E}"/>
+              </a:ext>
+            </a:extLst>
+          </p:cNvPr>
+          <p:cNvSpPr txBox="1">
             <a:spLocks noGrp="1"/>
           </p:cNvSpPr>
           <p:nvPr>
             <p:ph idx="1"/>
           </p:nvPr>
         </p:nvSpPr>
-        <p:spPr>
-          <a:xfrm>
-            <a:off x="3829650" y="2020889"/>
-            <a:ext cx="6069952" cy="4105275"/>
-          </a:xfrm>
-        </p:spPr>
-        <p:txBody>
-          <a:bodyPr/>
-          <a:lstStyle/>
-          <a:p>
-            <a:r>
-              <a:rPr lang="de-DE" dirty="0" smtClean="0"/>
-              <a:t>Szenario mit verschiedenen Verteilungen möglich </a:t>
-            </a:r>
-          </a:p>
-          <a:p>
-            <a:r>
-              <a:rPr lang="de-DE" dirty="0" smtClean="0"/>
-              <a:t>Aufwändige Zusammenstellung und </a:t>
-            </a:r>
-            <a:r>
-              <a:rPr lang="de-DE" dirty="0" err="1" smtClean="0"/>
-              <a:t>händische</a:t>
-            </a:r>
-            <a:r>
-              <a:rPr lang="de-DE" dirty="0" smtClean="0"/>
-              <a:t> Ausführung der einzelnen Szenarien nicht mehr nötig</a:t>
-            </a:r>
-            <a:endParaRPr lang="de-DE" dirty="0"/>
+        <p:spPr/>
+        <p:txBody>
+          <a:bodyPr>
+            <a:normAutofit/>
+          </a:bodyPr>
+          <a:lstStyle/>
+          <a:p>
+            <a:pPr marL="0" lvl="0" indent="0">
+              <a:lnSpc>
+                <a:spcPct val="200000"/>
+              </a:lnSpc>
+              <a:buNone/>
+            </a:pPr>
+            <a:endParaRPr lang="de-DE" dirty="0" smtClean="0">
+              <a:solidFill>
+                <a:srgbClr val="00B0F0"/>
+              </a:solidFill>
+            </a:endParaRPr>
           </a:p>
         </p:txBody>
       </p:sp>
     </p:spTree>
     <p:extLst>
       <p:ext uri="{BB962C8B-B14F-4D97-AF65-F5344CB8AC3E}">
-        <p14:creationId xmlns:p14="http://schemas.microsoft.com/office/powerpoint/2010/main" val="3740562076"/>
+        <p14:creationId xmlns:p14="http://schemas.microsoft.com/office/powerpoint/2010/main" val="1378842414"/>
       </p:ext>
     </p:extLst>
   </p:cSld>
   <p:clrMapOvr>
     <a:masterClrMapping/>
   </p:clrMapOvr>
+  <p:transition spd="slow">
+    <p:push dir="u"/>
+  </p:transition>
+  <p:timing>
+    <p:tnLst>
+      <p:par>
+        <p:cTn id="1" dur="indefinite" restart="never" nodeType="tmRoot"/>
+      </p:par>
+    </p:tnLst>
+  </p:timing>
 </p:sld>
 </file>
 
-<file path=ppt/slides/slide3.xml><?xml version="1.0" encoding="utf-8"?>
+<file path=ppt/slides/slide4.xml><?xml version="1.0" encoding="utf-8"?>
 <p:sld xmlns:a="http://schemas.openxmlformats.org/drawingml/2006/main" xmlns:r="http://schemas.openxmlformats.org/officeDocument/2006/relationships" xmlns:p="http://schemas.openxmlformats.org/presentationml/2006/main">
   <p:cSld>
     <p:spTree>
@@ -9293,7 +11592,7 @@
         <p:spPr>
           <a:xfrm>
             <a:off x="1331258" y="1922929"/>
-            <a:ext cx="9144000" cy="5078313"/>
+            <a:ext cx="9144000" cy="4401205"/>
           </a:xfrm>
           <a:prstGeom prst="rect">
             <a:avLst/>
@@ -9311,11 +11610,120 @@
               <a:buChar char="•"/>
             </a:pPr>
             <a:r>
+              <a:rPr lang="de-DE" sz="2200" dirty="0" err="1" smtClean="0">
+                <a:latin typeface="Times New Roman" panose="02020603050405020304" pitchFamily="18" charset="0"/>
+                <a:cs typeface="Times New Roman" panose="02020603050405020304" pitchFamily="18" charset="0"/>
+              </a:rPr>
+              <a:t>Trello</a:t>
+            </a:r>
+            <a:r>
               <a:rPr lang="de-DE" sz="2200" dirty="0" smtClean="0">
                 <a:latin typeface="Times New Roman" panose="02020603050405020304" pitchFamily="18" charset="0"/>
                 <a:cs typeface="Times New Roman" panose="02020603050405020304" pitchFamily="18" charset="0"/>
               </a:rPr>
-              <a:t>Installation und Einarbeitung in </a:t>
+              <a:t> </a:t>
+            </a:r>
+            <a:r>
+              <a:rPr lang="de-DE" sz="2200" dirty="0" smtClean="0">
+                <a:latin typeface="Times New Roman" panose="02020603050405020304" pitchFamily="18" charset="0"/>
+                <a:cs typeface="Times New Roman" panose="02020603050405020304" pitchFamily="18" charset="0"/>
+              </a:rPr>
+              <a:t>Projekt und Repository erstellen, sowie Treffen festlegen</a:t>
+            </a:r>
+          </a:p>
+          <a:p>
+            <a:endParaRPr lang="de-DE" sz="2200" dirty="0">
+              <a:latin typeface="Times New Roman" panose="02020603050405020304" pitchFamily="18" charset="0"/>
+              <a:cs typeface="Times New Roman" panose="02020603050405020304" pitchFamily="18" charset="0"/>
+            </a:endParaRPr>
+          </a:p>
+          <a:p>
+            <a:pPr marL="285750" indent="-285750">
+              <a:buFont typeface="Arial" panose="020B0604020202020204" pitchFamily="34" charset="0"/>
+              <a:buChar char="•"/>
+            </a:pPr>
+            <a:r>
+              <a:rPr lang="de-DE" sz="2200" dirty="0" smtClean="0">
+                <a:latin typeface="Times New Roman" panose="02020603050405020304" pitchFamily="18" charset="0"/>
+                <a:cs typeface="Times New Roman" panose="02020603050405020304" pitchFamily="18" charset="0"/>
+              </a:rPr>
+              <a:t>Datenformate erstellen mit Hilfe der </a:t>
+            </a:r>
+          </a:p>
+          <a:p>
+            <a:pPr marL="992188" indent="-279400">
+              <a:buFont typeface="Arial" panose="020B0604020202020204" pitchFamily="34" charset="0"/>
+              <a:buChar char="•"/>
+            </a:pPr>
+            <a:r>
+              <a:rPr lang="de-DE" sz="2200" dirty="0" smtClean="0">
+                <a:latin typeface="Times New Roman" panose="02020603050405020304" pitchFamily="18" charset="0"/>
+                <a:cs typeface="Times New Roman" panose="02020603050405020304" pitchFamily="18" charset="0"/>
+              </a:rPr>
+              <a:t>Dichte</a:t>
+            </a:r>
+          </a:p>
+          <a:p>
+            <a:pPr marL="992188" indent="-279400">
+              <a:buFont typeface="Arial" panose="020B0604020202020204" pitchFamily="34" charset="0"/>
+              <a:buChar char="•"/>
+            </a:pPr>
+            <a:r>
+              <a:rPr lang="de-DE" sz="2200" dirty="0" smtClean="0">
+                <a:latin typeface="Times New Roman" panose="02020603050405020304" pitchFamily="18" charset="0"/>
+                <a:cs typeface="Times New Roman" panose="02020603050405020304" pitchFamily="18" charset="0"/>
+              </a:rPr>
+              <a:t>Trajektorien</a:t>
+            </a:r>
+            <a:endParaRPr lang="de-DE" sz="2200" dirty="0" smtClean="0">
+              <a:latin typeface="Times New Roman" panose="02020603050405020304" pitchFamily="18" charset="0"/>
+              <a:cs typeface="Times New Roman" panose="02020603050405020304" pitchFamily="18" charset="0"/>
+            </a:endParaRPr>
+          </a:p>
+          <a:p>
+            <a:pPr marL="285750" indent="-285750">
+              <a:buFont typeface="Arial" panose="020B0604020202020204" pitchFamily="34" charset="0"/>
+              <a:buChar char="•"/>
+            </a:pPr>
+            <a:endParaRPr lang="de-DE" sz="2200" dirty="0">
+              <a:latin typeface="Times New Roman" panose="02020603050405020304" pitchFamily="18" charset="0"/>
+              <a:cs typeface="Times New Roman" panose="02020603050405020304" pitchFamily="18" charset="0"/>
+            </a:endParaRPr>
+          </a:p>
+          <a:p>
+            <a:pPr marL="285750" indent="-285750">
+              <a:buFont typeface="Arial" panose="020B0604020202020204" pitchFamily="34" charset="0"/>
+              <a:buChar char="•"/>
+            </a:pPr>
+            <a:r>
+              <a:rPr lang="de-DE" sz="2200" dirty="0" smtClean="0">
+                <a:latin typeface="Times New Roman" panose="02020603050405020304" pitchFamily="18" charset="0"/>
+                <a:cs typeface="Times New Roman" panose="02020603050405020304" pitchFamily="18" charset="0"/>
+              </a:rPr>
+              <a:t>Testen der Software</a:t>
+            </a:r>
+          </a:p>
+          <a:p>
+            <a:pPr marL="285750" indent="-285750">
+              <a:buFont typeface="Arial" panose="020B0604020202020204" pitchFamily="34" charset="0"/>
+              <a:buChar char="•"/>
+            </a:pPr>
+            <a:endParaRPr lang="de-DE" sz="2200" dirty="0">
+              <a:latin typeface="Times New Roman" panose="02020603050405020304" pitchFamily="18" charset="0"/>
+              <a:cs typeface="Times New Roman" panose="02020603050405020304" pitchFamily="18" charset="0"/>
+            </a:endParaRPr>
+          </a:p>
+          <a:p>
+            <a:pPr marL="285750" indent="-285750">
+              <a:buFont typeface="Arial" panose="020B0604020202020204" pitchFamily="34" charset="0"/>
+              <a:buChar char="•"/>
+            </a:pPr>
+            <a:r>
+              <a:rPr lang="de-DE" sz="2200" dirty="0" smtClean="0">
+                <a:latin typeface="Times New Roman" panose="02020603050405020304" pitchFamily="18" charset="0"/>
+                <a:cs typeface="Times New Roman" panose="02020603050405020304" pitchFamily="18" charset="0"/>
+              </a:rPr>
+              <a:t>Automatisierung der Simulationen in </a:t>
             </a:r>
             <a:r>
               <a:rPr lang="de-DE" sz="2200" dirty="0" err="1" smtClean="0">
@@ -9334,7 +11742,7 @@
               <a:buFont typeface="Arial" panose="020B0604020202020204" pitchFamily="34" charset="0"/>
               <a:buChar char="•"/>
             </a:pPr>
-            <a:endParaRPr lang="de-DE" sz="2200" dirty="0" smtClean="0">
+            <a:endParaRPr lang="de-DE" sz="2200" dirty="0">
               <a:latin typeface="Times New Roman" panose="02020603050405020304" pitchFamily="18" charset="0"/>
               <a:cs typeface="Times New Roman" panose="02020603050405020304" pitchFamily="18" charset="0"/>
             </a:endParaRPr>
@@ -9344,149 +11752,13 @@
               <a:buFont typeface="Arial" panose="020B0604020202020204" pitchFamily="34" charset="0"/>
               <a:buChar char="•"/>
             </a:pPr>
-            <a:r>
-              <a:rPr lang="de-DE" sz="2200" dirty="0" err="1" smtClean="0">
-                <a:latin typeface="Times New Roman" panose="02020603050405020304" pitchFamily="18" charset="0"/>
-                <a:cs typeface="Times New Roman" panose="02020603050405020304" pitchFamily="18" charset="0"/>
-              </a:rPr>
-              <a:t>Trello</a:t>
-            </a:r>
             <a:r>
               <a:rPr lang="de-DE" sz="2200" dirty="0" smtClean="0">
                 <a:latin typeface="Times New Roman" panose="02020603050405020304" pitchFamily="18" charset="0"/>
                 <a:cs typeface="Times New Roman" panose="02020603050405020304" pitchFamily="18" charset="0"/>
               </a:rPr>
-              <a:t> Projekt und Repository erstellen, sowie Treffen festlegen</a:t>
-            </a:r>
-          </a:p>
-          <a:p>
-            <a:endParaRPr lang="de-DE" sz="2200" dirty="0">
-              <a:latin typeface="Times New Roman" panose="02020603050405020304" pitchFamily="18" charset="0"/>
-              <a:cs typeface="Times New Roman" panose="02020603050405020304" pitchFamily="18" charset="0"/>
-            </a:endParaRPr>
-          </a:p>
-          <a:p>
-            <a:pPr marL="285750" indent="-285750">
-              <a:buFont typeface="Arial" panose="020B0604020202020204" pitchFamily="34" charset="0"/>
-              <a:buChar char="•"/>
-            </a:pPr>
-            <a:r>
-              <a:rPr lang="de-DE" sz="2200" dirty="0" smtClean="0">
-                <a:latin typeface="Times New Roman" panose="02020603050405020304" pitchFamily="18" charset="0"/>
-                <a:cs typeface="Times New Roman" panose="02020603050405020304" pitchFamily="18" charset="0"/>
-              </a:rPr>
-              <a:t>Daten der Dichteverteilung herauslesen bzw. berechnen</a:t>
-            </a:r>
-          </a:p>
-          <a:p>
-            <a:endParaRPr lang="de-DE" sz="2200" dirty="0">
-              <a:latin typeface="Times New Roman" panose="02020603050405020304" pitchFamily="18" charset="0"/>
-              <a:cs typeface="Times New Roman" panose="02020603050405020304" pitchFamily="18" charset="0"/>
-            </a:endParaRPr>
-          </a:p>
-          <a:p>
-            <a:pPr marL="285750" indent="-285750">
-              <a:buFont typeface="Arial" panose="020B0604020202020204" pitchFamily="34" charset="0"/>
-              <a:buChar char="•"/>
-            </a:pPr>
-            <a:r>
-              <a:rPr lang="de-DE" sz="2200" dirty="0" smtClean="0">
-                <a:latin typeface="Times New Roman" panose="02020603050405020304" pitchFamily="18" charset="0"/>
-                <a:cs typeface="Times New Roman" panose="02020603050405020304" pitchFamily="18" charset="0"/>
-              </a:rPr>
-              <a:t>Erstellen erster Datenformate und Verteilungen mittels Trajektorien</a:t>
-            </a:r>
-          </a:p>
-          <a:p>
-            <a:pPr marL="285750" indent="-285750">
-              <a:buFont typeface="Arial" panose="020B0604020202020204" pitchFamily="34" charset="0"/>
-              <a:buChar char="•"/>
-            </a:pPr>
-            <a:endParaRPr lang="de-DE" sz="2200" dirty="0">
-              <a:latin typeface="Times New Roman" panose="02020603050405020304" pitchFamily="18" charset="0"/>
-              <a:cs typeface="Times New Roman" panose="02020603050405020304" pitchFamily="18" charset="0"/>
-            </a:endParaRPr>
-          </a:p>
-          <a:p>
-            <a:pPr marL="285750" indent="-285750">
-              <a:buFont typeface="Arial" panose="020B0604020202020204" pitchFamily="34" charset="0"/>
-              <a:buChar char="•"/>
-            </a:pPr>
-            <a:r>
-              <a:rPr lang="de-DE" sz="2200" dirty="0" smtClean="0">
-                <a:latin typeface="Times New Roman" panose="02020603050405020304" pitchFamily="18" charset="0"/>
-                <a:cs typeface="Times New Roman" panose="02020603050405020304" pitchFamily="18" charset="0"/>
-              </a:rPr>
-              <a:t>Testen der Software</a:t>
-            </a:r>
-          </a:p>
-          <a:p>
-            <a:pPr marL="285750" indent="-285750">
-              <a:buFont typeface="Arial" panose="020B0604020202020204" pitchFamily="34" charset="0"/>
-              <a:buChar char="•"/>
-            </a:pPr>
-            <a:endParaRPr lang="de-DE" sz="2200" dirty="0">
-              <a:latin typeface="Times New Roman" panose="02020603050405020304" pitchFamily="18" charset="0"/>
-              <a:cs typeface="Times New Roman" panose="02020603050405020304" pitchFamily="18" charset="0"/>
-            </a:endParaRPr>
-          </a:p>
-          <a:p>
-            <a:pPr marL="285750" indent="-285750">
-              <a:buFont typeface="Arial" panose="020B0604020202020204" pitchFamily="34" charset="0"/>
-              <a:buChar char="•"/>
-            </a:pPr>
-            <a:r>
-              <a:rPr lang="de-DE" sz="2200" dirty="0" smtClean="0">
-                <a:latin typeface="Times New Roman" panose="02020603050405020304" pitchFamily="18" charset="0"/>
-                <a:cs typeface="Times New Roman" panose="02020603050405020304" pitchFamily="18" charset="0"/>
-              </a:rPr>
-              <a:t>Automatisierung der Simulationen in </a:t>
-            </a:r>
-            <a:r>
-              <a:rPr lang="de-DE" sz="2200" dirty="0" err="1" smtClean="0">
-                <a:latin typeface="Times New Roman" panose="02020603050405020304" pitchFamily="18" charset="0"/>
-                <a:cs typeface="Times New Roman" panose="02020603050405020304" pitchFamily="18" charset="0"/>
-              </a:rPr>
-              <a:t>Vadere</a:t>
-            </a:r>
-            <a:endParaRPr lang="de-DE" sz="2200" dirty="0" smtClean="0">
-              <a:latin typeface="Times New Roman" panose="02020603050405020304" pitchFamily="18" charset="0"/>
-              <a:cs typeface="Times New Roman" panose="02020603050405020304" pitchFamily="18" charset="0"/>
-            </a:endParaRPr>
-          </a:p>
-          <a:p>
-            <a:pPr marL="285750" indent="-285750">
-              <a:buFont typeface="Arial" panose="020B0604020202020204" pitchFamily="34" charset="0"/>
-              <a:buChar char="•"/>
-            </a:pPr>
-            <a:endParaRPr lang="de-DE" sz="2200" dirty="0">
-              <a:latin typeface="Times New Roman" panose="02020603050405020304" pitchFamily="18" charset="0"/>
-              <a:cs typeface="Times New Roman" panose="02020603050405020304" pitchFamily="18" charset="0"/>
-            </a:endParaRPr>
-          </a:p>
-          <a:p>
-            <a:pPr marL="285750" indent="-285750">
-              <a:buFont typeface="Arial" panose="020B0604020202020204" pitchFamily="34" charset="0"/>
-              <a:buChar char="•"/>
-            </a:pPr>
-            <a:r>
-              <a:rPr lang="de-DE" sz="2200" dirty="0" smtClean="0">
-                <a:latin typeface="Times New Roman" panose="02020603050405020304" pitchFamily="18" charset="0"/>
-                <a:cs typeface="Times New Roman" panose="02020603050405020304" pitchFamily="18" charset="0"/>
-              </a:rPr>
-              <a:t>Literaturrecherche </a:t>
-            </a:r>
-            <a:r>
-              <a:rPr lang="de-DE" sz="2200" dirty="0" smtClean="0">
-                <a:latin typeface="Times New Roman" panose="02020603050405020304" pitchFamily="18" charset="0"/>
-                <a:cs typeface="Times New Roman" panose="02020603050405020304" pitchFamily="18" charset="0"/>
-              </a:rPr>
-              <a:t>zu Filtern in der Datenvorverarbeitung</a:t>
-            </a:r>
-            <a:endParaRPr lang="de-DE" sz="2200" dirty="0" smtClean="0">
-              <a:latin typeface="Times New Roman" panose="02020603050405020304" pitchFamily="18" charset="0"/>
-              <a:cs typeface="Times New Roman" panose="02020603050405020304" pitchFamily="18" charset="0"/>
-            </a:endParaRPr>
+              <a:t>Literaturrecherche zu Filtern in der Datenvorverarbeitung</a:t>
+            </a:r>
           </a:p>
           <a:p>
             <a:pPr marL="285750" indent="-285750">
@@ -9526,7 +11798,7 @@
         </p:blipFill>
         <p:spPr>
           <a:xfrm>
-            <a:off x="7410344" y="1663647"/>
+            <a:off x="6684203" y="2533402"/>
             <a:ext cx="1413803" cy="649585"/>
           </a:xfrm>
           <a:prstGeom prst="rect">
@@ -9556,7 +11828,7 @@
         </p:blipFill>
         <p:spPr>
           <a:xfrm>
-            <a:off x="7410344" y="4507113"/>
+            <a:off x="7084880" y="3793459"/>
             <a:ext cx="2594269" cy="1337252"/>
           </a:xfrm>
           <a:prstGeom prst="rect">
@@ -9617,1901 +11889,6 @@
 </p:sld>
 </file>
 
-<file path=ppt/slides/slide30.xml><?xml version="1.0" encoding="utf-8"?>
-<p:sld xmlns:a="http://schemas.openxmlformats.org/drawingml/2006/main" xmlns:r="http://schemas.openxmlformats.org/officeDocument/2006/relationships" xmlns:p="http://schemas.openxmlformats.org/presentationml/2006/main">
-  <p:cSld>
-    <p:spTree>
-      <p:nvGrpSpPr>
-        <p:cNvPr id="1" name=""/>
-        <p:cNvGrpSpPr/>
-        <p:nvPr/>
-      </p:nvGrpSpPr>
-      <p:grpSpPr>
-        <a:xfrm>
-          <a:off x="0" y="0"/>
-          <a:ext cx="0" cy="0"/>
-          <a:chOff x="0" y="0"/>
-          <a:chExt cx="0" cy="0"/>
-        </a:xfrm>
-      </p:grpSpPr>
-      <p:sp>
-        <p:nvSpPr>
-          <p:cNvPr id="2" name="Titel 1"/>
-          <p:cNvSpPr>
-            <a:spLocks noGrp="1"/>
-          </p:cNvSpPr>
-          <p:nvPr>
-            <p:ph type="title"/>
-          </p:nvPr>
-        </p:nvSpPr>
-        <p:spPr/>
-        <p:txBody>
-          <a:bodyPr/>
-          <a:lstStyle/>
-          <a:p>
-            <a:r>
-              <a:rPr lang="de-DE" dirty="0" smtClean="0"/>
-              <a:t>Selbsteinschätzung</a:t>
-            </a:r>
-            <a:endParaRPr lang="de-DE" dirty="0"/>
-          </a:p>
-        </p:txBody>
-      </p:sp>
-      <p:sp>
-        <p:nvSpPr>
-          <p:cNvPr id="3" name="Inhaltsplatzhalter 2"/>
-          <p:cNvSpPr>
-            <a:spLocks noGrp="1"/>
-          </p:cNvSpPr>
-          <p:nvPr>
-            <p:ph idx="1"/>
-          </p:nvPr>
-        </p:nvSpPr>
-        <p:spPr/>
-        <p:txBody>
-          <a:bodyPr/>
-          <a:lstStyle/>
-          <a:p>
-            <a:endParaRPr lang="de-DE" dirty="0" smtClean="0"/>
-          </a:p>
-          <a:p>
-            <a:pPr marL="0" indent="0">
-              <a:buNone/>
-            </a:pPr>
-            <a:endParaRPr lang="de-DE" dirty="0" smtClean="0"/>
-          </a:p>
-          <a:p>
-            <a:endParaRPr lang="de-DE" dirty="0" smtClean="0"/>
-          </a:p>
-        </p:txBody>
-      </p:sp>
-      <p:sp>
-        <p:nvSpPr>
-          <p:cNvPr id="5" name="Textfeld 4"/>
-          <p:cNvSpPr txBox="1"/>
-          <p:nvPr/>
-        </p:nvSpPr>
-        <p:spPr>
-          <a:xfrm>
-            <a:off x="5344324" y="2774023"/>
-            <a:ext cx="2186817" cy="1323439"/>
-          </a:xfrm>
-          <a:prstGeom prst="rect">
-            <a:avLst/>
-          </a:prstGeom>
-          <a:noFill/>
-        </p:spPr>
-        <p:txBody>
-          <a:bodyPr wrap="none" rtlCol="0">
-            <a:spAutoFit/>
-          </a:bodyPr>
-          <a:lstStyle/>
-          <a:p>
-            <a:r>
-              <a:rPr lang="de-DE" sz="8000" dirty="0"/>
-              <a:t>16 %</a:t>
-            </a:r>
-            <a:endParaRPr lang="de-DE" sz="8000" dirty="0"/>
-          </a:p>
-        </p:txBody>
-      </p:sp>
-    </p:spTree>
-    <p:extLst>
-      <p:ext uri="{BB962C8B-B14F-4D97-AF65-F5344CB8AC3E}">
-        <p14:creationId xmlns:p14="http://schemas.microsoft.com/office/powerpoint/2010/main" val="816830783"/>
-      </p:ext>
-    </p:extLst>
-  </p:cSld>
-  <p:clrMapOvr>
-    <a:masterClrMapping/>
-  </p:clrMapOvr>
-</p:sld>
-</file>
-
-<file path=ppt/slides/slide31.xml><?xml version="1.0" encoding="utf-8"?>
-<p:sld xmlns:a="http://schemas.openxmlformats.org/drawingml/2006/main" xmlns:r="http://schemas.openxmlformats.org/officeDocument/2006/relationships" xmlns:p="http://schemas.openxmlformats.org/presentationml/2006/main">
-  <p:cSld>
-    <p:spTree>
-      <p:nvGrpSpPr>
-        <p:cNvPr id="1" name=""/>
-        <p:cNvGrpSpPr/>
-        <p:nvPr/>
-      </p:nvGrpSpPr>
-      <p:grpSpPr>
-        <a:xfrm>
-          <a:off x="0" y="0"/>
-          <a:ext cx="0" cy="0"/>
-          <a:chOff x="0" y="0"/>
-          <a:chExt cx="0" cy="0"/>
-        </a:xfrm>
-      </p:grpSpPr>
-      <p:sp>
-        <p:nvSpPr>
-          <p:cNvPr id="2" name="Titel 1"/>
-          <p:cNvSpPr>
-            <a:spLocks noGrp="1"/>
-          </p:cNvSpPr>
-          <p:nvPr>
-            <p:ph type="title"/>
-          </p:nvPr>
-        </p:nvSpPr>
-        <p:spPr/>
-        <p:txBody>
-          <a:bodyPr/>
-          <a:lstStyle/>
-          <a:p>
-            <a:r>
-              <a:rPr lang="de-DE" dirty="0" smtClean="0"/>
-              <a:t>Rebecca</a:t>
-            </a:r>
-            <a:endParaRPr lang="de-DE" dirty="0"/>
-          </a:p>
-        </p:txBody>
-      </p:sp>
-      <p:sp>
-        <p:nvSpPr>
-          <p:cNvPr id="3" name="Inhaltsplatzhalter 2"/>
-          <p:cNvSpPr>
-            <a:spLocks noGrp="1"/>
-          </p:cNvSpPr>
-          <p:nvPr>
-            <p:ph idx="1"/>
-          </p:nvPr>
-        </p:nvSpPr>
-        <p:spPr/>
-        <p:txBody>
-          <a:bodyPr/>
-          <a:lstStyle/>
-          <a:p>
-            <a:endParaRPr lang="de-DE" dirty="0" smtClean="0"/>
-          </a:p>
-          <a:p>
-            <a:pPr marL="0" indent="0">
-              <a:buNone/>
-            </a:pPr>
-            <a:endParaRPr lang="de-DE" dirty="0" smtClean="0"/>
-          </a:p>
-        </p:txBody>
-      </p:sp>
-    </p:spTree>
-    <p:extLst>
-      <p:ext uri="{BB962C8B-B14F-4D97-AF65-F5344CB8AC3E}">
-        <p14:creationId xmlns:p14="http://schemas.microsoft.com/office/powerpoint/2010/main" val="2891619597"/>
-      </p:ext>
-    </p:extLst>
-  </p:cSld>
-  <p:clrMapOvr>
-    <a:masterClrMapping/>
-  </p:clrMapOvr>
-</p:sld>
-</file>
-
-<file path=ppt/slides/slide32.xml><?xml version="1.0" encoding="utf-8"?>
-<p:sld xmlns:a="http://schemas.openxmlformats.org/drawingml/2006/main" xmlns:r="http://schemas.openxmlformats.org/officeDocument/2006/relationships" xmlns:p="http://schemas.openxmlformats.org/presentationml/2006/main">
-  <p:cSld>
-    <p:spTree>
-      <p:nvGrpSpPr>
-        <p:cNvPr id="1" name=""/>
-        <p:cNvGrpSpPr/>
-        <p:nvPr/>
-      </p:nvGrpSpPr>
-      <p:grpSpPr>
-        <a:xfrm>
-          <a:off x="0" y="0"/>
-          <a:ext cx="0" cy="0"/>
-          <a:chOff x="0" y="0"/>
-          <a:chExt cx="0" cy="0"/>
-        </a:xfrm>
-      </p:grpSpPr>
-      <p:sp>
-        <p:nvSpPr>
-          <p:cNvPr id="2" name="Title 6">
-            <a:extLst>
-              <a:ext uri="{FF2B5EF4-FFF2-40B4-BE49-F238E27FC236}">
-                <a16:creationId xmlns:a16="http://schemas.microsoft.com/office/drawing/2014/main" xmlns="" id="{04F78A0C-BF40-4E0B-9FA4-AAAA57E3C4EF}"/>
-              </a:ext>
-            </a:extLst>
-          </p:cNvPr>
-          <p:cNvSpPr txBox="1">
-            <a:spLocks noGrp="1"/>
-          </p:cNvSpPr>
-          <p:nvPr>
-            <p:ph type="title"/>
-          </p:nvPr>
-        </p:nvSpPr>
-        <p:spPr/>
-        <p:txBody>
-          <a:bodyPr/>
-          <a:lstStyle/>
-          <a:p>
-            <a:pPr lvl="0"/>
-            <a:r>
-              <a:rPr lang="de-DE"/>
-              <a:t>Sprint 1</a:t>
-            </a:r>
-            <a:endParaRPr lang="en-GB"/>
-          </a:p>
-        </p:txBody>
-      </p:sp>
-      <p:sp>
-        <p:nvSpPr>
-          <p:cNvPr id="3" name="Content Placeholder 7">
-            <a:extLst>
-              <a:ext uri="{FF2B5EF4-FFF2-40B4-BE49-F238E27FC236}">
-                <a16:creationId xmlns:a16="http://schemas.microsoft.com/office/drawing/2014/main" xmlns="" id="{3A52400E-A01D-4CCF-8280-EBE32B011F8E}"/>
-              </a:ext>
-            </a:extLst>
-          </p:cNvPr>
-          <p:cNvSpPr txBox="1">
-            <a:spLocks noGrp="1"/>
-          </p:cNvSpPr>
-          <p:nvPr>
-            <p:ph idx="1"/>
-          </p:nvPr>
-        </p:nvSpPr>
-        <p:spPr/>
-        <p:txBody>
-          <a:bodyPr>
-            <a:normAutofit fontScale="85000" lnSpcReduction="20000"/>
-          </a:bodyPr>
-          <a:lstStyle/>
-          <a:p>
-            <a:pPr marL="0" lvl="0" indent="0">
-              <a:lnSpc>
-                <a:spcPct val="200000"/>
-              </a:lnSpc>
-              <a:buNone/>
-            </a:pPr>
-            <a:r>
-              <a:rPr lang="de-DE" sz="2800" dirty="0"/>
-              <a:t>Aufgaben:</a:t>
-            </a:r>
-          </a:p>
-          <a:p>
-            <a:pPr lvl="0"/>
-            <a:r>
-              <a:rPr lang="de-DE" b="1" dirty="0"/>
-              <a:t>Einarbeitung in die Simulationssoftware Vadere 6%</a:t>
-            </a:r>
-          </a:p>
-          <a:p>
-            <a:pPr lvl="0"/>
-            <a:r>
-              <a:rPr lang="de-DE" dirty="0"/>
-              <a:t>Generierung der Test Szenarios 10%</a:t>
-            </a:r>
-          </a:p>
-          <a:p>
-            <a:pPr lvl="0"/>
-            <a:r>
-              <a:rPr lang="de-DE" dirty="0"/>
-              <a:t>Automatisierung von Simulationsdurchläufen 25%</a:t>
-            </a:r>
-          </a:p>
-          <a:p>
-            <a:pPr lvl="0"/>
-            <a:r>
-              <a:rPr lang="de-DE" dirty="0"/>
-              <a:t>Erstellen eines Datenformats für Trajektorien 20%</a:t>
-            </a:r>
-          </a:p>
-          <a:p>
-            <a:pPr lvl="0"/>
-            <a:r>
-              <a:rPr lang="de-DE" dirty="0"/>
-              <a:t>Literatur Recherche Bildfilter 4%</a:t>
-            </a:r>
-          </a:p>
-          <a:p>
-            <a:pPr lvl="0"/>
-            <a:r>
-              <a:rPr lang="de-DE" b="1" dirty="0"/>
-              <a:t>Datenformat für die Personendichte 30%</a:t>
-            </a:r>
-          </a:p>
-          <a:p>
-            <a:pPr lvl="1"/>
-            <a:r>
-              <a:rPr lang="de-DE" b="1" dirty="0"/>
-              <a:t>Variante 1: Auslesung der Personendichte aus Vadere</a:t>
-            </a:r>
-          </a:p>
-          <a:p>
-            <a:pPr lvl="1"/>
-            <a:r>
-              <a:rPr lang="de-DE" b="1" dirty="0"/>
-              <a:t>Variante 2: Berechnung der Persoendichte aus Trajektorien</a:t>
-            </a:r>
-          </a:p>
-          <a:p>
-            <a:pPr lvl="1"/>
-            <a:r>
-              <a:rPr lang="de-DE" b="1" dirty="0"/>
-              <a:t>Testen der Ergebnisse</a:t>
-            </a:r>
-          </a:p>
-          <a:p>
-            <a:r>
-              <a:rPr lang="de-DE" dirty="0" err="1"/>
-              <a:t>Scrum</a:t>
-            </a:r>
-            <a:r>
-              <a:rPr lang="de-DE" dirty="0"/>
-              <a:t> Master 5%</a:t>
-            </a:r>
-          </a:p>
-        </p:txBody>
-      </p:sp>
-    </p:spTree>
-    <p:extLst>
-      <p:ext uri="{BB962C8B-B14F-4D97-AF65-F5344CB8AC3E}">
-        <p14:creationId xmlns:p14="http://schemas.microsoft.com/office/powerpoint/2010/main" val="1274323518"/>
-      </p:ext>
-    </p:extLst>
-  </p:cSld>
-  <p:clrMapOvr>
-    <a:masterClrMapping/>
-  </p:clrMapOvr>
-</p:sld>
-</file>
-
-<file path=ppt/slides/slide33.xml><?xml version="1.0" encoding="utf-8"?>
-<p:sld xmlns:a="http://schemas.openxmlformats.org/drawingml/2006/main" xmlns:r="http://schemas.openxmlformats.org/officeDocument/2006/relationships" xmlns:p="http://schemas.openxmlformats.org/presentationml/2006/main">
-  <p:cSld>
-    <p:spTree>
-      <p:nvGrpSpPr>
-        <p:cNvPr id="1" name=""/>
-        <p:cNvGrpSpPr/>
-        <p:nvPr/>
-      </p:nvGrpSpPr>
-      <p:grpSpPr>
-        <a:xfrm>
-          <a:off x="0" y="0"/>
-          <a:ext cx="0" cy="0"/>
-          <a:chOff x="0" y="0"/>
-          <a:chExt cx="0" cy="0"/>
-        </a:xfrm>
-      </p:grpSpPr>
-      <p:sp>
-        <p:nvSpPr>
-          <p:cNvPr id="2" name="Title 1">
-            <a:extLst>
-              <a:ext uri="{FF2B5EF4-FFF2-40B4-BE49-F238E27FC236}">
-                <a16:creationId xmlns:a16="http://schemas.microsoft.com/office/drawing/2014/main" xmlns="" id="{6A957F68-909E-49D3-98A5-0D417ABCFAB9}"/>
-              </a:ext>
-            </a:extLst>
-          </p:cNvPr>
-          <p:cNvSpPr txBox="1">
-            <a:spLocks noGrp="1"/>
-          </p:cNvSpPr>
-          <p:nvPr>
-            <p:ph type="title"/>
-          </p:nvPr>
-        </p:nvSpPr>
-        <p:spPr/>
-        <p:txBody>
-          <a:bodyPr>
-            <a:normAutofit/>
-          </a:bodyPr>
-          <a:lstStyle/>
-          <a:p>
-            <a:pPr lvl="0"/>
-            <a:r>
-              <a:rPr lang="de-DE" sz="3500" dirty="0"/>
-              <a:t>Datenformat Personendichte</a:t>
-            </a:r>
-            <a:endParaRPr lang="en-GB" sz="3500" dirty="0"/>
-          </a:p>
-        </p:txBody>
-      </p:sp>
-      <p:sp>
-        <p:nvSpPr>
-          <p:cNvPr id="3" name="Content Placeholder 2">
-            <a:extLst>
-              <a:ext uri="{FF2B5EF4-FFF2-40B4-BE49-F238E27FC236}">
-                <a16:creationId xmlns:a16="http://schemas.microsoft.com/office/drawing/2014/main" xmlns="" id="{D998EE4F-50DE-4482-A66D-E9A06C7DFD16}"/>
-              </a:ext>
-            </a:extLst>
-          </p:cNvPr>
-          <p:cNvSpPr txBox="1">
-            <a:spLocks noGrp="1"/>
-          </p:cNvSpPr>
-          <p:nvPr>
-            <p:ph idx="1"/>
-          </p:nvPr>
-        </p:nvSpPr>
-        <p:spPr>
-          <a:xfrm>
-            <a:off x="3867912" y="868680"/>
-            <a:ext cx="4370566" cy="5505483"/>
-          </a:xfrm>
-        </p:spPr>
-        <p:txBody>
-          <a:bodyPr anchor="t"/>
-          <a:lstStyle/>
-          <a:p>
-            <a:pPr marL="0" lvl="0" indent="0">
-              <a:spcAft>
-                <a:spcPts val="1200"/>
-              </a:spcAft>
-              <a:buNone/>
-            </a:pPr>
-            <a:r>
-              <a:rPr lang="de-DE" sz="2400" b="1" dirty="0"/>
-              <a:t>Auslesen der Berechneten Daten aus Vadere</a:t>
-            </a:r>
-          </a:p>
-          <a:p>
-            <a:pPr marL="0" lvl="0" indent="0">
-              <a:buNone/>
-            </a:pPr>
-            <a:r>
-              <a:rPr lang="de-DE" dirty="0"/>
-              <a:t>Vorteile:</a:t>
-            </a:r>
-          </a:p>
-          <a:p>
-            <a:pPr lvl="0"/>
-            <a:r>
-              <a:rPr lang="de-DE" sz="1800" dirty="0"/>
-              <a:t>Effiziente und schnelle Berechnung </a:t>
-            </a:r>
-          </a:p>
-          <a:p>
-            <a:pPr marL="0" lvl="0" indent="0">
-              <a:buNone/>
-            </a:pPr>
-            <a:endParaRPr lang="de-DE" sz="1200" dirty="0"/>
-          </a:p>
-          <a:p>
-            <a:pPr marL="0" lvl="0" indent="0">
-              <a:buNone/>
-            </a:pPr>
-            <a:r>
-              <a:rPr lang="de-DE" dirty="0"/>
-              <a:t>Nachteile:</a:t>
-            </a:r>
-          </a:p>
-          <a:p>
-            <a:pPr lvl="0"/>
-            <a:r>
-              <a:rPr lang="de-DE" sz="1800" dirty="0"/>
-              <a:t>keine Schnittstelle zur Auslesung der Daten</a:t>
-            </a:r>
-          </a:p>
-          <a:p>
-            <a:pPr lvl="0"/>
-            <a:r>
-              <a:rPr lang="de-DE" sz="1800" dirty="0"/>
-              <a:t>Instabilität von Vadere</a:t>
-            </a:r>
-          </a:p>
-          <a:p>
-            <a:pPr lvl="0"/>
-            <a:r>
-              <a:rPr lang="de-DE" sz="1800" dirty="0"/>
-              <a:t>Auslesen der Daten könnte hierdurch sehr umständlich werden</a:t>
-            </a:r>
-          </a:p>
-          <a:p>
-            <a:pPr marL="0" lvl="0" indent="0">
-              <a:buNone/>
-            </a:pPr>
-            <a:r>
-              <a:rPr lang="de-DE" sz="1800" dirty="0">
-                <a:latin typeface="Symbol" pitchFamily="18"/>
-              </a:rPr>
-              <a:t></a:t>
-            </a:r>
-            <a:r>
-              <a:rPr lang="de-DE" sz="1800" dirty="0"/>
-              <a:t> Nicht weiter geführt!</a:t>
-            </a:r>
-          </a:p>
-        </p:txBody>
-      </p:sp>
-      <p:pic>
-        <p:nvPicPr>
-          <p:cNvPr id="4" name="Content Placeholder 5">
-            <a:extLst>
-              <a:ext uri="{FF2B5EF4-FFF2-40B4-BE49-F238E27FC236}">
-                <a16:creationId xmlns:a16="http://schemas.microsoft.com/office/drawing/2014/main" xmlns="" id="{0CADCC4B-41EB-442D-8677-2E3D32E5998C}"/>
-              </a:ext>
-            </a:extLst>
-          </p:cNvPr>
-          <p:cNvPicPr>
-            <a:picLocks noGrp="1" noChangeAspect="1"/>
-          </p:cNvPicPr>
-          <p:nvPr>
-            <p:ph idx="2"/>
-          </p:nvPr>
-        </p:nvPicPr>
-        <p:blipFill>
-          <a:blip r:embed="rId2"/>
-          <a:stretch>
-            <a:fillRect/>
-          </a:stretch>
-        </p:blipFill>
-        <p:spPr>
-          <a:xfrm>
-            <a:off x="8238478" y="2082984"/>
-            <a:ext cx="3076864" cy="3076864"/>
-          </a:xfrm>
-        </p:spPr>
-      </p:pic>
-    </p:spTree>
-    <p:extLst>
-      <p:ext uri="{BB962C8B-B14F-4D97-AF65-F5344CB8AC3E}">
-        <p14:creationId xmlns:p14="http://schemas.microsoft.com/office/powerpoint/2010/main" val="27852655"/>
-      </p:ext>
-    </p:extLst>
-  </p:cSld>
-  <p:clrMapOvr>
-    <a:masterClrMapping/>
-  </p:clrMapOvr>
-</p:sld>
-</file>
-
-<file path=ppt/slides/slide34.xml><?xml version="1.0" encoding="utf-8"?>
-<p:sld xmlns:a="http://schemas.openxmlformats.org/drawingml/2006/main" xmlns:r="http://schemas.openxmlformats.org/officeDocument/2006/relationships" xmlns:p="http://schemas.openxmlformats.org/presentationml/2006/main">
-  <p:cSld>
-    <p:spTree>
-      <p:nvGrpSpPr>
-        <p:cNvPr id="1" name=""/>
-        <p:cNvGrpSpPr/>
-        <p:nvPr/>
-      </p:nvGrpSpPr>
-      <p:grpSpPr>
-        <a:xfrm>
-          <a:off x="0" y="0"/>
-          <a:ext cx="0" cy="0"/>
-          <a:chOff x="0" y="0"/>
-          <a:chExt cx="0" cy="0"/>
-        </a:xfrm>
-      </p:grpSpPr>
-      <p:sp>
-        <p:nvSpPr>
-          <p:cNvPr id="2" name="Title 1">
-            <a:extLst>
-              <a:ext uri="{FF2B5EF4-FFF2-40B4-BE49-F238E27FC236}">
-                <a16:creationId xmlns:a16="http://schemas.microsoft.com/office/drawing/2014/main" xmlns="" id="{84CA9567-EE70-447E-95ED-B75B1E5769FC}"/>
-              </a:ext>
-            </a:extLst>
-          </p:cNvPr>
-          <p:cNvSpPr txBox="1">
-            <a:spLocks noGrp="1"/>
-          </p:cNvSpPr>
-          <p:nvPr>
-            <p:ph type="title"/>
-          </p:nvPr>
-        </p:nvSpPr>
-        <p:spPr/>
-        <p:txBody>
-          <a:bodyPr>
-            <a:normAutofit/>
-          </a:bodyPr>
-          <a:lstStyle/>
-          <a:p>
-            <a:pPr lvl="0"/>
-            <a:r>
-              <a:rPr lang="de-DE" sz="3500" dirty="0"/>
-              <a:t>Datenformat Personendichte</a:t>
-            </a:r>
-            <a:endParaRPr lang="en-GB" sz="3500" dirty="0"/>
-          </a:p>
-        </p:txBody>
-      </p:sp>
-      <p:sp>
-        <p:nvSpPr>
-          <p:cNvPr id="3" name="Content Placeholder 2">
-            <a:extLst>
-              <a:ext uri="{FF2B5EF4-FFF2-40B4-BE49-F238E27FC236}">
-                <a16:creationId xmlns:a16="http://schemas.microsoft.com/office/drawing/2014/main" xmlns="" id="{492DD7BD-063F-4E3D-8E9A-3AB783D556D8}"/>
-              </a:ext>
-            </a:extLst>
-          </p:cNvPr>
-          <p:cNvSpPr txBox="1">
-            <a:spLocks noGrp="1"/>
-          </p:cNvSpPr>
-          <p:nvPr>
-            <p:ph idx="1"/>
-          </p:nvPr>
-        </p:nvSpPr>
-        <p:spPr>
-          <a:xfrm>
-            <a:off x="3867912" y="868680"/>
-            <a:ext cx="4370566" cy="5683041"/>
-          </a:xfrm>
-        </p:spPr>
-        <p:txBody>
-          <a:bodyPr anchor="t">
-            <a:normAutofit/>
-          </a:bodyPr>
-          <a:lstStyle/>
-          <a:p>
-            <a:pPr marL="0" lvl="0" indent="0">
-              <a:lnSpc>
-                <a:spcPct val="80000"/>
-              </a:lnSpc>
-              <a:spcAft>
-                <a:spcPts val="1200"/>
-              </a:spcAft>
-              <a:buNone/>
-            </a:pPr>
-            <a:r>
-              <a:rPr lang="de-DE" sz="2400" b="1" dirty="0"/>
-              <a:t>Berechnung aus Trajektorien</a:t>
-            </a:r>
-          </a:p>
-          <a:p>
-            <a:pPr lvl="0">
-              <a:lnSpc>
-                <a:spcPct val="80000"/>
-              </a:lnSpc>
-              <a:spcAft>
-                <a:spcPts val="1200"/>
-              </a:spcAft>
-            </a:pPr>
-            <a:r>
-              <a:rPr lang="de-DE" dirty="0"/>
-              <a:t>Berechnung durch Modellierung der Dichteverteilung einer Person durch Gauß Dichtefunktion</a:t>
-            </a:r>
-          </a:p>
-          <a:p>
-            <a:pPr lvl="0">
-              <a:lnSpc>
-                <a:spcPct val="80000"/>
-              </a:lnSpc>
-              <a:spcAft>
-                <a:spcPts val="1200"/>
-              </a:spcAft>
-            </a:pPr>
-            <a:r>
-              <a:rPr lang="de-DE" dirty="0"/>
-              <a:t>Grobe Berechnung der Personendichte</a:t>
-            </a:r>
-          </a:p>
-          <a:p>
-            <a:pPr lvl="1">
-              <a:lnSpc>
-                <a:spcPct val="80000"/>
-              </a:lnSpc>
-              <a:spcAft>
-                <a:spcPts val="1200"/>
-              </a:spcAft>
-            </a:pPr>
-            <a:r>
-              <a:rPr lang="de-DE" sz="2000" dirty="0"/>
-              <a:t>Raster Größe: 1 m</a:t>
-            </a:r>
-            <a:r>
-              <a:rPr lang="de-DE" sz="2000" baseline="30000" dirty="0"/>
-              <a:t>2</a:t>
-            </a:r>
-            <a:endParaRPr lang="de-DE" sz="2000" dirty="0"/>
-          </a:p>
-          <a:p>
-            <a:pPr lvl="1">
-              <a:lnSpc>
-                <a:spcPct val="80000"/>
-              </a:lnSpc>
-              <a:spcAft>
-                <a:spcPts val="1200"/>
-              </a:spcAft>
-            </a:pPr>
-            <a:r>
-              <a:rPr lang="de-DE" sz="2000" dirty="0"/>
-              <a:t>Einheit: Person / m</a:t>
-            </a:r>
-            <a:r>
-              <a:rPr lang="de-DE" sz="2000" baseline="30000" dirty="0"/>
-              <a:t>2</a:t>
-            </a:r>
-          </a:p>
-          <a:p>
-            <a:pPr lvl="1">
-              <a:lnSpc>
-                <a:spcPct val="80000"/>
-              </a:lnSpc>
-              <a:spcAft>
-                <a:spcPts val="1200"/>
-              </a:spcAft>
-            </a:pPr>
-            <a:r>
-              <a:rPr lang="de-DE" sz="2000" dirty="0"/>
-              <a:t>Dichtewerte springen sehr stark</a:t>
-            </a:r>
-          </a:p>
-          <a:p>
-            <a:pPr lvl="1">
-              <a:lnSpc>
-                <a:spcPct val="80000"/>
-              </a:lnSpc>
-              <a:spcAft>
-                <a:spcPts val="1200"/>
-              </a:spcAft>
-            </a:pPr>
-            <a:r>
-              <a:rPr lang="de-DE" sz="2000" dirty="0"/>
-              <a:t>Als Vergleich zur glatten Gauß Dichte: Wie genau müssen die Daten sein für das Neuronale Netzt / Random Forest?</a:t>
-            </a:r>
-          </a:p>
-          <a:p>
-            <a:pPr lvl="1">
-              <a:lnSpc>
-                <a:spcPct val="80000"/>
-              </a:lnSpc>
-              <a:spcAft>
-                <a:spcPts val="1200"/>
-              </a:spcAft>
-            </a:pPr>
-            <a:endParaRPr lang="de-DE" sz="2200" dirty="0"/>
-          </a:p>
-          <a:p>
-            <a:pPr lvl="1">
-              <a:lnSpc>
-                <a:spcPct val="80000"/>
-              </a:lnSpc>
-              <a:spcAft>
-                <a:spcPts val="1200"/>
-              </a:spcAft>
-            </a:pPr>
-            <a:endParaRPr lang="de-DE" sz="2200" b="1" dirty="0"/>
-          </a:p>
-          <a:p>
-            <a:pPr lvl="0">
-              <a:lnSpc>
-                <a:spcPct val="80000"/>
-              </a:lnSpc>
-              <a:spcAft>
-                <a:spcPts val="1200"/>
-              </a:spcAft>
-            </a:pPr>
-            <a:endParaRPr lang="de-DE" sz="2400" b="1" dirty="0"/>
-          </a:p>
-        </p:txBody>
-      </p:sp>
-      <p:sp>
-        <p:nvSpPr>
-          <p:cNvPr id="6" name="Content Placeholder 5">
-            <a:extLst>
-              <a:ext uri="{FF2B5EF4-FFF2-40B4-BE49-F238E27FC236}">
-                <a16:creationId xmlns:a16="http://schemas.microsoft.com/office/drawing/2014/main" xmlns="" id="{8504C47B-4449-4F8D-AAEB-0BB132074717}"/>
-              </a:ext>
-            </a:extLst>
-          </p:cNvPr>
-          <p:cNvSpPr>
-            <a:spLocks noGrp="1"/>
-          </p:cNvSpPr>
-          <p:nvPr>
-            <p:ph idx="2"/>
-          </p:nvPr>
-        </p:nvSpPr>
-        <p:spPr>
-          <a:xfrm>
-            <a:off x="8238478" y="868680"/>
-            <a:ext cx="3054362" cy="5120640"/>
-          </a:xfrm>
-        </p:spPr>
-        <p:txBody>
-          <a:bodyPr>
-            <a:normAutofit/>
-          </a:bodyPr>
-          <a:lstStyle/>
-          <a:p>
-            <a:endParaRPr lang="en-GB" dirty="0"/>
-          </a:p>
-        </p:txBody>
-      </p:sp>
-    </p:spTree>
-    <p:extLst>
-      <p:ext uri="{BB962C8B-B14F-4D97-AF65-F5344CB8AC3E}">
-        <p14:creationId xmlns:p14="http://schemas.microsoft.com/office/powerpoint/2010/main" val="3712850667"/>
-      </p:ext>
-    </p:extLst>
-  </p:cSld>
-  <p:clrMapOvr>
-    <a:masterClrMapping/>
-  </p:clrMapOvr>
-</p:sld>
-</file>
-
-<file path=ppt/slides/slide35.xml><?xml version="1.0" encoding="utf-8"?>
-<p:sld xmlns:a="http://schemas.openxmlformats.org/drawingml/2006/main" xmlns:r="http://schemas.openxmlformats.org/officeDocument/2006/relationships" xmlns:p="http://schemas.openxmlformats.org/presentationml/2006/main">
-  <p:cSld>
-    <p:spTree>
-      <p:nvGrpSpPr>
-        <p:cNvPr id="1" name=""/>
-        <p:cNvGrpSpPr/>
-        <p:nvPr/>
-      </p:nvGrpSpPr>
-      <p:grpSpPr>
-        <a:xfrm>
-          <a:off x="0" y="0"/>
-          <a:ext cx="0" cy="0"/>
-          <a:chOff x="0" y="0"/>
-          <a:chExt cx="0" cy="0"/>
-        </a:xfrm>
-      </p:grpSpPr>
-      <p:sp>
-        <p:nvSpPr>
-          <p:cNvPr id="2" name="Title 1">
-            <a:extLst>
-              <a:ext uri="{FF2B5EF4-FFF2-40B4-BE49-F238E27FC236}">
-                <a16:creationId xmlns:a16="http://schemas.microsoft.com/office/drawing/2014/main" xmlns="" id="{125D1A1F-72A6-4F53-94B7-AA52911C148C}"/>
-              </a:ext>
-            </a:extLst>
-          </p:cNvPr>
-          <p:cNvSpPr txBox="1">
-            <a:spLocks noGrp="1"/>
-          </p:cNvSpPr>
-          <p:nvPr>
-            <p:ph type="title"/>
-          </p:nvPr>
-        </p:nvSpPr>
-        <p:spPr/>
-        <p:txBody>
-          <a:bodyPr>
-            <a:normAutofit/>
-          </a:bodyPr>
-          <a:lstStyle/>
-          <a:p>
-            <a:pPr lvl="0"/>
-            <a:r>
-              <a:rPr lang="de-DE" sz="3500" dirty="0"/>
-              <a:t>Datenformat Personendichte</a:t>
-            </a:r>
-            <a:endParaRPr lang="en-GB" sz="3500" dirty="0"/>
-          </a:p>
-        </p:txBody>
-      </p:sp>
-      <p:sp>
-        <p:nvSpPr>
-          <p:cNvPr id="3" name="Content Placeholder 2">
-            <a:extLst>
-              <a:ext uri="{FF2B5EF4-FFF2-40B4-BE49-F238E27FC236}">
-                <a16:creationId xmlns:a16="http://schemas.microsoft.com/office/drawing/2014/main" xmlns="" id="{9200409B-6442-4073-882A-466AA2C1EA55}"/>
-              </a:ext>
-            </a:extLst>
-          </p:cNvPr>
-          <p:cNvSpPr txBox="1">
-            <a:spLocks noGrp="1"/>
-          </p:cNvSpPr>
-          <p:nvPr>
-            <p:ph idx="1"/>
-          </p:nvPr>
-        </p:nvSpPr>
-        <p:spPr>
-          <a:xfrm>
-            <a:off x="3867912" y="868680"/>
-            <a:ext cx="4370566" cy="5505483"/>
-          </a:xfrm>
-        </p:spPr>
-        <p:txBody>
-          <a:bodyPr anchor="t"/>
-          <a:lstStyle/>
-          <a:p>
-            <a:pPr marL="0" lvl="0" indent="0">
-              <a:spcAft>
-                <a:spcPts val="1200"/>
-              </a:spcAft>
-              <a:buNone/>
-            </a:pPr>
-            <a:r>
-              <a:rPr lang="de-DE" sz="2400" b="1" dirty="0"/>
-              <a:t>Testen der Dichtedaten</a:t>
-            </a:r>
-          </a:p>
-          <a:p>
-            <a:pPr lvl="0">
-              <a:spcAft>
-                <a:spcPts val="1200"/>
-              </a:spcAft>
-            </a:pPr>
-            <a:r>
-              <a:rPr lang="de-DE" sz="2400" dirty="0"/>
-              <a:t>Erstellen einer Reihe von schwarz-weiß Bilder aus den berechneten Dichtedaten pro Zeitschritt</a:t>
-            </a:r>
-          </a:p>
-          <a:p>
-            <a:pPr lvl="0">
-              <a:spcAft>
-                <a:spcPts val="1200"/>
-              </a:spcAft>
-            </a:pPr>
-            <a:r>
-              <a:rPr lang="de-DE" sz="2400" dirty="0"/>
-              <a:t>Visueller Vergleich mit den Simulations Ergebnissen aus Vadere</a:t>
-            </a:r>
-          </a:p>
-          <a:p>
-            <a:pPr lvl="0">
-              <a:spcAft>
-                <a:spcPts val="1200"/>
-              </a:spcAft>
-            </a:pPr>
-            <a:r>
-              <a:rPr lang="de-DE" sz="2400" dirty="0"/>
-              <a:t>Unit Tests des Scrips</a:t>
-            </a:r>
-          </a:p>
-          <a:p>
-            <a:pPr lvl="0">
-              <a:spcAft>
-                <a:spcPts val="1200"/>
-              </a:spcAft>
-            </a:pPr>
-            <a:endParaRPr lang="de-DE" sz="2400" dirty="0"/>
-          </a:p>
-          <a:p>
-            <a:pPr lvl="1">
-              <a:spcAft>
-                <a:spcPts val="1200"/>
-              </a:spcAft>
-            </a:pPr>
-            <a:endParaRPr lang="de-DE" sz="2200" b="1" dirty="0"/>
-          </a:p>
-          <a:p>
-            <a:pPr lvl="0">
-              <a:spcAft>
-                <a:spcPts val="1200"/>
-              </a:spcAft>
-            </a:pPr>
-            <a:endParaRPr lang="de-DE" sz="2400" b="1" dirty="0"/>
-          </a:p>
-        </p:txBody>
-      </p:sp>
-      <p:sp>
-        <p:nvSpPr>
-          <p:cNvPr id="4" name="Content Placeholder 4">
-            <a:extLst>
-              <a:ext uri="{FF2B5EF4-FFF2-40B4-BE49-F238E27FC236}">
-                <a16:creationId xmlns:a16="http://schemas.microsoft.com/office/drawing/2014/main" xmlns="" id="{2337F08D-AEF7-4EF9-A78A-9BC5D5F2D63A}"/>
-              </a:ext>
-            </a:extLst>
-          </p:cNvPr>
-          <p:cNvSpPr txBox="1">
-            <a:spLocks noGrp="1"/>
-          </p:cNvSpPr>
-          <p:nvPr>
-            <p:ph idx="2"/>
-          </p:nvPr>
-        </p:nvSpPr>
-        <p:spPr>
-          <a:xfrm>
-            <a:off x="8602464" y="868680"/>
-            <a:ext cx="2690375" cy="5120640"/>
-          </a:xfrm>
-        </p:spPr>
-        <p:txBody>
-          <a:bodyPr/>
-          <a:lstStyle/>
-          <a:p>
-            <a:endParaRPr lang="en-GB"/>
-          </a:p>
-        </p:txBody>
-      </p:sp>
-    </p:spTree>
-    <p:extLst>
-      <p:ext uri="{BB962C8B-B14F-4D97-AF65-F5344CB8AC3E}">
-        <p14:creationId xmlns:p14="http://schemas.microsoft.com/office/powerpoint/2010/main" val="4120624612"/>
-      </p:ext>
-    </p:extLst>
-  </p:cSld>
-  <p:clrMapOvr>
-    <a:masterClrMapping/>
-  </p:clrMapOvr>
-</p:sld>
-</file>
-
-<file path=ppt/slides/slide36.xml><?xml version="1.0" encoding="utf-8"?>
-<p:sld xmlns:a="http://schemas.openxmlformats.org/drawingml/2006/main" xmlns:r="http://schemas.openxmlformats.org/officeDocument/2006/relationships" xmlns:p="http://schemas.openxmlformats.org/presentationml/2006/main">
-  <p:cSld>
-    <p:spTree>
-      <p:nvGrpSpPr>
-        <p:cNvPr id="1" name=""/>
-        <p:cNvGrpSpPr/>
-        <p:nvPr/>
-      </p:nvGrpSpPr>
-      <p:grpSpPr>
-        <a:xfrm>
-          <a:off x="0" y="0"/>
-          <a:ext cx="0" cy="0"/>
-          <a:chOff x="0" y="0"/>
-          <a:chExt cx="0" cy="0"/>
-        </a:xfrm>
-      </p:grpSpPr>
-      <p:sp>
-        <p:nvSpPr>
-          <p:cNvPr id="2" name="Title 6">
-            <a:extLst>
-              <a:ext uri="{FF2B5EF4-FFF2-40B4-BE49-F238E27FC236}">
-                <a16:creationId xmlns:a16="http://schemas.microsoft.com/office/drawing/2014/main" xmlns="" id="{04F78A0C-BF40-4E0B-9FA4-AAAA57E3C4EF}"/>
-              </a:ext>
-            </a:extLst>
-          </p:cNvPr>
-          <p:cNvSpPr txBox="1">
-            <a:spLocks noGrp="1"/>
-          </p:cNvSpPr>
-          <p:nvPr>
-            <p:ph type="title"/>
-          </p:nvPr>
-        </p:nvSpPr>
-        <p:spPr/>
-        <p:txBody>
-          <a:bodyPr>
-            <a:normAutofit/>
-          </a:bodyPr>
-          <a:lstStyle/>
-          <a:p>
-            <a:pPr lvl="0" algn="ctr"/>
-            <a:r>
-              <a:rPr lang="de-DE" sz="6600" dirty="0"/>
-              <a:t>17 % =</a:t>
-            </a:r>
-            <a:endParaRPr lang="en-GB" sz="2800" dirty="0"/>
-          </a:p>
-        </p:txBody>
-      </p:sp>
-      <p:sp>
-        <p:nvSpPr>
-          <p:cNvPr id="3" name="Content Placeholder 7">
-            <a:extLst>
-              <a:ext uri="{FF2B5EF4-FFF2-40B4-BE49-F238E27FC236}">
-                <a16:creationId xmlns:a16="http://schemas.microsoft.com/office/drawing/2014/main" xmlns="" id="{3A52400E-A01D-4CCF-8280-EBE32B011F8E}"/>
-              </a:ext>
-            </a:extLst>
-          </p:cNvPr>
-          <p:cNvSpPr txBox="1">
-            <a:spLocks noGrp="1"/>
-          </p:cNvSpPr>
-          <p:nvPr>
-            <p:ph idx="1"/>
-          </p:nvPr>
-        </p:nvSpPr>
-        <p:spPr/>
-        <p:txBody>
-          <a:bodyPr>
-            <a:normAutofit fontScale="85000" lnSpcReduction="20000"/>
-          </a:bodyPr>
-          <a:lstStyle/>
-          <a:p>
-            <a:pPr marL="0" lvl="0" indent="0">
-              <a:lnSpc>
-                <a:spcPct val="200000"/>
-              </a:lnSpc>
-              <a:buNone/>
-            </a:pPr>
-            <a:r>
-              <a:rPr lang="de-DE" sz="2800" dirty="0"/>
-              <a:t>Selbsteinschätzung:</a:t>
-            </a:r>
-          </a:p>
-          <a:p>
-            <a:pPr lvl="0"/>
-            <a:r>
-              <a:rPr lang="de-DE" b="1" dirty="0"/>
-              <a:t>Einarbeitung in die Simulationssoftware Vadere </a:t>
-            </a:r>
-            <a:r>
-              <a:rPr lang="de-DE" b="1" dirty="0">
-                <a:solidFill>
-                  <a:srgbClr val="00B0F0"/>
-                </a:solidFill>
-              </a:rPr>
-              <a:t>6%</a:t>
-            </a:r>
-          </a:p>
-          <a:p>
-            <a:pPr lvl="0"/>
-            <a:r>
-              <a:rPr lang="de-DE" dirty="0"/>
-              <a:t>Generierung der Test Szenarios </a:t>
-            </a:r>
-            <a:r>
-              <a:rPr lang="de-DE" dirty="0">
-                <a:solidFill>
-                  <a:srgbClr val="00B0F0"/>
-                </a:solidFill>
-              </a:rPr>
-              <a:t>10%</a:t>
-            </a:r>
-          </a:p>
-          <a:p>
-            <a:pPr lvl="0"/>
-            <a:r>
-              <a:rPr lang="de-DE" dirty="0"/>
-              <a:t>Automatisierung von Simulationsdurchläufen </a:t>
-            </a:r>
-            <a:r>
-              <a:rPr lang="de-DE" dirty="0">
-                <a:solidFill>
-                  <a:srgbClr val="00B0F0"/>
-                </a:solidFill>
-              </a:rPr>
-              <a:t>25%</a:t>
-            </a:r>
-          </a:p>
-          <a:p>
-            <a:pPr lvl="0"/>
-            <a:r>
-              <a:rPr lang="de-DE" dirty="0"/>
-              <a:t>Erstellen eines Datenformats für Trajektorien </a:t>
-            </a:r>
-            <a:r>
-              <a:rPr lang="de-DE" dirty="0">
-                <a:solidFill>
-                  <a:srgbClr val="00B0F0"/>
-                </a:solidFill>
-              </a:rPr>
-              <a:t>20%</a:t>
-            </a:r>
-          </a:p>
-          <a:p>
-            <a:pPr lvl="0"/>
-            <a:r>
-              <a:rPr lang="de-DE" dirty="0"/>
-              <a:t>Literatur Recherche Bildfilter </a:t>
-            </a:r>
-            <a:r>
-              <a:rPr lang="de-DE" dirty="0">
-                <a:solidFill>
-                  <a:srgbClr val="00B0F0"/>
-                </a:solidFill>
-              </a:rPr>
-              <a:t>4%</a:t>
-            </a:r>
-          </a:p>
-          <a:p>
-            <a:pPr lvl="0"/>
-            <a:r>
-              <a:rPr lang="de-DE" b="1" dirty="0"/>
-              <a:t>Datenformat für die Personendichte </a:t>
-            </a:r>
-            <a:r>
-              <a:rPr lang="de-DE" b="1" dirty="0">
-                <a:solidFill>
-                  <a:srgbClr val="00B0F0"/>
-                </a:solidFill>
-              </a:rPr>
-              <a:t>30%</a:t>
-            </a:r>
-          </a:p>
-          <a:p>
-            <a:pPr lvl="1"/>
-            <a:r>
-              <a:rPr lang="de-DE" b="1" dirty="0"/>
-              <a:t>Variante 1: Auslesung der Personendichte aus Vadere</a:t>
-            </a:r>
-          </a:p>
-          <a:p>
-            <a:pPr lvl="1"/>
-            <a:r>
-              <a:rPr lang="de-DE" b="1" dirty="0"/>
-              <a:t>Variante 2: Berechnung der Persoendichte aus Trajektorien</a:t>
-            </a:r>
-          </a:p>
-          <a:p>
-            <a:pPr lvl="1"/>
-            <a:r>
-              <a:rPr lang="de-DE" b="1" dirty="0"/>
-              <a:t>Testen der Ergebnisse</a:t>
-            </a:r>
-          </a:p>
-          <a:p>
-            <a:r>
-              <a:rPr lang="de-DE" dirty="0" err="1"/>
-              <a:t>Scrum</a:t>
-            </a:r>
-            <a:r>
-              <a:rPr lang="de-DE" dirty="0"/>
-              <a:t> Master </a:t>
-            </a:r>
-            <a:r>
-              <a:rPr lang="de-DE" dirty="0">
-                <a:solidFill>
-                  <a:srgbClr val="00B0F0"/>
-                </a:solidFill>
-              </a:rPr>
-              <a:t>5%</a:t>
-            </a:r>
-          </a:p>
-        </p:txBody>
-      </p:sp>
-    </p:spTree>
-    <p:extLst>
-      <p:ext uri="{BB962C8B-B14F-4D97-AF65-F5344CB8AC3E}">
-        <p14:creationId xmlns:p14="http://schemas.microsoft.com/office/powerpoint/2010/main" val="2402276352"/>
-      </p:ext>
-    </p:extLst>
-  </p:cSld>
-  <p:clrMapOvr>
-    <a:masterClrMapping/>
-  </p:clrMapOvr>
-</p:sld>
-</file>
-
-<file path=ppt/slides/slide37.xml><?xml version="1.0" encoding="utf-8"?>
-<p:sld xmlns:a="http://schemas.openxmlformats.org/drawingml/2006/main" xmlns:r="http://schemas.openxmlformats.org/officeDocument/2006/relationships" xmlns:p="http://schemas.openxmlformats.org/presentationml/2006/main">
-  <p:cSld>
-    <p:spTree>
-      <p:nvGrpSpPr>
-        <p:cNvPr id="1" name=""/>
-        <p:cNvGrpSpPr/>
-        <p:nvPr/>
-      </p:nvGrpSpPr>
-      <p:grpSpPr>
-        <a:xfrm>
-          <a:off x="0" y="0"/>
-          <a:ext cx="0" cy="0"/>
-          <a:chOff x="0" y="0"/>
-          <a:chExt cx="0" cy="0"/>
-        </a:xfrm>
-      </p:grpSpPr>
-      <p:sp>
-        <p:nvSpPr>
-          <p:cNvPr id="2" name="Title 6">
-            <a:extLst>
-              <a:ext uri="{FF2B5EF4-FFF2-40B4-BE49-F238E27FC236}">
-                <a16:creationId xmlns:a16="http://schemas.microsoft.com/office/drawing/2014/main" xmlns="" id="{04F78A0C-BF40-4E0B-9FA4-AAAA57E3C4EF}"/>
-              </a:ext>
-            </a:extLst>
-          </p:cNvPr>
-          <p:cNvSpPr txBox="1">
-            <a:spLocks noGrp="1"/>
-          </p:cNvSpPr>
-          <p:nvPr>
-            <p:ph type="title"/>
-          </p:nvPr>
-        </p:nvSpPr>
-        <p:spPr/>
-        <p:txBody>
-          <a:bodyPr>
-            <a:normAutofit/>
-          </a:bodyPr>
-          <a:lstStyle/>
-          <a:p>
-            <a:pPr lvl="0" algn="ctr"/>
-            <a:r>
-              <a:rPr lang="de-DE" sz="6600" dirty="0" smtClean="0"/>
-              <a:t>Hubert</a:t>
-            </a:r>
-            <a:endParaRPr lang="en-GB" sz="2800" dirty="0"/>
-          </a:p>
-        </p:txBody>
-      </p:sp>
-    </p:spTree>
-    <p:extLst>
-      <p:ext uri="{BB962C8B-B14F-4D97-AF65-F5344CB8AC3E}">
-        <p14:creationId xmlns:p14="http://schemas.microsoft.com/office/powerpoint/2010/main" val="591797269"/>
-      </p:ext>
-    </p:extLst>
-  </p:cSld>
-  <p:clrMapOvr>
-    <a:masterClrMapping/>
-  </p:clrMapOvr>
-</p:sld>
-</file>
-
-<file path=ppt/slides/slide38.xml><?xml version="1.0" encoding="utf-8"?>
-<p:sld xmlns:a="http://schemas.openxmlformats.org/drawingml/2006/main" xmlns:r="http://schemas.openxmlformats.org/officeDocument/2006/relationships" xmlns:p="http://schemas.openxmlformats.org/presentationml/2006/main">
-  <p:cSld>
-    <p:spTree>
-      <p:nvGrpSpPr>
-        <p:cNvPr id="1" name=""/>
-        <p:cNvGrpSpPr/>
-        <p:nvPr/>
-      </p:nvGrpSpPr>
-      <p:grpSpPr>
-        <a:xfrm>
-          <a:off x="0" y="0"/>
-          <a:ext cx="0" cy="0"/>
-          <a:chOff x="0" y="0"/>
-          <a:chExt cx="0" cy="0"/>
-        </a:xfrm>
-      </p:grpSpPr>
-      <p:sp>
-        <p:nvSpPr>
-          <p:cNvPr id="2" name="Title 6">
-            <a:extLst>
-              <a:ext uri="{FF2B5EF4-FFF2-40B4-BE49-F238E27FC236}">
-                <a16:creationId xmlns:a16="http://schemas.microsoft.com/office/drawing/2014/main" xmlns="" id="{04F78A0C-BF40-4E0B-9FA4-AAAA57E3C4EF}"/>
-              </a:ext>
-            </a:extLst>
-          </p:cNvPr>
-          <p:cNvSpPr txBox="1">
-            <a:spLocks noGrp="1"/>
-          </p:cNvSpPr>
-          <p:nvPr>
-            <p:ph type="title"/>
-          </p:nvPr>
-        </p:nvSpPr>
-        <p:spPr/>
-        <p:txBody>
-          <a:bodyPr>
-            <a:normAutofit fontScale="90000"/>
-          </a:bodyPr>
-          <a:lstStyle/>
-          <a:p>
-            <a:pPr lvl="0" algn="ctr"/>
-            <a:r>
-              <a:rPr lang="de-DE" sz="6600" dirty="0" smtClean="0"/>
-              <a:t>Aufgaben und Tätigkeiten</a:t>
-            </a:r>
-            <a:endParaRPr lang="en-GB" sz="2800" dirty="0"/>
-          </a:p>
-        </p:txBody>
-      </p:sp>
-      <p:sp>
-        <p:nvSpPr>
-          <p:cNvPr id="3" name="Content Placeholder 7">
-            <a:extLst>
-              <a:ext uri="{FF2B5EF4-FFF2-40B4-BE49-F238E27FC236}">
-                <a16:creationId xmlns:a16="http://schemas.microsoft.com/office/drawing/2014/main" xmlns="" id="{3A52400E-A01D-4CCF-8280-EBE32B011F8E}"/>
-              </a:ext>
-            </a:extLst>
-          </p:cNvPr>
-          <p:cNvSpPr txBox="1">
-            <a:spLocks noGrp="1"/>
-          </p:cNvSpPr>
-          <p:nvPr>
-            <p:ph idx="1"/>
-          </p:nvPr>
-        </p:nvSpPr>
-        <p:spPr/>
-        <p:txBody>
-          <a:bodyPr>
-            <a:normAutofit fontScale="85000" lnSpcReduction="20000"/>
-          </a:bodyPr>
-          <a:lstStyle/>
-          <a:p>
-            <a:pPr marL="0" lvl="0" indent="0">
-              <a:lnSpc>
-                <a:spcPct val="200000"/>
-              </a:lnSpc>
-              <a:buNone/>
-            </a:pPr>
-            <a:r>
-              <a:rPr lang="de-DE" dirty="0" smtClean="0">
-                <a:solidFill>
-                  <a:srgbClr val="00B0F0"/>
-                </a:solidFill>
-              </a:rPr>
-              <a:t>Einarbeitung in </a:t>
-            </a:r>
-            <a:r>
-              <a:rPr lang="de-DE" dirty="0" err="1" smtClean="0">
-                <a:solidFill>
-                  <a:srgbClr val="00B0F0"/>
-                </a:solidFill>
-              </a:rPr>
-              <a:t>Vadere</a:t>
-            </a:r>
-            <a:endParaRPr lang="de-DE" dirty="0" smtClean="0">
-              <a:solidFill>
-                <a:srgbClr val="00B0F0"/>
-              </a:solidFill>
-            </a:endParaRPr>
-          </a:p>
-          <a:p>
-            <a:pPr marL="0" lvl="0" indent="0">
-              <a:lnSpc>
-                <a:spcPct val="200000"/>
-              </a:lnSpc>
-              <a:buNone/>
-            </a:pPr>
-            <a:r>
-              <a:rPr lang="de-DE" dirty="0" err="1" smtClean="0">
-                <a:solidFill>
-                  <a:srgbClr val="00B0F0"/>
-                </a:solidFill>
-              </a:rPr>
-              <a:t>Erstelleung</a:t>
-            </a:r>
-            <a:r>
-              <a:rPr lang="de-DE" dirty="0" smtClean="0">
-                <a:solidFill>
-                  <a:srgbClr val="00B0F0"/>
-                </a:solidFill>
-              </a:rPr>
-              <a:t> von Test Szenarien</a:t>
-            </a:r>
-          </a:p>
-          <a:p>
-            <a:pPr marL="0" lvl="0" indent="0">
-              <a:lnSpc>
-                <a:spcPct val="200000"/>
-              </a:lnSpc>
-              <a:buNone/>
-            </a:pPr>
-            <a:r>
-              <a:rPr lang="de-DE" dirty="0" smtClean="0">
-                <a:solidFill>
-                  <a:srgbClr val="00B0F0"/>
-                </a:solidFill>
-              </a:rPr>
-              <a:t>Prozessieren der .</a:t>
-            </a:r>
-            <a:r>
-              <a:rPr lang="de-DE" dirty="0" err="1" smtClean="0">
-                <a:solidFill>
-                  <a:srgbClr val="00B0F0"/>
-                </a:solidFill>
-              </a:rPr>
-              <a:t>trajectories</a:t>
-            </a:r>
-            <a:r>
-              <a:rPr lang="de-DE" dirty="0" smtClean="0">
-                <a:solidFill>
-                  <a:srgbClr val="00B0F0"/>
-                </a:solidFill>
-              </a:rPr>
-              <a:t> Dateien</a:t>
-            </a:r>
-          </a:p>
-          <a:p>
-            <a:pPr marL="0" lvl="0" indent="0">
-              <a:lnSpc>
-                <a:spcPct val="200000"/>
-              </a:lnSpc>
-              <a:buNone/>
-            </a:pPr>
-            <a:r>
-              <a:rPr lang="de-DE" dirty="0" smtClean="0">
-                <a:solidFill>
-                  <a:srgbClr val="00B0F0"/>
-                </a:solidFill>
-              </a:rPr>
-              <a:t>Konvertieren der Daten in geeignete Datenstrukturen </a:t>
-            </a:r>
-          </a:p>
-          <a:p>
-            <a:pPr marL="0" lvl="0" indent="0">
-              <a:lnSpc>
-                <a:spcPct val="200000"/>
-              </a:lnSpc>
-              <a:buNone/>
-            </a:pPr>
-            <a:r>
-              <a:rPr lang="de-DE" dirty="0" smtClean="0">
-                <a:solidFill>
-                  <a:srgbClr val="00B0F0"/>
-                </a:solidFill>
-              </a:rPr>
-              <a:t>Datenselektion durch Zeitangabe und Beobachtungsgebiet, Dichteberechnung</a:t>
-            </a:r>
-          </a:p>
-          <a:p>
-            <a:pPr marL="0" lvl="0" indent="0">
-              <a:lnSpc>
-                <a:spcPct val="200000"/>
-              </a:lnSpc>
-              <a:buNone/>
-            </a:pPr>
-            <a:r>
-              <a:rPr lang="de-DE" dirty="0" err="1" smtClean="0">
-                <a:solidFill>
-                  <a:srgbClr val="00B0F0"/>
-                </a:solidFill>
-              </a:rPr>
-              <a:t>Datenegenerierung</a:t>
-            </a:r>
-            <a:endParaRPr lang="de-DE" dirty="0" smtClean="0">
-              <a:solidFill>
-                <a:srgbClr val="00B0F0"/>
-              </a:solidFill>
-            </a:endParaRPr>
-          </a:p>
-          <a:p>
-            <a:pPr marL="0" lvl="0" indent="0">
-              <a:lnSpc>
-                <a:spcPct val="200000"/>
-              </a:lnSpc>
-              <a:buNone/>
-            </a:pPr>
-            <a:r>
-              <a:rPr lang="de-DE" dirty="0" smtClean="0">
-                <a:solidFill>
-                  <a:srgbClr val="00B0F0"/>
-                </a:solidFill>
-              </a:rPr>
-              <a:t>Pair-</a:t>
-            </a:r>
-            <a:r>
-              <a:rPr lang="de-DE" dirty="0" err="1" smtClean="0">
-                <a:solidFill>
-                  <a:srgbClr val="00B0F0"/>
-                </a:solidFill>
-              </a:rPr>
-              <a:t>programming</a:t>
-            </a:r>
-            <a:r>
-              <a:rPr lang="de-DE" dirty="0" smtClean="0">
-                <a:solidFill>
-                  <a:srgbClr val="00B0F0"/>
-                </a:solidFill>
-              </a:rPr>
-              <a:t> mit Rebecca </a:t>
-            </a:r>
-          </a:p>
-        </p:txBody>
-      </p:sp>
-    </p:spTree>
-    <p:extLst>
-      <p:ext uri="{BB962C8B-B14F-4D97-AF65-F5344CB8AC3E}">
-        <p14:creationId xmlns:p14="http://schemas.microsoft.com/office/powerpoint/2010/main" val="3555992738"/>
-      </p:ext>
-    </p:extLst>
-  </p:cSld>
-  <p:clrMapOvr>
-    <a:masterClrMapping/>
-  </p:clrMapOvr>
-</p:sld>
-</file>
-
-<file path=ppt/slides/slide39.xml><?xml version="1.0" encoding="utf-8"?>
-<p:sld xmlns:a="http://schemas.openxmlformats.org/drawingml/2006/main" xmlns:r="http://schemas.openxmlformats.org/officeDocument/2006/relationships" xmlns:p="http://schemas.openxmlformats.org/presentationml/2006/main">
-  <p:cSld>
-    <p:spTree>
-      <p:nvGrpSpPr>
-        <p:cNvPr id="1" name=""/>
-        <p:cNvGrpSpPr/>
-        <p:nvPr/>
-      </p:nvGrpSpPr>
-      <p:grpSpPr>
-        <a:xfrm>
-          <a:off x="0" y="0"/>
-          <a:ext cx="0" cy="0"/>
-          <a:chOff x="0" y="0"/>
-          <a:chExt cx="0" cy="0"/>
-        </a:xfrm>
-      </p:grpSpPr>
-      <p:sp>
-        <p:nvSpPr>
-          <p:cNvPr id="2" name="Title 6">
-            <a:extLst>
-              <a:ext uri="{FF2B5EF4-FFF2-40B4-BE49-F238E27FC236}">
-                <a16:creationId xmlns:a16="http://schemas.microsoft.com/office/drawing/2014/main" xmlns="" id="{04F78A0C-BF40-4E0B-9FA4-AAAA57E3C4EF}"/>
-              </a:ext>
-            </a:extLst>
-          </p:cNvPr>
-          <p:cNvSpPr txBox="1">
-            <a:spLocks noGrp="1"/>
-          </p:cNvSpPr>
-          <p:nvPr>
-            <p:ph type="title"/>
-          </p:nvPr>
-        </p:nvSpPr>
-        <p:spPr/>
-        <p:txBody>
-          <a:bodyPr>
-            <a:normAutofit/>
-          </a:bodyPr>
-          <a:lstStyle/>
-          <a:p>
-            <a:pPr lvl="0" algn="ctr"/>
-            <a:r>
-              <a:rPr lang="en-GB" sz="2800" dirty="0" err="1" smtClean="0"/>
-              <a:t>Graphik</a:t>
-            </a:r>
-            <a:endParaRPr lang="en-GB" sz="2800" dirty="0"/>
-          </a:p>
-        </p:txBody>
-      </p:sp>
-      <p:sp>
-        <p:nvSpPr>
-          <p:cNvPr id="3" name="Content Placeholder 7">
-            <a:extLst>
-              <a:ext uri="{FF2B5EF4-FFF2-40B4-BE49-F238E27FC236}">
-                <a16:creationId xmlns:a16="http://schemas.microsoft.com/office/drawing/2014/main" xmlns="" id="{3A52400E-A01D-4CCF-8280-EBE32B011F8E}"/>
-              </a:ext>
-            </a:extLst>
-          </p:cNvPr>
-          <p:cNvSpPr txBox="1">
-            <a:spLocks noGrp="1"/>
-          </p:cNvSpPr>
-          <p:nvPr>
-            <p:ph idx="1"/>
-          </p:nvPr>
-        </p:nvSpPr>
-        <p:spPr/>
-        <p:txBody>
-          <a:bodyPr>
-            <a:normAutofit/>
-          </a:bodyPr>
-          <a:lstStyle/>
-          <a:p>
-            <a:pPr marL="0" lvl="0" indent="0">
-              <a:lnSpc>
-                <a:spcPct val="200000"/>
-              </a:lnSpc>
-              <a:buNone/>
-            </a:pPr>
-            <a:r>
-              <a:rPr lang="de-DE" dirty="0" smtClean="0">
-                <a:solidFill>
-                  <a:srgbClr val="00B0F0"/>
-                </a:solidFill>
-              </a:rPr>
-              <a:t> </a:t>
-            </a:r>
-          </a:p>
-        </p:txBody>
-      </p:sp>
-    </p:spTree>
-    <p:extLst>
-      <p:ext uri="{BB962C8B-B14F-4D97-AF65-F5344CB8AC3E}">
-        <p14:creationId xmlns:p14="http://schemas.microsoft.com/office/powerpoint/2010/main" val="3915547931"/>
-      </p:ext>
-    </p:extLst>
-  </p:cSld>
-  <p:clrMapOvr>
-    <a:masterClrMapping/>
-  </p:clrMapOvr>
-</p:sld>
-</file>
-
-<file path=ppt/slides/slide4.xml><?xml version="1.0" encoding="utf-8"?>
-<p:sld xmlns:a="http://schemas.openxmlformats.org/drawingml/2006/main" xmlns:r="http://schemas.openxmlformats.org/officeDocument/2006/relationships" xmlns:p="http://schemas.openxmlformats.org/presentationml/2006/main">
-  <p:cSld>
-    <p:spTree>
-      <p:nvGrpSpPr>
-        <p:cNvPr id="1" name=""/>
-        <p:cNvGrpSpPr/>
-        <p:nvPr/>
-      </p:nvGrpSpPr>
-      <p:grpSpPr>
-        <a:xfrm>
-          <a:off x="0" y="0"/>
-          <a:ext cx="0" cy="0"/>
-          <a:chOff x="0" y="0"/>
-          <a:chExt cx="0" cy="0"/>
-        </a:xfrm>
-      </p:grpSpPr>
-      <p:sp>
-        <p:nvSpPr>
-          <p:cNvPr id="2" name="Titel 1"/>
-          <p:cNvSpPr>
-            <a:spLocks noGrp="1"/>
-          </p:cNvSpPr>
-          <p:nvPr>
-            <p:ph type="ctrTitle"/>
-          </p:nvPr>
-        </p:nvSpPr>
-        <p:spPr>
-          <a:xfrm>
-            <a:off x="1497107" y="974445"/>
-            <a:ext cx="9144000" cy="881249"/>
-          </a:xfrm>
-        </p:spPr>
-        <p:txBody>
-          <a:bodyPr>
-            <a:noAutofit/>
-          </a:bodyPr>
-          <a:lstStyle/>
-          <a:p>
-            <a:pPr algn="l"/>
-            <a:r>
-              <a:rPr lang="de-DE" sz="5000" dirty="0" smtClean="0">
-                <a:solidFill>
-                  <a:schemeClr val="tx1"/>
-                </a:solidFill>
-                <a:latin typeface="Times New Roman" panose="02020603050405020304" pitchFamily="18" charset="0"/>
-                <a:cs typeface="Times New Roman" panose="02020603050405020304" pitchFamily="18" charset="0"/>
-              </a:rPr>
-              <a:t>Was lief gut, was lief schlecht</a:t>
-            </a:r>
-            <a:endParaRPr lang="de-DE" sz="5000" dirty="0">
-              <a:solidFill>
-                <a:schemeClr val="tx1"/>
-              </a:solidFill>
-              <a:latin typeface="Times New Roman" panose="02020603050405020304" pitchFamily="18" charset="0"/>
-              <a:cs typeface="Times New Roman" panose="02020603050405020304" pitchFamily="18" charset="0"/>
-            </a:endParaRPr>
-          </a:p>
-        </p:txBody>
-      </p:sp>
-      <p:sp>
-        <p:nvSpPr>
-          <p:cNvPr id="3" name="Textfeld 2"/>
-          <p:cNvSpPr txBox="1"/>
-          <p:nvPr/>
-        </p:nvSpPr>
-        <p:spPr>
-          <a:xfrm>
-            <a:off x="1120591" y="2460812"/>
-            <a:ext cx="4016186" cy="2862322"/>
-          </a:xfrm>
-          <a:prstGeom prst="rect">
-            <a:avLst/>
-          </a:prstGeom>
-          <a:noFill/>
-        </p:spPr>
-        <p:txBody>
-          <a:bodyPr wrap="square" rtlCol="0">
-            <a:spAutoFit/>
-          </a:bodyPr>
-          <a:lstStyle/>
-          <a:p>
-            <a:r>
-              <a:rPr lang="de-DE" sz="2000" dirty="0" smtClean="0"/>
-              <a:t>Was lief gut ? </a:t>
-            </a:r>
-          </a:p>
-          <a:p>
-            <a:endParaRPr lang="de-DE" sz="2000" dirty="0" smtClean="0"/>
-          </a:p>
-          <a:p>
-            <a:pPr marL="285750" indent="-285750">
-              <a:buFont typeface="Arial" panose="020B0604020202020204" pitchFamily="34" charset="0"/>
-              <a:buChar char="•"/>
-            </a:pPr>
-            <a:r>
-              <a:rPr lang="de-DE" sz="2000" dirty="0" smtClean="0"/>
-              <a:t>Regelmäßig Treffen außerhalb der Vorlesung </a:t>
-            </a:r>
-          </a:p>
-          <a:p>
-            <a:pPr marL="285750" indent="-285750">
-              <a:buFont typeface="Arial" panose="020B0604020202020204" pitchFamily="34" charset="0"/>
-              <a:buChar char="•"/>
-            </a:pPr>
-            <a:endParaRPr lang="de-DE" sz="2000" dirty="0"/>
-          </a:p>
-          <a:p>
-            <a:pPr marL="285750" indent="-285750">
-              <a:buFont typeface="Arial" panose="020B0604020202020204" pitchFamily="34" charset="0"/>
-              <a:buChar char="•"/>
-            </a:pPr>
-            <a:r>
-              <a:rPr lang="de-DE" sz="2000" dirty="0" smtClean="0"/>
-              <a:t>Gute Kommunikation über </a:t>
-            </a:r>
-            <a:r>
-              <a:rPr lang="de-DE" sz="2000" dirty="0" err="1" smtClean="0"/>
-              <a:t>Whatsapp</a:t>
-            </a:r>
-            <a:r>
-              <a:rPr lang="de-DE" sz="2000" dirty="0" smtClean="0"/>
-              <a:t>, </a:t>
-            </a:r>
-            <a:r>
-              <a:rPr lang="de-DE" sz="2000" dirty="0" err="1" smtClean="0"/>
-              <a:t>Slack</a:t>
-            </a:r>
-            <a:r>
-              <a:rPr lang="de-DE" sz="2000" dirty="0" smtClean="0"/>
-              <a:t>, </a:t>
-            </a:r>
-            <a:r>
-              <a:rPr lang="de-DE" sz="2000" dirty="0" err="1" smtClean="0"/>
-              <a:t>Trello</a:t>
-            </a:r>
-            <a:endParaRPr lang="de-DE" sz="2000" dirty="0" smtClean="0"/>
-          </a:p>
-          <a:p>
-            <a:pPr marL="285750" indent="-285750">
-              <a:buFont typeface="Arial" panose="020B0604020202020204" pitchFamily="34" charset="0"/>
-              <a:buChar char="•"/>
-            </a:pPr>
-            <a:endParaRPr lang="de-DE" sz="2000" dirty="0"/>
-          </a:p>
-          <a:p>
-            <a:pPr marL="285750" indent="-285750">
-              <a:buFont typeface="Arial" panose="020B0604020202020204" pitchFamily="34" charset="0"/>
-              <a:buChar char="•"/>
-            </a:pPr>
-            <a:r>
-              <a:rPr lang="de-DE" sz="2000" dirty="0" smtClean="0"/>
-              <a:t>Verteilung der Aufgaben  </a:t>
-            </a:r>
-            <a:endParaRPr lang="de-DE" sz="2000" dirty="0"/>
-          </a:p>
-        </p:txBody>
-      </p:sp>
-      <p:sp>
-        <p:nvSpPr>
-          <p:cNvPr id="4" name="Textfeld 3"/>
-          <p:cNvSpPr txBox="1"/>
-          <p:nvPr/>
-        </p:nvSpPr>
-        <p:spPr>
-          <a:xfrm>
-            <a:off x="6562163" y="2460812"/>
-            <a:ext cx="2662518" cy="3477875"/>
-          </a:xfrm>
-          <a:prstGeom prst="rect">
-            <a:avLst/>
-          </a:prstGeom>
-          <a:noFill/>
-        </p:spPr>
-        <p:txBody>
-          <a:bodyPr wrap="square" rtlCol="0">
-            <a:spAutoFit/>
-          </a:bodyPr>
-          <a:lstStyle/>
-          <a:p>
-            <a:r>
-              <a:rPr lang="de-DE" sz="2000" dirty="0" smtClean="0"/>
-              <a:t>Was lief schlecht ?</a:t>
-            </a:r>
-          </a:p>
-          <a:p>
-            <a:endParaRPr lang="de-DE" sz="2000" dirty="0"/>
-          </a:p>
-          <a:p>
-            <a:pPr marL="285750" indent="-285750">
-              <a:buFont typeface="Arial" panose="020B0604020202020204" pitchFamily="34" charset="0"/>
-              <a:buChar char="•"/>
-            </a:pPr>
-            <a:r>
-              <a:rPr lang="de-DE" sz="2000" dirty="0" smtClean="0"/>
-              <a:t>Kommunikation zwischen den Gruppen zu Beginn schwierig</a:t>
-            </a:r>
-          </a:p>
-          <a:p>
-            <a:pPr marL="285750" indent="-285750">
-              <a:buFont typeface="Arial" panose="020B0604020202020204" pitchFamily="34" charset="0"/>
-              <a:buChar char="•"/>
-            </a:pPr>
-            <a:endParaRPr lang="de-DE" sz="2000" dirty="0"/>
-          </a:p>
-          <a:p>
-            <a:pPr marL="285750" indent="-285750">
-              <a:buFont typeface="Arial" panose="020B0604020202020204" pitchFamily="34" charset="0"/>
-              <a:buChar char="•"/>
-            </a:pPr>
-            <a:r>
-              <a:rPr lang="de-DE" sz="2000" dirty="0" smtClean="0"/>
-              <a:t>Datenauslieferung hat länger gedauert, als geplant</a:t>
-            </a:r>
-            <a:endParaRPr lang="de-DE" dirty="0"/>
-          </a:p>
-        </p:txBody>
-      </p:sp>
-    </p:spTree>
-    <p:extLst>
-      <p:ext uri="{BB962C8B-B14F-4D97-AF65-F5344CB8AC3E}">
-        <p14:creationId xmlns:p14="http://schemas.microsoft.com/office/powerpoint/2010/main" val="3561348784"/>
-      </p:ext>
-    </p:extLst>
-  </p:cSld>
-  <p:clrMapOvr>
-    <a:masterClrMapping/>
-  </p:clrMapOvr>
-  <p:transition spd="slow">
-    <p:push dir="u"/>
-  </p:transition>
-  <p:timing>
-    <p:tnLst>
-      <p:par>
-        <p:cTn id="1" dur="indefinite" restart="never" nodeType="tmRoot"/>
-      </p:par>
-    </p:tnLst>
-  </p:timing>
-</p:sld>
-</file>
-
 <file path=ppt/slides/slide40.xml><?xml version="1.0" encoding="utf-8"?>
 <p:sld xmlns:a="http://schemas.openxmlformats.org/drawingml/2006/main" xmlns:r="http://schemas.openxmlformats.org/officeDocument/2006/relationships" xmlns:p="http://schemas.openxmlformats.org/presentationml/2006/main">
   <p:cSld>
@@ -11534,7 +11911,7 @@
           <p:cNvPr id="2" name="Title 6">
             <a:extLst>
               <a:ext uri="{FF2B5EF4-FFF2-40B4-BE49-F238E27FC236}">
-                <a16:creationId xmlns:a16="http://schemas.microsoft.com/office/drawing/2014/main" xmlns="" id="{04F78A0C-BF40-4E0B-9FA4-AAAA57E3C4EF}"/>
+                <a16:creationId xmlns="" xmlns:a16="http://schemas.microsoft.com/office/drawing/2014/main" id="{04F78A0C-BF40-4E0B-9FA4-AAAA57E3C4EF}"/>
               </a:ext>
             </a:extLst>
           </p:cNvPr>
@@ -11548,18 +11925,14 @@
         <p:spPr/>
         <p:txBody>
           <a:bodyPr>
-            <a:normAutofit fontScale="90000"/>
+            <a:normAutofit/>
           </a:bodyPr>
           <a:lstStyle/>
           <a:p>
             <a:pPr lvl="0" algn="ctr"/>
             <a:r>
-              <a:rPr lang="de-DE" sz="6600" dirty="0" smtClean="0"/>
-              <a:t>Gauß </a:t>
-            </a:r>
-            <a:r>
-              <a:rPr lang="de-DE" sz="6600" dirty="0" err="1" smtClean="0"/>
-              <a:t>Dichteberechung</a:t>
+              <a:rPr lang="de-DE" sz="6600" dirty="0"/>
+              <a:t>17 % =</a:t>
             </a:r>
             <a:endParaRPr lang="en-GB" sz="2800" dirty="0"/>
           </a:p>
@@ -11570,7 +11943,7 @@
           <p:cNvPr id="3" name="Content Placeholder 7">
             <a:extLst>
               <a:ext uri="{FF2B5EF4-FFF2-40B4-BE49-F238E27FC236}">
-                <a16:creationId xmlns:a16="http://schemas.microsoft.com/office/drawing/2014/main" xmlns="" id="{3A52400E-A01D-4CCF-8280-EBE32B011F8E}"/>
+                <a16:creationId xmlns="" xmlns:a16="http://schemas.microsoft.com/office/drawing/2014/main" id="{3A52400E-A01D-4CCF-8280-EBE32B011F8E}"/>
               </a:ext>
             </a:extLst>
           </p:cNvPr>
@@ -11584,7 +11957,7 @@
         <p:spPr/>
         <p:txBody>
           <a:bodyPr>
-            <a:normAutofit/>
+            <a:normAutofit fontScale="85000" lnSpcReduction="20000"/>
           </a:bodyPr>
           <a:lstStyle/>
           <a:p>
@@ -11594,24 +11967,162 @@
               </a:lnSpc>
               <a:buNone/>
             </a:pPr>
-            <a:endParaRPr lang="de-DE" dirty="0" smtClean="0">
-              <a:solidFill>
-                <a:srgbClr val="00B0F0"/>
-              </a:solidFill>
-            </a:endParaRPr>
+            <a:r>
+              <a:rPr lang="de-DE" sz="2800" dirty="0"/>
+              <a:t>Selbsteinschätzung:</a:t>
+            </a:r>
+          </a:p>
+          <a:p>
+            <a:pPr lvl="0"/>
+            <a:r>
+              <a:rPr lang="de-DE" b="1" dirty="0"/>
+              <a:t>Einarbeitung in die Simulationssoftware Vadere </a:t>
+            </a:r>
+            <a:r>
+              <a:rPr lang="de-DE" b="1" dirty="0">
+                <a:solidFill>
+                  <a:srgbClr val="00B0F0"/>
+                </a:solidFill>
+              </a:rPr>
+              <a:t>6%</a:t>
+            </a:r>
+          </a:p>
+          <a:p>
+            <a:pPr lvl="0"/>
+            <a:r>
+              <a:rPr lang="de-DE" dirty="0"/>
+              <a:t>Generierung der Test Szenarios </a:t>
+            </a:r>
+            <a:r>
+              <a:rPr lang="de-DE" dirty="0">
+                <a:solidFill>
+                  <a:srgbClr val="00B0F0"/>
+                </a:solidFill>
+              </a:rPr>
+              <a:t>10%</a:t>
+            </a:r>
+          </a:p>
+          <a:p>
+            <a:pPr lvl="0"/>
+            <a:r>
+              <a:rPr lang="de-DE" dirty="0"/>
+              <a:t>Automatisierung von Simulationsdurchläufen </a:t>
+            </a:r>
+            <a:r>
+              <a:rPr lang="de-DE" dirty="0">
+                <a:solidFill>
+                  <a:srgbClr val="00B0F0"/>
+                </a:solidFill>
+              </a:rPr>
+              <a:t>25%</a:t>
+            </a:r>
+          </a:p>
+          <a:p>
+            <a:pPr lvl="0"/>
+            <a:r>
+              <a:rPr lang="de-DE" dirty="0"/>
+              <a:t>Erstellen eines Datenformats für Trajektorien </a:t>
+            </a:r>
+            <a:r>
+              <a:rPr lang="de-DE" dirty="0">
+                <a:solidFill>
+                  <a:srgbClr val="00B0F0"/>
+                </a:solidFill>
+              </a:rPr>
+              <a:t>20%</a:t>
+            </a:r>
+          </a:p>
+          <a:p>
+            <a:pPr lvl="0"/>
+            <a:r>
+              <a:rPr lang="de-DE" dirty="0"/>
+              <a:t>Literatur Recherche Bildfilter </a:t>
+            </a:r>
+            <a:r>
+              <a:rPr lang="de-DE" dirty="0">
+                <a:solidFill>
+                  <a:srgbClr val="00B0F0"/>
+                </a:solidFill>
+              </a:rPr>
+              <a:t>4%</a:t>
+            </a:r>
+          </a:p>
+          <a:p>
+            <a:pPr lvl="0"/>
+            <a:r>
+              <a:rPr lang="de-DE" b="1" dirty="0"/>
+              <a:t>Datenformat für die Personendichte </a:t>
+            </a:r>
+            <a:r>
+              <a:rPr lang="de-DE" b="1" dirty="0">
+                <a:solidFill>
+                  <a:srgbClr val="00B0F0"/>
+                </a:solidFill>
+              </a:rPr>
+              <a:t>30%</a:t>
+            </a:r>
+          </a:p>
+          <a:p>
+            <a:pPr lvl="1"/>
+            <a:r>
+              <a:rPr lang="de-DE" b="1" dirty="0"/>
+              <a:t>Variante 1: Auslesung der Personendichte aus Vadere</a:t>
+            </a:r>
+          </a:p>
+          <a:p>
+            <a:pPr lvl="1"/>
+            <a:r>
+              <a:rPr lang="de-DE" b="1" dirty="0"/>
+              <a:t>Variante 2: Berechnung der Persoendichte aus Trajektorien</a:t>
+            </a:r>
+          </a:p>
+          <a:p>
+            <a:pPr lvl="1"/>
+            <a:r>
+              <a:rPr lang="de-DE" b="1" dirty="0"/>
+              <a:t>Testen der Ergebnisse</a:t>
+            </a:r>
+          </a:p>
+          <a:p>
+            <a:r>
+              <a:rPr lang="de-DE" dirty="0" err="1"/>
+              <a:t>Scrum</a:t>
+            </a:r>
+            <a:r>
+              <a:rPr lang="de-DE" dirty="0"/>
+              <a:t> Master </a:t>
+            </a:r>
+            <a:r>
+              <a:rPr lang="de-DE" dirty="0">
+                <a:solidFill>
+                  <a:srgbClr val="00B0F0"/>
+                </a:solidFill>
+              </a:rPr>
+              <a:t>5%</a:t>
+            </a:r>
           </a:p>
         </p:txBody>
       </p:sp>
     </p:spTree>
     <p:extLst>
       <p:ext uri="{BB962C8B-B14F-4D97-AF65-F5344CB8AC3E}">
-        <p14:creationId xmlns:p14="http://schemas.microsoft.com/office/powerpoint/2010/main" val="1378842414"/>
+        <p14:creationId xmlns:p14="http://schemas.microsoft.com/office/powerpoint/2010/main" val="2341506299"/>
       </p:ext>
     </p:extLst>
   </p:cSld>
   <p:clrMapOvr>
     <a:masterClrMapping/>
   </p:clrMapOvr>
+  <p:transition spd="slow">
+    <p:push dir="u"/>
+  </p:transition>
+  <p:timing>
+    <p:tnLst>
+      <p:par>
+        <p:cTn id="1" dur="indefinite" restart="never" nodeType="tmRoot"/>
+      </p:par>
+    </p:tnLst>
+  </p:timing>
 </p:sld>
 </file>
 
@@ -11637,7 +12148,7 @@
           <p:cNvPr id="2" name="Title 6">
             <a:extLst>
               <a:ext uri="{FF2B5EF4-FFF2-40B4-BE49-F238E27FC236}">
-                <a16:creationId xmlns:a16="http://schemas.microsoft.com/office/drawing/2014/main" xmlns="" id="{04F78A0C-BF40-4E0B-9FA4-AAAA57E3C4EF}"/>
+                <a16:creationId xmlns="" xmlns:a16="http://schemas.microsoft.com/office/drawing/2014/main" id="{04F78A0C-BF40-4E0B-9FA4-AAAA57E3C4EF}"/>
               </a:ext>
             </a:extLst>
           </p:cNvPr>
@@ -11657,8 +12168,8 @@
           <a:p>
             <a:pPr lvl="0" algn="ctr"/>
             <a:r>
-              <a:rPr lang="de-DE" sz="6600" dirty="0"/>
-              <a:t>17 % =</a:t>
+              <a:rPr lang="de-DE" sz="6600" dirty="0" smtClean="0"/>
+              <a:t>Lisa</a:t>
             </a:r>
             <a:endParaRPr lang="en-GB" sz="2800" dirty="0"/>
           </a:p>
@@ -11669,7 +12180,7 @@
           <p:cNvPr id="3" name="Content Placeholder 7">
             <a:extLst>
               <a:ext uri="{FF2B5EF4-FFF2-40B4-BE49-F238E27FC236}">
-                <a16:creationId xmlns:a16="http://schemas.microsoft.com/office/drawing/2014/main" xmlns="" id="{3A52400E-A01D-4CCF-8280-EBE32B011F8E}"/>
+                <a16:creationId xmlns="" xmlns:a16="http://schemas.microsoft.com/office/drawing/2014/main" id="{3A52400E-A01D-4CCF-8280-EBE32B011F8E}"/>
               </a:ext>
             </a:extLst>
           </p:cNvPr>
@@ -11683,7 +12194,7 @@
         <p:spPr/>
         <p:txBody>
           <a:bodyPr>
-            <a:normAutofit fontScale="85000" lnSpcReduction="20000"/>
+            <a:normAutofit/>
           </a:bodyPr>
           <a:lstStyle/>
           <a:p>
@@ -11693,152 +12204,34 @@
               </a:lnSpc>
               <a:buNone/>
             </a:pPr>
-            <a:r>
-              <a:rPr lang="de-DE" sz="2800" dirty="0"/>
-              <a:t>Selbsteinschätzung:</a:t>
-            </a:r>
-          </a:p>
-          <a:p>
-            <a:pPr lvl="0"/>
-            <a:r>
-              <a:rPr lang="de-DE" b="1" dirty="0"/>
-              <a:t>Einarbeitung in die Simulationssoftware Vadere </a:t>
-            </a:r>
-            <a:r>
-              <a:rPr lang="de-DE" b="1" dirty="0">
-                <a:solidFill>
-                  <a:srgbClr val="00B0F0"/>
-                </a:solidFill>
-              </a:rPr>
-              <a:t>6%</a:t>
-            </a:r>
-          </a:p>
-          <a:p>
-            <a:pPr lvl="0"/>
-            <a:r>
-              <a:rPr lang="de-DE" dirty="0"/>
-              <a:t>Generierung der Test Szenarios </a:t>
-            </a:r>
-            <a:r>
-              <a:rPr lang="de-DE" dirty="0">
-                <a:solidFill>
-                  <a:srgbClr val="00B0F0"/>
-                </a:solidFill>
-              </a:rPr>
-              <a:t>10%</a:t>
-            </a:r>
-          </a:p>
-          <a:p>
-            <a:pPr lvl="0"/>
-            <a:r>
-              <a:rPr lang="de-DE" dirty="0"/>
-              <a:t>Automatisierung von Simulationsdurchläufen </a:t>
-            </a:r>
-            <a:r>
-              <a:rPr lang="de-DE" dirty="0">
-                <a:solidFill>
-                  <a:srgbClr val="00B0F0"/>
-                </a:solidFill>
-              </a:rPr>
-              <a:t>25%</a:t>
-            </a:r>
-          </a:p>
-          <a:p>
-            <a:pPr lvl="0"/>
-            <a:r>
-              <a:rPr lang="de-DE" dirty="0"/>
-              <a:t>Erstellen eines Datenformats für Trajektorien </a:t>
-            </a:r>
-            <a:r>
-              <a:rPr lang="de-DE" dirty="0">
-                <a:solidFill>
-                  <a:srgbClr val="00B0F0"/>
-                </a:solidFill>
-              </a:rPr>
-              <a:t>20%</a:t>
-            </a:r>
-          </a:p>
-          <a:p>
-            <a:pPr lvl="0"/>
-            <a:r>
-              <a:rPr lang="de-DE" dirty="0"/>
-              <a:t>Literatur Recherche Bildfilter </a:t>
-            </a:r>
-            <a:r>
-              <a:rPr lang="de-DE" dirty="0">
-                <a:solidFill>
-                  <a:srgbClr val="00B0F0"/>
-                </a:solidFill>
-              </a:rPr>
-              <a:t>4%</a:t>
-            </a:r>
-          </a:p>
-          <a:p>
-            <a:pPr lvl="0"/>
-            <a:r>
-              <a:rPr lang="de-DE" b="1" dirty="0"/>
-              <a:t>Datenformat für die Personendichte </a:t>
-            </a:r>
-            <a:r>
-              <a:rPr lang="de-DE" b="1" dirty="0">
-                <a:solidFill>
-                  <a:srgbClr val="00B0F0"/>
-                </a:solidFill>
-              </a:rPr>
-              <a:t>30%</a:t>
-            </a:r>
-          </a:p>
-          <a:p>
-            <a:pPr lvl="1"/>
-            <a:r>
-              <a:rPr lang="de-DE" b="1" dirty="0"/>
-              <a:t>Variante 1: Auslesung der Personendichte aus Vadere</a:t>
-            </a:r>
-          </a:p>
-          <a:p>
-            <a:pPr lvl="1"/>
-            <a:r>
-              <a:rPr lang="de-DE" b="1" dirty="0"/>
-              <a:t>Variante 2: Berechnung der Persoendichte aus Trajektorien</a:t>
-            </a:r>
-          </a:p>
-          <a:p>
-            <a:pPr lvl="1"/>
-            <a:r>
-              <a:rPr lang="de-DE" b="1" dirty="0"/>
-              <a:t>Testen der Ergebnisse</a:t>
-            </a:r>
-          </a:p>
-          <a:p>
-            <a:r>
-              <a:rPr lang="de-DE" dirty="0" err="1"/>
-              <a:t>Scrum</a:t>
-            </a:r>
-            <a:r>
-              <a:rPr lang="de-DE" dirty="0"/>
-              <a:t> Master </a:t>
-            </a:r>
-            <a:r>
-              <a:rPr lang="de-DE" dirty="0">
-                <a:solidFill>
-                  <a:srgbClr val="00B0F0"/>
-                </a:solidFill>
-              </a:rPr>
-              <a:t>5%</a:t>
-            </a:r>
+            <a:endParaRPr lang="de-DE" dirty="0">
+              <a:solidFill>
+                <a:srgbClr val="00B0F0"/>
+              </a:solidFill>
+            </a:endParaRPr>
           </a:p>
         </p:txBody>
       </p:sp>
     </p:spTree>
     <p:extLst>
       <p:ext uri="{BB962C8B-B14F-4D97-AF65-F5344CB8AC3E}">
-        <p14:creationId xmlns:p14="http://schemas.microsoft.com/office/powerpoint/2010/main" val="2341506299"/>
+        <p14:creationId xmlns:p14="http://schemas.microsoft.com/office/powerpoint/2010/main" val="2241856939"/>
       </p:ext>
     </p:extLst>
   </p:cSld>
   <p:clrMapOvr>
     <a:masterClrMapping/>
   </p:clrMapOvr>
+  <p:transition spd="slow">
+    <p:push dir="u"/>
+  </p:transition>
+  <p:timing>
+    <p:tnLst>
+      <p:par>
+        <p:cTn id="1" dur="indefinite" restart="never" nodeType="tmRoot"/>
+      </p:par>
+    </p:tnLst>
+  </p:timing>
 </p:sld>
 </file>
 
@@ -11861,69 +12254,292 @@
       </p:grpSpPr>
       <p:sp>
         <p:nvSpPr>
-          <p:cNvPr id="2" name="Title 6">
-            <a:extLst>
-              <a:ext uri="{FF2B5EF4-FFF2-40B4-BE49-F238E27FC236}">
-                <a16:creationId xmlns:a16="http://schemas.microsoft.com/office/drawing/2014/main" xmlns="" id="{04F78A0C-BF40-4E0B-9FA4-AAAA57E3C4EF}"/>
-              </a:ext>
-            </a:extLst>
-          </p:cNvPr>
-          <p:cNvSpPr txBox="1">
-            <a:spLocks noGrp="1"/>
-          </p:cNvSpPr>
-          <p:nvPr>
-            <p:ph type="title"/>
-          </p:nvPr>
-        </p:nvSpPr>
-        <p:spPr/>
+          <p:cNvPr id="2" name="Titel 1"/>
+          <p:cNvSpPr>
+            <a:spLocks noGrp="1"/>
+          </p:cNvSpPr>
+          <p:nvPr>
+            <p:ph type="ctrTitle"/>
+          </p:nvPr>
+        </p:nvSpPr>
+        <p:spPr>
+          <a:xfrm>
+            <a:off x="1524000" y="611376"/>
+            <a:ext cx="9144000" cy="1029166"/>
+          </a:xfrm>
+        </p:spPr>
         <p:txBody>
           <a:bodyPr>
-            <a:normAutofit/>
+            <a:normAutofit fontScale="90000"/>
           </a:bodyPr>
           <a:lstStyle/>
           <a:p>
-            <a:pPr lvl="0" algn="ctr"/>
-            <a:r>
-              <a:rPr lang="de-DE" sz="6600" dirty="0" smtClean="0"/>
-              <a:t>Lisa</a:t>
-            </a:r>
-            <a:endParaRPr lang="en-GB" sz="2800" dirty="0"/>
-          </a:p>
-        </p:txBody>
-      </p:sp>
-      <p:sp>
-        <p:nvSpPr>
-          <p:cNvPr id="3" name="Content Placeholder 7">
-            <a:extLst>
-              <a:ext uri="{FF2B5EF4-FFF2-40B4-BE49-F238E27FC236}">
-                <a16:creationId xmlns:a16="http://schemas.microsoft.com/office/drawing/2014/main" xmlns="" id="{3A52400E-A01D-4CCF-8280-EBE32B011F8E}"/>
-              </a:ext>
-            </a:extLst>
-          </p:cNvPr>
-          <p:cNvSpPr txBox="1">
-            <a:spLocks noGrp="1"/>
-          </p:cNvSpPr>
-          <p:nvPr>
-            <p:ph idx="1"/>
-          </p:nvPr>
-        </p:nvSpPr>
-        <p:spPr/>
-        <p:txBody>
-          <a:bodyPr>
-            <a:normAutofit/>
+            <a:pPr algn="l"/>
+            <a:r>
+              <a:rPr lang="de-DE" sz="5500" dirty="0" smtClean="0">
+                <a:solidFill>
+                  <a:schemeClr val="tx1"/>
+                </a:solidFill>
+                <a:latin typeface="Times New Roman" panose="02020603050405020304" pitchFamily="18" charset="0"/>
+                <a:cs typeface="Times New Roman" panose="02020603050405020304" pitchFamily="18" charset="0"/>
+              </a:rPr>
+              <a:t>Meine Rolle während des Sprints</a:t>
+            </a:r>
+            <a:endParaRPr lang="de-DE" sz="5500" dirty="0">
+              <a:solidFill>
+                <a:schemeClr val="tx1"/>
+              </a:solidFill>
+              <a:latin typeface="Times New Roman" panose="02020603050405020304" pitchFamily="18" charset="0"/>
+              <a:cs typeface="Times New Roman" panose="02020603050405020304" pitchFamily="18" charset="0"/>
+            </a:endParaRPr>
+          </a:p>
+        </p:txBody>
+      </p:sp>
+      <p:sp>
+        <p:nvSpPr>
+          <p:cNvPr id="4" name="Textfeld 3"/>
+          <p:cNvSpPr txBox="1"/>
+          <p:nvPr/>
+        </p:nvSpPr>
+        <p:spPr>
+          <a:xfrm>
+            <a:off x="1524000" y="1823785"/>
+            <a:ext cx="9144000" cy="4401205"/>
+          </a:xfrm>
+          <a:prstGeom prst="rect">
+            <a:avLst/>
+          </a:prstGeom>
+          <a:noFill/>
+        </p:spPr>
+        <p:txBody>
+          <a:bodyPr wrap="square" rtlCol="0">
+            <a:spAutoFit/>
           </a:bodyPr>
           <a:lstStyle/>
           <a:p>
-            <a:pPr marL="0" lvl="0" indent="0">
-              <a:lnSpc>
-                <a:spcPct val="200000"/>
-              </a:lnSpc>
-              <a:buNone/>
-            </a:pPr>
-            <a:endParaRPr lang="de-DE" dirty="0">
-              <a:solidFill>
-                <a:srgbClr val="00B0F0"/>
-              </a:solidFill>
+            <a:pPr marL="285750" indent="-285750">
+              <a:buFont typeface="Arial" panose="020B0604020202020204" pitchFamily="34" charset="0"/>
+              <a:buChar char="•"/>
+            </a:pPr>
+            <a:r>
+              <a:rPr lang="de-DE" sz="2000" dirty="0" err="1" smtClean="0">
+                <a:latin typeface="Times New Roman" panose="02020603050405020304" pitchFamily="18" charset="0"/>
+                <a:cs typeface="Times New Roman" panose="02020603050405020304" pitchFamily="18" charset="0"/>
+              </a:rPr>
+              <a:t>Scrum</a:t>
+            </a:r>
+            <a:r>
+              <a:rPr lang="de-DE" sz="2000" dirty="0" smtClean="0">
+                <a:latin typeface="Times New Roman" panose="02020603050405020304" pitchFamily="18" charset="0"/>
+                <a:cs typeface="Times New Roman" panose="02020603050405020304" pitchFamily="18" charset="0"/>
+              </a:rPr>
+              <a:t> Master</a:t>
+            </a:r>
+          </a:p>
+          <a:p>
+            <a:pPr marL="285750" indent="-285750">
+              <a:buFont typeface="Arial" panose="020B0604020202020204" pitchFamily="34" charset="0"/>
+              <a:buChar char="•"/>
+            </a:pPr>
+            <a:endParaRPr lang="de-DE" sz="2000" dirty="0">
+              <a:latin typeface="Times New Roman" panose="02020603050405020304" pitchFamily="18" charset="0"/>
+              <a:cs typeface="Times New Roman" panose="02020603050405020304" pitchFamily="18" charset="0"/>
+            </a:endParaRPr>
+          </a:p>
+          <a:p>
+            <a:pPr marL="285750" indent="-285750">
+              <a:buFont typeface="Arial" panose="020B0604020202020204" pitchFamily="34" charset="0"/>
+              <a:buChar char="•"/>
+            </a:pPr>
+            <a:r>
+              <a:rPr lang="de-DE" sz="2000" dirty="0" smtClean="0">
+                <a:latin typeface="Times New Roman" panose="02020603050405020304" pitchFamily="18" charset="0"/>
+                <a:cs typeface="Times New Roman" panose="02020603050405020304" pitchFamily="18" charset="0"/>
+              </a:rPr>
+              <a:t>Organisation der Treffen </a:t>
+            </a:r>
+          </a:p>
+          <a:p>
+            <a:pPr marL="285750" indent="-285750">
+              <a:buFont typeface="Arial" panose="020B0604020202020204" pitchFamily="34" charset="0"/>
+              <a:buChar char="•"/>
+            </a:pPr>
+            <a:endParaRPr lang="de-DE" sz="2000" dirty="0">
+              <a:latin typeface="Times New Roman" panose="02020603050405020304" pitchFamily="18" charset="0"/>
+              <a:cs typeface="Times New Roman" panose="02020603050405020304" pitchFamily="18" charset="0"/>
+            </a:endParaRPr>
+          </a:p>
+          <a:p>
+            <a:pPr marL="285750" indent="-285750">
+              <a:buFont typeface="Arial" panose="020B0604020202020204" pitchFamily="34" charset="0"/>
+              <a:buChar char="•"/>
+            </a:pPr>
+            <a:r>
+              <a:rPr lang="de-DE" sz="2000" dirty="0" smtClean="0">
+                <a:latin typeface="Times New Roman" panose="02020603050405020304" pitchFamily="18" charset="0"/>
+                <a:cs typeface="Times New Roman" panose="02020603050405020304" pitchFamily="18" charset="0"/>
+              </a:rPr>
+              <a:t>Einarbeitung </a:t>
+            </a:r>
+            <a:r>
+              <a:rPr lang="de-DE" sz="2000" dirty="0" smtClean="0">
+                <a:latin typeface="Times New Roman" panose="02020603050405020304" pitchFamily="18" charset="0"/>
+                <a:cs typeface="Times New Roman" panose="02020603050405020304" pitchFamily="18" charset="0"/>
+              </a:rPr>
+              <a:t>in </a:t>
+            </a:r>
+            <a:r>
+              <a:rPr lang="de-DE" sz="2000" dirty="0" err="1" smtClean="0">
+                <a:latin typeface="Times New Roman" panose="02020603050405020304" pitchFamily="18" charset="0"/>
+                <a:cs typeface="Times New Roman" panose="02020603050405020304" pitchFamily="18" charset="0"/>
+              </a:rPr>
+              <a:t>Vadere</a:t>
+            </a:r>
+            <a:r>
+              <a:rPr lang="de-DE" sz="2000" dirty="0" smtClean="0">
+                <a:latin typeface="Times New Roman" panose="02020603050405020304" pitchFamily="18" charset="0"/>
+                <a:cs typeface="Times New Roman" panose="02020603050405020304" pitchFamily="18" charset="0"/>
+              </a:rPr>
+              <a:t> und damit verbunden erstellen einiger Test Szenarien</a:t>
+            </a:r>
+            <a:endParaRPr lang="de-DE" sz="2000" dirty="0" smtClean="0">
+              <a:latin typeface="Times New Roman" panose="02020603050405020304" pitchFamily="18" charset="0"/>
+              <a:cs typeface="Times New Roman" panose="02020603050405020304" pitchFamily="18" charset="0"/>
+            </a:endParaRPr>
+          </a:p>
+          <a:p>
+            <a:pPr marL="285750" indent="-285750">
+              <a:buFont typeface="Arial" panose="020B0604020202020204" pitchFamily="34" charset="0"/>
+              <a:buChar char="•"/>
+            </a:pPr>
+            <a:endParaRPr lang="de-DE" sz="2000" dirty="0">
+              <a:latin typeface="Times New Roman" panose="02020603050405020304" pitchFamily="18" charset="0"/>
+              <a:cs typeface="Times New Roman" panose="02020603050405020304" pitchFamily="18" charset="0"/>
+            </a:endParaRPr>
+          </a:p>
+          <a:p>
+            <a:pPr marL="285750" indent="-285750">
+              <a:buFont typeface="Arial" panose="020B0604020202020204" pitchFamily="34" charset="0"/>
+              <a:buChar char="•"/>
+            </a:pPr>
+            <a:r>
+              <a:rPr lang="de-DE" sz="2000" dirty="0" smtClean="0">
+                <a:latin typeface="Times New Roman" panose="02020603050405020304" pitchFamily="18" charset="0"/>
+                <a:cs typeface="Times New Roman" panose="02020603050405020304" pitchFamily="18" charset="0"/>
+              </a:rPr>
+              <a:t>Einarbeitung in Python</a:t>
+            </a:r>
+          </a:p>
+          <a:p>
+            <a:pPr marL="285750" indent="-285750">
+              <a:buFont typeface="Arial" panose="020B0604020202020204" pitchFamily="34" charset="0"/>
+              <a:buChar char="•"/>
+            </a:pPr>
+            <a:endParaRPr lang="de-DE" sz="2000" dirty="0">
+              <a:latin typeface="Times New Roman" panose="02020603050405020304" pitchFamily="18" charset="0"/>
+              <a:cs typeface="Times New Roman" panose="02020603050405020304" pitchFamily="18" charset="0"/>
+            </a:endParaRPr>
+          </a:p>
+          <a:p>
+            <a:pPr marL="285750" indent="-285750">
+              <a:buFont typeface="Arial" panose="020B0604020202020204" pitchFamily="34" charset="0"/>
+              <a:buChar char="•"/>
+            </a:pPr>
+            <a:r>
+              <a:rPr lang="de-DE" sz="2000" dirty="0" smtClean="0">
+                <a:latin typeface="Times New Roman" panose="02020603050405020304" pitchFamily="18" charset="0"/>
+                <a:cs typeface="Times New Roman" panose="02020603050405020304" pitchFamily="18" charset="0"/>
+              </a:rPr>
+              <a:t>Programmieren einer Software zum Erstellen der Daten für die Maschinenlerngruppen aus den Trajektorien</a:t>
+            </a:r>
+          </a:p>
+          <a:p>
+            <a:pPr marL="285750" indent="-285750">
+              <a:buFont typeface="Arial" panose="020B0604020202020204" pitchFamily="34" charset="0"/>
+              <a:buChar char="•"/>
+            </a:pPr>
+            <a:endParaRPr lang="de-DE" sz="2000" dirty="0">
+              <a:latin typeface="Times New Roman" panose="02020603050405020304" pitchFamily="18" charset="0"/>
+              <a:cs typeface="Times New Roman" panose="02020603050405020304" pitchFamily="18" charset="0"/>
+            </a:endParaRPr>
+          </a:p>
+          <a:p>
+            <a:pPr marL="285750" indent="-285750">
+              <a:buFont typeface="Arial" panose="020B0604020202020204" pitchFamily="34" charset="0"/>
+              <a:buChar char="•"/>
+            </a:pPr>
+            <a:r>
+              <a:rPr lang="de-DE" sz="2000" dirty="0" smtClean="0">
+                <a:latin typeface="Times New Roman" panose="02020603050405020304" pitchFamily="18" charset="0"/>
+                <a:cs typeface="Times New Roman" panose="02020603050405020304" pitchFamily="18" charset="0"/>
+              </a:rPr>
+              <a:t>Testen der Daten der </a:t>
+            </a:r>
+            <a:r>
+              <a:rPr lang="de-DE" sz="2000" dirty="0" smtClean="0">
+                <a:latin typeface="Times New Roman" panose="02020603050405020304" pitchFamily="18" charset="0"/>
+                <a:cs typeface="Times New Roman" panose="02020603050405020304" pitchFamily="18" charset="0"/>
+              </a:rPr>
+              <a:t>Dichteberechnung (</a:t>
+            </a:r>
+            <a:r>
+              <a:rPr lang="de-DE" sz="2000" dirty="0" err="1" smtClean="0">
+                <a:latin typeface="Times New Roman" panose="02020603050405020304" pitchFamily="18" charset="0"/>
+                <a:cs typeface="Times New Roman" panose="02020603050405020304" pitchFamily="18" charset="0"/>
+              </a:rPr>
+              <a:t>unit</a:t>
+            </a:r>
+            <a:r>
+              <a:rPr lang="de-DE" sz="2000" dirty="0" smtClean="0">
+                <a:latin typeface="Times New Roman" panose="02020603050405020304" pitchFamily="18" charset="0"/>
+                <a:cs typeface="Times New Roman" panose="02020603050405020304" pitchFamily="18" charset="0"/>
+              </a:rPr>
+              <a:t> Tests / Vergleich </a:t>
+            </a:r>
+            <a:r>
+              <a:rPr lang="de-DE" sz="2000" dirty="0" err="1" smtClean="0">
+                <a:latin typeface="Times New Roman" panose="02020603050405020304" pitchFamily="18" charset="0"/>
+                <a:cs typeface="Times New Roman" panose="02020603050405020304" pitchFamily="18" charset="0"/>
+              </a:rPr>
+              <a:t>Vadere</a:t>
+            </a:r>
+            <a:r>
+              <a:rPr lang="de-DE" sz="2000" dirty="0" smtClean="0">
+                <a:latin typeface="Times New Roman" panose="02020603050405020304" pitchFamily="18" charset="0"/>
+                <a:cs typeface="Times New Roman" panose="02020603050405020304" pitchFamily="18" charset="0"/>
+              </a:rPr>
+              <a:t>)</a:t>
+            </a:r>
+            <a:endParaRPr lang="de-DE" sz="2000" dirty="0" smtClean="0">
+              <a:latin typeface="Times New Roman" panose="02020603050405020304" pitchFamily="18" charset="0"/>
+              <a:cs typeface="Times New Roman" panose="02020603050405020304" pitchFamily="18" charset="0"/>
+            </a:endParaRPr>
+          </a:p>
+          <a:p>
+            <a:pPr marL="285750" indent="-285750">
+              <a:buFont typeface="Arial" panose="020B0604020202020204" pitchFamily="34" charset="0"/>
+              <a:buChar char="•"/>
+            </a:pPr>
+            <a:endParaRPr lang="de-DE" sz="2000" dirty="0">
+              <a:latin typeface="Times New Roman" panose="02020603050405020304" pitchFamily="18" charset="0"/>
+              <a:cs typeface="Times New Roman" panose="02020603050405020304" pitchFamily="18" charset="0"/>
+            </a:endParaRPr>
+          </a:p>
+          <a:p>
+            <a:pPr marL="285750" indent="-285750">
+              <a:buFont typeface="Arial" panose="020B0604020202020204" pitchFamily="34" charset="0"/>
+              <a:buChar char="•"/>
+            </a:pPr>
+            <a:r>
+              <a:rPr lang="de-DE" sz="2000" dirty="0" smtClean="0">
+                <a:latin typeface="Times New Roman" panose="02020603050405020304" pitchFamily="18" charset="0"/>
+                <a:cs typeface="Times New Roman" panose="02020603050405020304" pitchFamily="18" charset="0"/>
+              </a:rPr>
+              <a:t>Automatisierung der Simulation</a:t>
+            </a:r>
+            <a:endParaRPr lang="de-DE" sz="2000" dirty="0">
+              <a:latin typeface="Times New Roman" panose="02020603050405020304" pitchFamily="18" charset="0"/>
+              <a:cs typeface="Times New Roman" panose="02020603050405020304" pitchFamily="18" charset="0"/>
             </a:endParaRPr>
           </a:p>
         </p:txBody>
@@ -11931,13 +12547,23 @@
     </p:spTree>
     <p:extLst>
       <p:ext uri="{BB962C8B-B14F-4D97-AF65-F5344CB8AC3E}">
-        <p14:creationId xmlns:p14="http://schemas.microsoft.com/office/powerpoint/2010/main" val="2241856939"/>
+        <p14:creationId xmlns:p14="http://schemas.microsoft.com/office/powerpoint/2010/main" val="1305712072"/>
       </p:ext>
     </p:extLst>
   </p:cSld>
   <p:clrMapOvr>
     <a:masterClrMapping/>
   </p:clrMapOvr>
+  <p:transition spd="slow">
+    <p:push dir="u"/>
+  </p:transition>
+  <p:timing>
+    <p:tnLst>
+      <p:par>
+        <p:cTn id="1" dur="indefinite" restart="never" nodeType="tmRoot"/>
+      </p:par>
+    </p:tnLst>
+  </p:timing>
 </p:sld>
 </file>
 
@@ -11976,22 +12602,22 @@
         </p:spPr>
         <p:txBody>
           <a:bodyPr>
-            <a:normAutofit fontScale="90000"/>
+            <a:normAutofit/>
           </a:bodyPr>
           <a:lstStyle/>
           <a:p>
             <a:pPr algn="l"/>
             <a:r>
-              <a:rPr lang="de-DE" sz="5500" dirty="0" smtClean="0">
+              <a:rPr lang="de-DE" sz="5000" dirty="0" smtClean="0">
                 <a:solidFill>
                   <a:schemeClr val="tx1"/>
                 </a:solidFill>
                 <a:latin typeface="Times New Roman" panose="02020603050405020304" pitchFamily="18" charset="0"/>
                 <a:cs typeface="Times New Roman" panose="02020603050405020304" pitchFamily="18" charset="0"/>
               </a:rPr>
-              <a:t>Meine Rolle während des Sprints</a:t>
-            </a:r>
-            <a:endParaRPr lang="de-DE" sz="5500" dirty="0">
+              <a:t>Meine Schwierigkeiten</a:t>
+            </a:r>
+            <a:endParaRPr lang="de-DE" sz="5000" dirty="0">
               <a:solidFill>
                 <a:schemeClr val="tx1"/>
               </a:solidFill>
@@ -12009,8 +12635,8 @@
         </p:nvSpPr>
         <p:spPr>
           <a:xfrm>
-            <a:off x="1524000" y="1823785"/>
-            <a:ext cx="9144000" cy="4708981"/>
+            <a:off x="1524000" y="1837232"/>
+            <a:ext cx="9144000" cy="2246769"/>
           </a:xfrm>
           <a:prstGeom prst="rect">
             <a:avLst/>
@@ -12032,14 +12658,21 @@
                 <a:latin typeface="Times New Roman" panose="02020603050405020304" pitchFamily="18" charset="0"/>
                 <a:cs typeface="Times New Roman" panose="02020603050405020304" pitchFamily="18" charset="0"/>
               </a:rPr>
-              <a:t>Scrum</a:t>
+              <a:t>Vadere</a:t>
             </a:r>
             <a:r>
               <a:rPr lang="de-DE" sz="2000" dirty="0" smtClean="0">
                 <a:latin typeface="Times New Roman" panose="02020603050405020304" pitchFamily="18" charset="0"/>
                 <a:cs typeface="Times New Roman" panose="02020603050405020304" pitchFamily="18" charset="0"/>
               </a:rPr>
-              <a:t> Master</a:t>
+              <a:t>: Probleme beim bei der </a:t>
+            </a:r>
+            <a:r>
+              <a:rPr lang="de-DE" sz="2000" dirty="0" smtClean="0">
+                <a:latin typeface="Times New Roman" panose="02020603050405020304" pitchFamily="18" charset="0"/>
+                <a:cs typeface="Times New Roman" panose="02020603050405020304" pitchFamily="18" charset="0"/>
+              </a:rPr>
+              <a:t>Simulation (Instabil)</a:t>
             </a:r>
           </a:p>
           <a:p>
@@ -12062,30 +12695,7 @@
                 <a:latin typeface="Times New Roman" panose="02020603050405020304" pitchFamily="18" charset="0"/>
                 <a:cs typeface="Times New Roman" panose="02020603050405020304" pitchFamily="18" charset="0"/>
               </a:rPr>
-              <a:t>Organisation der Treffen </a:t>
-            </a:r>
-          </a:p>
-          <a:p>
-            <a:pPr marL="285750" indent="-285750">
-              <a:buFont typeface="Arial" panose="020B0604020202020204" pitchFamily="34" charset="0"/>
-              <a:buChar char="•"/>
-            </a:pPr>
-            <a:endParaRPr lang="de-DE" sz="2000" dirty="0">
-              <a:latin typeface="Times New Roman" panose="02020603050405020304" pitchFamily="18" charset="0"/>
-              <a:cs typeface="Times New Roman" panose="02020603050405020304" pitchFamily="18" charset="0"/>
-            </a:endParaRPr>
-          </a:p>
-          <a:p>
-            <a:pPr marL="285750" indent="-285750">
-              <a:buFont typeface="Arial" panose="020B0604020202020204" pitchFamily="34" charset="0"/>
-              <a:buChar char="•"/>
-            </a:pPr>
-            <a:r>
-              <a:rPr lang="de-DE" sz="2000" dirty="0" smtClean="0">
-                <a:latin typeface="Times New Roman" panose="02020603050405020304" pitchFamily="18" charset="0"/>
-                <a:cs typeface="Times New Roman" panose="02020603050405020304" pitchFamily="18" charset="0"/>
-              </a:rPr>
-              <a:t>Modellieren und simulieren von Szenarien und damit verbunden Einarbeitung in </a:t>
+              <a:t>Einarbeitung in </a:t>
             </a:r>
             <a:r>
               <a:rPr lang="de-DE" sz="2000" dirty="0" err="1" smtClean="0">
@@ -12094,6 +12704,43 @@
               </a:rPr>
               <a:t>Vadere</a:t>
             </a:r>
+            <a:r>
+              <a:rPr lang="de-DE" sz="2000" dirty="0" smtClean="0">
+                <a:latin typeface="Times New Roman" panose="02020603050405020304" pitchFamily="18" charset="0"/>
+                <a:cs typeface="Times New Roman" panose="02020603050405020304" pitchFamily="18" charset="0"/>
+              </a:rPr>
+              <a:t>/Python ist zeitaufwendig</a:t>
+            </a:r>
+          </a:p>
+          <a:p>
+            <a:pPr marL="285750" indent="-285750">
+              <a:buFont typeface="Arial" panose="020B0604020202020204" pitchFamily="34" charset="0"/>
+              <a:buChar char="•"/>
+            </a:pPr>
+            <a:endParaRPr lang="de-DE" sz="2000" dirty="0">
+              <a:latin typeface="Times New Roman" panose="02020603050405020304" pitchFamily="18" charset="0"/>
+              <a:cs typeface="Times New Roman" panose="02020603050405020304" pitchFamily="18" charset="0"/>
+            </a:endParaRPr>
+          </a:p>
+          <a:p>
+            <a:pPr marL="268288" indent="-268288">
+              <a:buFont typeface="Arial" panose="020B0604020202020204" pitchFamily="34" charset="0"/>
+              <a:buChar char="•"/>
+            </a:pPr>
+            <a:r>
+              <a:rPr lang="de-DE" sz="2000" dirty="0" smtClean="0">
+                <a:latin typeface="Times New Roman" panose="02020603050405020304" pitchFamily="18" charset="0"/>
+                <a:cs typeface="Times New Roman" panose="02020603050405020304" pitchFamily="18" charset="0"/>
+              </a:rPr>
+              <a:t>Automatisierung: Starten der Simulation von außerhalb </a:t>
+            </a:r>
+            <a:r>
+              <a:rPr lang="de-DE" sz="2000" dirty="0" err="1" smtClean="0">
+                <a:latin typeface="Times New Roman" panose="02020603050405020304" pitchFamily="18" charset="0"/>
+                <a:cs typeface="Times New Roman" panose="02020603050405020304" pitchFamily="18" charset="0"/>
+              </a:rPr>
+              <a:t>Vaderes</a:t>
+            </a:r>
             <a:endParaRPr lang="de-DE" sz="2000" dirty="0" smtClean="0">
               <a:latin typeface="Times New Roman" panose="02020603050405020304" pitchFamily="18" charset="0"/>
               <a:cs typeface="Times New Roman" panose="02020603050405020304" pitchFamily="18" charset="0"/>
@@ -12114,100 +12761,17 @@
               <a:buFont typeface="Arial" panose="020B0604020202020204" pitchFamily="34" charset="0"/>
               <a:buChar char="•"/>
             </a:pPr>
-            <a:r>
-              <a:rPr lang="de-DE" sz="2000" dirty="0" smtClean="0">
-                <a:latin typeface="Times New Roman" panose="02020603050405020304" pitchFamily="18" charset="0"/>
-                <a:cs typeface="Times New Roman" panose="02020603050405020304" pitchFamily="18" charset="0"/>
-              </a:rPr>
-              <a:t>Einarbeitung in Python</a:t>
-            </a:r>
-          </a:p>
-          <a:p>
-            <a:pPr marL="285750" indent="-285750">
-              <a:buFont typeface="Arial" panose="020B0604020202020204" pitchFamily="34" charset="0"/>
-              <a:buChar char="•"/>
-            </a:pPr>
             <a:endParaRPr lang="de-DE" sz="2000" dirty="0">
               <a:latin typeface="Times New Roman" panose="02020603050405020304" pitchFamily="18" charset="0"/>
               <a:cs typeface="Times New Roman" panose="02020603050405020304" pitchFamily="18" charset="0"/>
             </a:endParaRPr>
           </a:p>
-          <a:p>
-            <a:pPr marL="285750" indent="-285750">
-              <a:buFont typeface="Arial" panose="020B0604020202020204" pitchFamily="34" charset="0"/>
-              <a:buChar char="•"/>
-            </a:pPr>
-            <a:r>
-              <a:rPr lang="de-DE" sz="2000" dirty="0" smtClean="0">
-                <a:latin typeface="Times New Roman" panose="02020603050405020304" pitchFamily="18" charset="0"/>
-                <a:cs typeface="Times New Roman" panose="02020603050405020304" pitchFamily="18" charset="0"/>
-              </a:rPr>
-              <a:t>Programmieren einer Software zum Erstellen der Daten für die Maschinenlerngruppen aus den Trajektorien</a:t>
-            </a:r>
-          </a:p>
-          <a:p>
-            <a:pPr marL="285750" indent="-285750">
-              <a:buFont typeface="Arial" panose="020B0604020202020204" pitchFamily="34" charset="0"/>
-              <a:buChar char="•"/>
-            </a:pPr>
-            <a:endParaRPr lang="de-DE" sz="2000" dirty="0">
-              <a:latin typeface="Times New Roman" panose="02020603050405020304" pitchFamily="18" charset="0"/>
-              <a:cs typeface="Times New Roman" panose="02020603050405020304" pitchFamily="18" charset="0"/>
-            </a:endParaRPr>
-          </a:p>
-          <a:p>
-            <a:pPr marL="285750" indent="-285750">
-              <a:buFont typeface="Arial" panose="020B0604020202020204" pitchFamily="34" charset="0"/>
-              <a:buChar char="•"/>
-            </a:pPr>
-            <a:r>
-              <a:rPr lang="de-DE" sz="2000" dirty="0" smtClean="0">
-                <a:latin typeface="Times New Roman" panose="02020603050405020304" pitchFamily="18" charset="0"/>
-                <a:cs typeface="Times New Roman" panose="02020603050405020304" pitchFamily="18" charset="0"/>
-              </a:rPr>
-              <a:t>Testen der Daten der Dichteberechnung</a:t>
-            </a:r>
-          </a:p>
-          <a:p>
-            <a:pPr marL="285750" indent="-285750">
-              <a:buFont typeface="Arial" panose="020B0604020202020204" pitchFamily="34" charset="0"/>
-              <a:buChar char="•"/>
-            </a:pPr>
-            <a:endParaRPr lang="de-DE" sz="2000" dirty="0">
-              <a:latin typeface="Times New Roman" panose="02020603050405020304" pitchFamily="18" charset="0"/>
-              <a:cs typeface="Times New Roman" panose="02020603050405020304" pitchFamily="18" charset="0"/>
-            </a:endParaRPr>
-          </a:p>
-          <a:p>
-            <a:pPr marL="285750" indent="-285750">
-              <a:buFont typeface="Arial" panose="020B0604020202020204" pitchFamily="34" charset="0"/>
-              <a:buChar char="•"/>
-            </a:pPr>
-            <a:r>
-              <a:rPr lang="de-DE" sz="2000" dirty="0" smtClean="0">
-                <a:latin typeface="Times New Roman" panose="02020603050405020304" pitchFamily="18" charset="0"/>
-                <a:cs typeface="Times New Roman" panose="02020603050405020304" pitchFamily="18" charset="0"/>
-              </a:rPr>
-              <a:t>Automatisierung der </a:t>
-            </a:r>
-            <a:r>
-              <a:rPr lang="de-DE" sz="2000" dirty="0" smtClean="0">
-                <a:latin typeface="Times New Roman" panose="02020603050405020304" pitchFamily="18" charset="0"/>
-                <a:cs typeface="Times New Roman" panose="02020603050405020304" pitchFamily="18" charset="0"/>
-              </a:rPr>
-              <a:t>Simulation</a:t>
-            </a:r>
-            <a:endParaRPr lang="de-DE" sz="2000" dirty="0">
-              <a:latin typeface="Times New Roman" panose="02020603050405020304" pitchFamily="18" charset="0"/>
-              <a:cs typeface="Times New Roman" panose="02020603050405020304" pitchFamily="18" charset="0"/>
-            </a:endParaRPr>
-          </a:p>
         </p:txBody>
       </p:sp>
     </p:spTree>
     <p:extLst>
       <p:ext uri="{BB962C8B-B14F-4D97-AF65-F5344CB8AC3E}">
-        <p14:creationId xmlns:p14="http://schemas.microsoft.com/office/powerpoint/2010/main" val="1305712072"/>
+        <p14:creationId xmlns:p14="http://schemas.microsoft.com/office/powerpoint/2010/main" val="2417586414"/>
       </p:ext>
     </p:extLst>
   </p:cSld>
@@ -12246,166 +12810,209 @@
       </p:grpSpPr>
       <p:sp>
         <p:nvSpPr>
-          <p:cNvPr id="2" name="Titel 1"/>
-          <p:cNvSpPr>
-            <a:spLocks noGrp="1"/>
-          </p:cNvSpPr>
-          <p:nvPr>
-            <p:ph type="ctrTitle"/>
-          </p:nvPr>
-        </p:nvSpPr>
-        <p:spPr>
-          <a:xfrm>
-            <a:off x="1524000" y="611376"/>
-            <a:ext cx="9144000" cy="1029166"/>
-          </a:xfrm>
-        </p:spPr>
+          <p:cNvPr id="2" name="Title 6">
+            <a:extLst>
+              <a:ext uri="{FF2B5EF4-FFF2-40B4-BE49-F238E27FC236}">
+                <a16:creationId xmlns="" xmlns:a16="http://schemas.microsoft.com/office/drawing/2014/main" id="{04F78A0C-BF40-4E0B-9FA4-AAAA57E3C4EF}"/>
+              </a:ext>
+            </a:extLst>
+          </p:cNvPr>
+          <p:cNvSpPr txBox="1">
+            <a:spLocks noGrp="1"/>
+          </p:cNvSpPr>
+          <p:nvPr>
+            <p:ph type="title"/>
+          </p:nvPr>
+        </p:nvSpPr>
+        <p:spPr/>
         <p:txBody>
           <a:bodyPr>
             <a:normAutofit/>
           </a:bodyPr>
           <a:lstStyle/>
           <a:p>
-            <a:pPr algn="l"/>
-            <a:r>
-              <a:rPr lang="de-DE" sz="5000" dirty="0" smtClean="0">
+            <a:pPr lvl="0" algn="ctr"/>
+            <a:r>
+              <a:rPr lang="de-DE" sz="6600" dirty="0"/>
+              <a:t>17 % =</a:t>
+            </a:r>
+            <a:endParaRPr lang="en-GB" sz="2800" dirty="0"/>
+          </a:p>
+        </p:txBody>
+      </p:sp>
+      <p:sp>
+        <p:nvSpPr>
+          <p:cNvPr id="3" name="Content Placeholder 7">
+            <a:extLst>
+              <a:ext uri="{FF2B5EF4-FFF2-40B4-BE49-F238E27FC236}">
+                <a16:creationId xmlns="" xmlns:a16="http://schemas.microsoft.com/office/drawing/2014/main" id="{3A52400E-A01D-4CCF-8280-EBE32B011F8E}"/>
+              </a:ext>
+            </a:extLst>
+          </p:cNvPr>
+          <p:cNvSpPr txBox="1">
+            <a:spLocks noGrp="1"/>
+          </p:cNvSpPr>
+          <p:nvPr>
+            <p:ph idx="1"/>
+          </p:nvPr>
+        </p:nvSpPr>
+        <p:spPr/>
+        <p:txBody>
+          <a:bodyPr>
+            <a:normAutofit fontScale="85000" lnSpcReduction="20000"/>
+          </a:bodyPr>
+          <a:lstStyle/>
+          <a:p>
+            <a:pPr marL="0" lvl="0" indent="0">
+              <a:lnSpc>
+                <a:spcPct val="200000"/>
+              </a:lnSpc>
+              <a:buNone/>
+            </a:pPr>
+            <a:r>
+              <a:rPr lang="de-DE" sz="2800" dirty="0"/>
+              <a:t>Selbsteinschätzung:</a:t>
+            </a:r>
+          </a:p>
+          <a:p>
+            <a:pPr lvl="0"/>
+            <a:r>
+              <a:rPr lang="de-DE" b="1" dirty="0"/>
+              <a:t>Einarbeitung in die Simulationssoftware Vadere </a:t>
+            </a:r>
+            <a:r>
+              <a:rPr lang="de-DE" b="1" dirty="0">
                 <a:solidFill>
-                  <a:schemeClr val="tx1"/>
+                  <a:srgbClr val="00B0F0"/>
                 </a:solidFill>
-                <a:latin typeface="Times New Roman" panose="02020603050405020304" pitchFamily="18" charset="0"/>
-                <a:cs typeface="Times New Roman" panose="02020603050405020304" pitchFamily="18" charset="0"/>
               </a:rPr>
-              <a:t>Meine Schwierigkeiten</a:t>
-            </a:r>
-            <a:endParaRPr lang="de-DE" sz="5000" dirty="0">
-              <a:solidFill>
-                <a:schemeClr val="tx1"/>
-              </a:solidFill>
-              <a:latin typeface="Times New Roman" panose="02020603050405020304" pitchFamily="18" charset="0"/>
-              <a:cs typeface="Times New Roman" panose="02020603050405020304" pitchFamily="18" charset="0"/>
-            </a:endParaRPr>
-          </a:p>
-        </p:txBody>
-      </p:sp>
-      <p:sp>
-        <p:nvSpPr>
-          <p:cNvPr id="4" name="Textfeld 3"/>
-          <p:cNvSpPr txBox="1"/>
-          <p:nvPr/>
-        </p:nvSpPr>
-        <p:spPr>
-          <a:xfrm>
-            <a:off x="1524000" y="1837232"/>
-            <a:ext cx="9144000" cy="1938992"/>
-          </a:xfrm>
-          <a:prstGeom prst="rect">
-            <a:avLst/>
-          </a:prstGeom>
-          <a:noFill/>
-        </p:spPr>
-        <p:txBody>
-          <a:bodyPr wrap="square" rtlCol="0">
-            <a:spAutoFit/>
-          </a:bodyPr>
-          <a:lstStyle/>
-          <a:p>
-            <a:pPr marL="285750" indent="-285750">
-              <a:buFont typeface="Arial" panose="020B0604020202020204" pitchFamily="34" charset="0"/>
-              <a:buChar char="•"/>
-            </a:pPr>
-            <a:r>
-              <a:rPr lang="de-DE" sz="2000" dirty="0" err="1" smtClean="0">
-                <a:latin typeface="Times New Roman" panose="02020603050405020304" pitchFamily="18" charset="0"/>
-                <a:cs typeface="Times New Roman" panose="02020603050405020304" pitchFamily="18" charset="0"/>
+              <a:t>6%</a:t>
+            </a:r>
+          </a:p>
+          <a:p>
+            <a:pPr lvl="0"/>
+            <a:r>
+              <a:rPr lang="de-DE" b="1" dirty="0"/>
+              <a:t>Generierung der Test Szenarios </a:t>
+            </a:r>
+            <a:r>
+              <a:rPr lang="de-DE" b="1" dirty="0">
+                <a:solidFill>
+                  <a:srgbClr val="00B0F0"/>
+                </a:solidFill>
               </a:rPr>
-              <a:t>Vadere</a:t>
-            </a:r>
-            <a:r>
-              <a:rPr lang="de-DE" sz="2000" dirty="0" smtClean="0">
-                <a:latin typeface="Times New Roman" panose="02020603050405020304" pitchFamily="18" charset="0"/>
-                <a:cs typeface="Times New Roman" panose="02020603050405020304" pitchFamily="18" charset="0"/>
+              <a:t>10%</a:t>
+            </a:r>
+          </a:p>
+          <a:p>
+            <a:pPr lvl="0"/>
+            <a:r>
+              <a:rPr lang="de-DE" b="1" dirty="0"/>
+              <a:t>Automatisierung von Simulationsdurchläufen </a:t>
+            </a:r>
+            <a:r>
+              <a:rPr lang="de-DE" b="1" dirty="0">
+                <a:solidFill>
+                  <a:srgbClr val="00B0F0"/>
+                </a:solidFill>
               </a:rPr>
-              <a:t>: Probleme beim bei der Simulation (Daten in </a:t>
-            </a:r>
-            <a:r>
-              <a:rPr lang="de-DE" sz="2000" dirty="0" err="1" smtClean="0">
-                <a:latin typeface="Times New Roman" panose="02020603050405020304" pitchFamily="18" charset="0"/>
-                <a:cs typeface="Times New Roman" panose="02020603050405020304" pitchFamily="18" charset="0"/>
+              <a:t>25%</a:t>
+            </a:r>
+          </a:p>
+          <a:p>
+            <a:pPr lvl="0"/>
+            <a:r>
+              <a:rPr lang="de-DE" b="1" dirty="0"/>
+              <a:t>Erstellen eines Datenformats für Trajektorien </a:t>
+            </a:r>
+            <a:r>
+              <a:rPr lang="de-DE" b="1" dirty="0">
+                <a:solidFill>
+                  <a:srgbClr val="00B0F0"/>
+                </a:solidFill>
               </a:rPr>
-              <a:t>corrupt_folder</a:t>
-            </a:r>
-            <a:r>
-              <a:rPr lang="de-DE" sz="2000" dirty="0" smtClean="0">
-                <a:latin typeface="Times New Roman" panose="02020603050405020304" pitchFamily="18" charset="0"/>
-                <a:cs typeface="Times New Roman" panose="02020603050405020304" pitchFamily="18" charset="0"/>
+              <a:t>20%</a:t>
+            </a:r>
+          </a:p>
+          <a:p>
+            <a:pPr lvl="0"/>
+            <a:r>
+              <a:rPr lang="de-DE" dirty="0"/>
+              <a:t>Literatur Recherche Bildfilter </a:t>
+            </a:r>
+            <a:r>
+              <a:rPr lang="de-DE" dirty="0">
+                <a:solidFill>
+                  <a:srgbClr val="00B0F0"/>
+                </a:solidFill>
               </a:rPr>
-              <a:t> verschoben, Aufnahme der Simulation unterscheidet sich vom Ablauf der Simulation)</a:t>
-            </a:r>
-            <a:endParaRPr lang="de-DE" sz="2000" dirty="0" smtClean="0">
-              <a:latin typeface="Times New Roman" panose="02020603050405020304" pitchFamily="18" charset="0"/>
-              <a:cs typeface="Times New Roman" panose="02020603050405020304" pitchFamily="18" charset="0"/>
-            </a:endParaRPr>
-          </a:p>
-          <a:p>
-            <a:pPr marL="285750" indent="-285750">
-              <a:buFont typeface="Arial" panose="020B0604020202020204" pitchFamily="34" charset="0"/>
-              <a:buChar char="•"/>
-            </a:pPr>
-            <a:endParaRPr lang="de-DE" sz="2000" dirty="0">
-              <a:latin typeface="Times New Roman" panose="02020603050405020304" pitchFamily="18" charset="0"/>
-              <a:cs typeface="Times New Roman" panose="02020603050405020304" pitchFamily="18" charset="0"/>
-            </a:endParaRPr>
-          </a:p>
-          <a:p>
-            <a:pPr marL="268288" indent="-268288">
-              <a:buFont typeface="Arial" panose="020B0604020202020204" pitchFamily="34" charset="0"/>
-              <a:buChar char="•"/>
-            </a:pPr>
-            <a:r>
-              <a:rPr lang="de-DE" sz="2000" dirty="0" smtClean="0">
-                <a:latin typeface="Times New Roman" panose="02020603050405020304" pitchFamily="18" charset="0"/>
-                <a:cs typeface="Times New Roman" panose="02020603050405020304" pitchFamily="18" charset="0"/>
+              <a:t>4%</a:t>
+            </a:r>
+          </a:p>
+          <a:p>
+            <a:pPr lvl="0"/>
+            <a:r>
+              <a:rPr lang="de-DE" b="1" dirty="0" smtClean="0"/>
+              <a:t>Personendichte </a:t>
+            </a:r>
+            <a:r>
+              <a:rPr lang="de-DE" b="1" dirty="0">
+                <a:solidFill>
+                  <a:srgbClr val="00B0F0"/>
+                </a:solidFill>
               </a:rPr>
-              <a:t>Automatisierung: Starten der Simulation von außerhalb </a:t>
-            </a:r>
-            <a:r>
-              <a:rPr lang="de-DE" sz="2000" dirty="0" err="1" smtClean="0">
-                <a:latin typeface="Times New Roman" panose="02020603050405020304" pitchFamily="18" charset="0"/>
-                <a:cs typeface="Times New Roman" panose="02020603050405020304" pitchFamily="18" charset="0"/>
+              <a:t>30%</a:t>
+            </a:r>
+          </a:p>
+          <a:p>
+            <a:pPr lvl="1"/>
+            <a:r>
+              <a:rPr lang="de-DE" dirty="0"/>
+              <a:t>Variante 1: Auslesung der Personendichte aus Vadere</a:t>
+            </a:r>
+          </a:p>
+          <a:p>
+            <a:pPr lvl="1"/>
+            <a:r>
+              <a:rPr lang="de-DE" dirty="0"/>
+              <a:t>Variante 2: Berechnung der Persoendichte aus Trajektorien</a:t>
+            </a:r>
+          </a:p>
+          <a:p>
+            <a:pPr lvl="1"/>
+            <a:r>
+              <a:rPr lang="de-DE" b="1" dirty="0"/>
+              <a:t>Testen der Ergebnisse</a:t>
+            </a:r>
+          </a:p>
+          <a:p>
+            <a:r>
+              <a:rPr lang="de-DE" b="1" dirty="0" err="1"/>
+              <a:t>Scrum</a:t>
+            </a:r>
+            <a:r>
+              <a:rPr lang="de-DE" b="1" dirty="0"/>
+              <a:t> Master</a:t>
+            </a:r>
+            <a:r>
+              <a:rPr lang="de-DE" dirty="0"/>
+              <a:t> </a:t>
+            </a:r>
+            <a:r>
+              <a:rPr lang="de-DE" b="1" dirty="0">
+                <a:solidFill>
+                  <a:srgbClr val="00B0F0"/>
+                </a:solidFill>
               </a:rPr>
-              <a:t>Vaderes</a:t>
-            </a:r>
-            <a:endParaRPr lang="de-DE" sz="2000" dirty="0" smtClean="0">
-              <a:latin typeface="Times New Roman" panose="02020603050405020304" pitchFamily="18" charset="0"/>
-              <a:cs typeface="Times New Roman" panose="02020603050405020304" pitchFamily="18" charset="0"/>
-            </a:endParaRPr>
-          </a:p>
-          <a:p>
-            <a:pPr marL="285750" indent="-285750">
-              <a:buFont typeface="Arial" panose="020B0604020202020204" pitchFamily="34" charset="0"/>
-              <a:buChar char="•"/>
-            </a:pPr>
-            <a:endParaRPr lang="de-DE" sz="2000" dirty="0">
-              <a:latin typeface="Times New Roman" panose="02020603050405020304" pitchFamily="18" charset="0"/>
-              <a:cs typeface="Times New Roman" panose="02020603050405020304" pitchFamily="18" charset="0"/>
-            </a:endParaRPr>
-          </a:p>
-          <a:p>
-            <a:pPr marL="285750" indent="-285750">
-              <a:buFont typeface="Arial" panose="020B0604020202020204" pitchFamily="34" charset="0"/>
-              <a:buChar char="•"/>
-            </a:pPr>
-            <a:endParaRPr lang="de-DE" sz="2000" dirty="0">
-              <a:latin typeface="Times New Roman" panose="02020603050405020304" pitchFamily="18" charset="0"/>
-              <a:cs typeface="Times New Roman" panose="02020603050405020304" pitchFamily="18" charset="0"/>
-            </a:endParaRPr>
+              <a:t>5%</a:t>
+            </a:r>
           </a:p>
         </p:txBody>
       </p:sp>
     </p:spTree>
     <p:extLst>
       <p:ext uri="{BB962C8B-B14F-4D97-AF65-F5344CB8AC3E}">
-        <p14:creationId xmlns:p14="http://schemas.microsoft.com/office/powerpoint/2010/main" val="2417586414"/>
+        <p14:creationId xmlns:p14="http://schemas.microsoft.com/office/powerpoint/2010/main" val="74454998"/>
       </p:ext>
     </p:extLst>
   </p:cSld>
@@ -12422,237 +13029,6 @@
       </p:par>
     </p:tnLst>
   </p:timing>
-</p:sld>
-</file>
-
-<file path=ppt/slides/slide45.xml><?xml version="1.0" encoding="utf-8"?>
-<p:sld xmlns:a="http://schemas.openxmlformats.org/drawingml/2006/main" xmlns:r="http://schemas.openxmlformats.org/officeDocument/2006/relationships" xmlns:p="http://schemas.openxmlformats.org/presentationml/2006/main">
-  <p:cSld>
-    <p:spTree>
-      <p:nvGrpSpPr>
-        <p:cNvPr id="1" name=""/>
-        <p:cNvGrpSpPr/>
-        <p:nvPr/>
-      </p:nvGrpSpPr>
-      <p:grpSpPr>
-        <a:xfrm>
-          <a:off x="0" y="0"/>
-          <a:ext cx="0" cy="0"/>
-          <a:chOff x="0" y="0"/>
-          <a:chExt cx="0" cy="0"/>
-        </a:xfrm>
-      </p:grpSpPr>
-      <p:sp>
-        <p:nvSpPr>
-          <p:cNvPr id="2" name="Title 6">
-            <a:extLst>
-              <a:ext uri="{FF2B5EF4-FFF2-40B4-BE49-F238E27FC236}">
-                <a16:creationId xmlns:a16="http://schemas.microsoft.com/office/drawing/2014/main" xmlns="" id="{04F78A0C-BF40-4E0B-9FA4-AAAA57E3C4EF}"/>
-              </a:ext>
-            </a:extLst>
-          </p:cNvPr>
-          <p:cNvSpPr txBox="1">
-            <a:spLocks noGrp="1"/>
-          </p:cNvSpPr>
-          <p:nvPr>
-            <p:ph type="title"/>
-          </p:nvPr>
-        </p:nvSpPr>
-        <p:spPr/>
-        <p:txBody>
-          <a:bodyPr>
-            <a:normAutofit/>
-          </a:bodyPr>
-          <a:lstStyle/>
-          <a:p>
-            <a:pPr lvl="0" algn="ctr"/>
-            <a:r>
-              <a:rPr lang="de-DE" sz="6600" dirty="0"/>
-              <a:t>17 % =</a:t>
-            </a:r>
-            <a:endParaRPr lang="en-GB" sz="2800" dirty="0"/>
-          </a:p>
-        </p:txBody>
-      </p:sp>
-      <p:sp>
-        <p:nvSpPr>
-          <p:cNvPr id="3" name="Content Placeholder 7">
-            <a:extLst>
-              <a:ext uri="{FF2B5EF4-FFF2-40B4-BE49-F238E27FC236}">
-                <a16:creationId xmlns:a16="http://schemas.microsoft.com/office/drawing/2014/main" xmlns="" id="{3A52400E-A01D-4CCF-8280-EBE32B011F8E}"/>
-              </a:ext>
-            </a:extLst>
-          </p:cNvPr>
-          <p:cNvSpPr txBox="1">
-            <a:spLocks noGrp="1"/>
-          </p:cNvSpPr>
-          <p:nvPr>
-            <p:ph idx="1"/>
-          </p:nvPr>
-        </p:nvSpPr>
-        <p:spPr/>
-        <p:txBody>
-          <a:bodyPr>
-            <a:normAutofit fontScale="85000" lnSpcReduction="20000"/>
-          </a:bodyPr>
-          <a:lstStyle/>
-          <a:p>
-            <a:pPr marL="0" lvl="0" indent="0">
-              <a:lnSpc>
-                <a:spcPct val="200000"/>
-              </a:lnSpc>
-              <a:buNone/>
-            </a:pPr>
-            <a:r>
-              <a:rPr lang="de-DE" sz="2800" dirty="0"/>
-              <a:t>Selbsteinschätzung:</a:t>
-            </a:r>
-          </a:p>
-          <a:p>
-            <a:pPr lvl="0"/>
-            <a:r>
-              <a:rPr lang="de-DE" b="1" dirty="0"/>
-              <a:t>Einarbeitung in die Simulationssoftware Vadere </a:t>
-            </a:r>
-            <a:r>
-              <a:rPr lang="de-DE" b="1" dirty="0">
-                <a:solidFill>
-                  <a:srgbClr val="00B0F0"/>
-                </a:solidFill>
-              </a:rPr>
-              <a:t>6%</a:t>
-            </a:r>
-          </a:p>
-          <a:p>
-            <a:pPr lvl="0"/>
-            <a:r>
-              <a:rPr lang="de-DE" b="1" dirty="0"/>
-              <a:t>Generierung der Test Szenarios </a:t>
-            </a:r>
-            <a:r>
-              <a:rPr lang="de-DE" b="1" dirty="0">
-                <a:solidFill>
-                  <a:srgbClr val="00B0F0"/>
-                </a:solidFill>
-              </a:rPr>
-              <a:t>10%</a:t>
-            </a:r>
-          </a:p>
-          <a:p>
-            <a:pPr lvl="0"/>
-            <a:r>
-              <a:rPr lang="de-DE" b="1" dirty="0"/>
-              <a:t>Automatisierung von Simulationsdurchläufen </a:t>
-            </a:r>
-            <a:r>
-              <a:rPr lang="de-DE" b="1" dirty="0">
-                <a:solidFill>
-                  <a:srgbClr val="00B0F0"/>
-                </a:solidFill>
-              </a:rPr>
-              <a:t>25%</a:t>
-            </a:r>
-          </a:p>
-          <a:p>
-            <a:pPr lvl="0"/>
-            <a:r>
-              <a:rPr lang="de-DE" b="1" dirty="0"/>
-              <a:t>Erstellen eines Datenformats für Trajektorien </a:t>
-            </a:r>
-            <a:r>
-              <a:rPr lang="de-DE" b="1" dirty="0">
-                <a:solidFill>
-                  <a:srgbClr val="00B0F0"/>
-                </a:solidFill>
-              </a:rPr>
-              <a:t>20%</a:t>
-            </a:r>
-          </a:p>
-          <a:p>
-            <a:pPr lvl="0"/>
-            <a:r>
-              <a:rPr lang="de-DE" dirty="0"/>
-              <a:t>Literatur Recherche Bildfilter </a:t>
-            </a:r>
-            <a:r>
-              <a:rPr lang="de-DE" dirty="0">
-                <a:solidFill>
-                  <a:srgbClr val="00B0F0"/>
-                </a:solidFill>
-              </a:rPr>
-              <a:t>4%</a:t>
-            </a:r>
-          </a:p>
-          <a:p>
-            <a:pPr lvl="0"/>
-            <a:r>
-              <a:rPr lang="de-DE" b="1" dirty="0" smtClean="0"/>
-              <a:t>Personendichte </a:t>
-            </a:r>
-            <a:r>
-              <a:rPr lang="de-DE" b="1" dirty="0">
-                <a:solidFill>
-                  <a:srgbClr val="00B0F0"/>
-                </a:solidFill>
-              </a:rPr>
-              <a:t>30%</a:t>
-            </a:r>
-          </a:p>
-          <a:p>
-            <a:pPr lvl="1"/>
-            <a:r>
-              <a:rPr lang="de-DE" dirty="0"/>
-              <a:t>Variante 1: Auslesung der Personendichte aus Vadere</a:t>
-            </a:r>
-          </a:p>
-          <a:p>
-            <a:pPr lvl="1"/>
-            <a:r>
-              <a:rPr lang="de-DE" dirty="0"/>
-              <a:t>Variante 2: Berechnung der Persoendichte aus Trajektorien</a:t>
-            </a:r>
-          </a:p>
-          <a:p>
-            <a:pPr lvl="1"/>
-            <a:r>
-              <a:rPr lang="de-DE" b="1" dirty="0"/>
-              <a:t>Testen der Ergebnisse</a:t>
-            </a:r>
-          </a:p>
-          <a:p>
-            <a:r>
-              <a:rPr lang="de-DE" b="1" dirty="0" err="1"/>
-              <a:t>Scrum</a:t>
-            </a:r>
-            <a:r>
-              <a:rPr lang="de-DE" b="1" dirty="0"/>
-              <a:t> Master</a:t>
-            </a:r>
-            <a:r>
-              <a:rPr lang="de-DE" dirty="0"/>
-              <a:t> </a:t>
-            </a:r>
-            <a:r>
-              <a:rPr lang="de-DE" b="1" dirty="0">
-                <a:solidFill>
-                  <a:srgbClr val="00B0F0"/>
-                </a:solidFill>
-              </a:rPr>
-              <a:t>5%</a:t>
-            </a:r>
-          </a:p>
-        </p:txBody>
-      </p:sp>
-    </p:spTree>
-    <p:extLst>
-      <p:ext uri="{BB962C8B-B14F-4D97-AF65-F5344CB8AC3E}">
-        <p14:creationId xmlns:p14="http://schemas.microsoft.com/office/powerpoint/2010/main" val="74454998"/>
-      </p:ext>
-    </p:extLst>
-  </p:cSld>
-  <p:clrMapOvr>
-    <a:masterClrMapping/>
-  </p:clrMapOvr>
 </p:sld>
 </file>
 
@@ -12685,8 +13061,8 @@
         </p:nvSpPr>
         <p:spPr>
           <a:xfrm>
-            <a:off x="1524000" y="718951"/>
-            <a:ext cx="9144000" cy="1338449"/>
+            <a:off x="1497107" y="974445"/>
+            <a:ext cx="9144000" cy="881249"/>
           </a:xfrm>
         </p:spPr>
         <p:txBody>
@@ -12704,7 +13080,7 @@
                 <a:latin typeface="Times New Roman" panose="02020603050405020304" pitchFamily="18" charset="0"/>
                 <a:cs typeface="Times New Roman" panose="02020603050405020304" pitchFamily="18" charset="0"/>
               </a:rPr>
-              <a:t>Umgesetzte Ziele des ersten Sprints</a:t>
+              <a:t>Was lief gut, was lief schlecht</a:t>
             </a:r>
             <a:endParaRPr lang="de-DE" sz="5000" dirty="0">
               <a:solidFill>
@@ -12718,14 +13094,14 @@
       </p:sp>
       <p:sp>
         <p:nvSpPr>
-          <p:cNvPr id="4" name="Textfeld 3"/>
+          <p:cNvPr id="3" name="Textfeld 2"/>
           <p:cNvSpPr txBox="1"/>
           <p:nvPr/>
         </p:nvSpPr>
         <p:spPr>
           <a:xfrm>
-            <a:off x="1201271" y="2380128"/>
-            <a:ext cx="3639671" cy="3785652"/>
+            <a:off x="1120591" y="2460812"/>
+            <a:ext cx="4016186" cy="3170099"/>
           </a:xfrm>
           <a:prstGeom prst="rect">
             <a:avLst/>
@@ -12738,160 +13114,100 @@
           </a:bodyPr>
           <a:lstStyle/>
           <a:p>
+            <a:r>
+              <a:rPr lang="de-DE" sz="2000" b="1" dirty="0" smtClean="0"/>
+              <a:t>Was lief gut ? </a:t>
+            </a:r>
+          </a:p>
+          <a:p>
+            <a:endParaRPr lang="de-DE" sz="2000" dirty="0" smtClean="0"/>
+          </a:p>
+          <a:p>
             <a:pPr marL="285750" indent="-285750">
               <a:buFont typeface="Arial" panose="020B0604020202020204" pitchFamily="34" charset="0"/>
               <a:buChar char="•"/>
             </a:pPr>
             <a:r>
-              <a:rPr lang="de-DE" sz="2000" dirty="0" smtClean="0">
-                <a:solidFill>
-                  <a:srgbClr val="FF0000"/>
-                </a:solidFill>
-                <a:latin typeface="Times New Roman" panose="02020603050405020304" pitchFamily="18" charset="0"/>
-                <a:cs typeface="Times New Roman" panose="02020603050405020304" pitchFamily="18" charset="0"/>
-              </a:rPr>
-              <a:t>Einarbeitung in </a:t>
-            </a:r>
-            <a:r>
-              <a:rPr lang="de-DE" sz="2000" dirty="0" err="1" smtClean="0">
-                <a:solidFill>
-                  <a:srgbClr val="FF0000"/>
-                </a:solidFill>
-                <a:latin typeface="Times New Roman" panose="02020603050405020304" pitchFamily="18" charset="0"/>
-                <a:cs typeface="Times New Roman" panose="02020603050405020304" pitchFamily="18" charset="0"/>
-              </a:rPr>
-              <a:t>Vadere</a:t>
-            </a:r>
-            <a:r>
-              <a:rPr lang="de-DE" sz="2000" dirty="0" smtClean="0">
-                <a:solidFill>
-                  <a:srgbClr val="FF0000"/>
-                </a:solidFill>
-                <a:latin typeface="Times New Roman" panose="02020603050405020304" pitchFamily="18" charset="0"/>
-                <a:cs typeface="Times New Roman" panose="02020603050405020304" pitchFamily="18" charset="0"/>
-              </a:rPr>
-              <a:t>/Python</a:t>
-            </a:r>
-          </a:p>
-          <a:p>
-            <a:endParaRPr lang="de-DE" sz="2000" dirty="0">
-              <a:latin typeface="Times New Roman" panose="02020603050405020304" pitchFamily="18" charset="0"/>
-              <a:cs typeface="Times New Roman" panose="02020603050405020304" pitchFamily="18" charset="0"/>
-            </a:endParaRPr>
+              <a:rPr lang="de-DE" sz="2000" dirty="0" smtClean="0"/>
+              <a:t>Regelmäßige </a:t>
+            </a:r>
+            <a:r>
+              <a:rPr lang="de-DE" sz="2000" dirty="0" smtClean="0"/>
+              <a:t>Treffen außerhalb der Vorlesung </a:t>
+            </a:r>
           </a:p>
           <a:p>
             <a:pPr marL="285750" indent="-285750">
               <a:buFont typeface="Arial" panose="020B0604020202020204" pitchFamily="34" charset="0"/>
               <a:buChar char="•"/>
             </a:pPr>
-            <a:r>
-              <a:rPr lang="de-DE" sz="2000" dirty="0" smtClean="0">
-                <a:solidFill>
-                  <a:srgbClr val="FF0000"/>
-                </a:solidFill>
-                <a:latin typeface="Times New Roman" panose="02020603050405020304" pitchFamily="18" charset="0"/>
-                <a:cs typeface="Times New Roman" panose="02020603050405020304" pitchFamily="18" charset="0"/>
-              </a:rPr>
-              <a:t>Erste Test-Szenarien erstellen</a:t>
-            </a:r>
-            <a:endParaRPr lang="de-DE" sz="2000" dirty="0">
-              <a:solidFill>
-                <a:srgbClr val="FF0000"/>
-              </a:solidFill>
-              <a:latin typeface="Times New Roman" panose="02020603050405020304" pitchFamily="18" charset="0"/>
-              <a:cs typeface="Times New Roman" panose="02020603050405020304" pitchFamily="18" charset="0"/>
-            </a:endParaRPr>
+            <a:endParaRPr lang="de-DE" sz="2000" dirty="0"/>
           </a:p>
           <a:p>
             <a:pPr marL="285750" indent="-285750">
               <a:buFont typeface="Arial" panose="020B0604020202020204" pitchFamily="34" charset="0"/>
               <a:buChar char="•"/>
             </a:pPr>
-            <a:endParaRPr lang="de-DE" sz="2000" dirty="0" smtClean="0">
-              <a:latin typeface="Times New Roman" panose="02020603050405020304" pitchFamily="18" charset="0"/>
-              <a:cs typeface="Times New Roman" panose="02020603050405020304" pitchFamily="18" charset="0"/>
-            </a:endParaRPr>
+            <a:r>
+              <a:rPr lang="de-DE" sz="2000" dirty="0" smtClean="0"/>
+              <a:t>Gute Kommunikation </a:t>
+            </a:r>
+            <a:r>
+              <a:rPr lang="de-DE" sz="2000" dirty="0" smtClean="0"/>
+              <a:t>über Skype, WhatsApp</a:t>
+            </a:r>
+            <a:r>
+              <a:rPr lang="de-DE" sz="2000" dirty="0" smtClean="0"/>
+              <a:t>, </a:t>
+            </a:r>
+            <a:r>
+              <a:rPr lang="de-DE" sz="2000" dirty="0" err="1" smtClean="0"/>
+              <a:t>Slack</a:t>
+            </a:r>
+            <a:r>
+              <a:rPr lang="de-DE" sz="2000" dirty="0" smtClean="0"/>
+              <a:t>, </a:t>
+            </a:r>
+            <a:r>
+              <a:rPr lang="de-DE" sz="2000" dirty="0" err="1" smtClean="0"/>
+              <a:t>Trello</a:t>
+            </a:r>
+            <a:r>
+              <a:rPr lang="de-DE" sz="2000" dirty="0" smtClean="0"/>
+              <a:t>, …</a:t>
+            </a:r>
+            <a:endParaRPr lang="de-DE" sz="2000" dirty="0" smtClean="0"/>
           </a:p>
           <a:p>
             <a:pPr marL="285750" indent="-285750">
               <a:buFont typeface="Arial" panose="020B0604020202020204" pitchFamily="34" charset="0"/>
               <a:buChar char="•"/>
             </a:pPr>
-            <a:r>
-              <a:rPr lang="de-DE" sz="2000" dirty="0" smtClean="0">
-                <a:latin typeface="Times New Roman" panose="02020603050405020304" pitchFamily="18" charset="0"/>
-                <a:cs typeface="Times New Roman" panose="02020603050405020304" pitchFamily="18" charset="0"/>
-              </a:rPr>
-              <a:t>Aufbereitung der Daten für die Gruppen des Maschinenlernalgorithmus</a:t>
-            </a:r>
+            <a:endParaRPr lang="de-DE" sz="2000" dirty="0"/>
           </a:p>
           <a:p>
             <a:pPr marL="285750" indent="-285750">
               <a:buFont typeface="Arial" panose="020B0604020202020204" pitchFamily="34" charset="0"/>
               <a:buChar char="•"/>
             </a:pPr>
-            <a:endParaRPr lang="de-DE" sz="2000" dirty="0">
-              <a:latin typeface="Times New Roman" panose="02020603050405020304" pitchFamily="18" charset="0"/>
-              <a:cs typeface="Times New Roman" panose="02020603050405020304" pitchFamily="18" charset="0"/>
-            </a:endParaRPr>
-          </a:p>
-          <a:p>
-            <a:pPr marL="285750" indent="-285750">
-              <a:buFont typeface="Arial" panose="020B0604020202020204" pitchFamily="34" charset="0"/>
-              <a:buChar char="•"/>
-            </a:pPr>
-            <a:r>
-              <a:rPr lang="de-DE" sz="2000" dirty="0" smtClean="0">
-                <a:latin typeface="Times New Roman" panose="02020603050405020304" pitchFamily="18" charset="0"/>
-                <a:cs typeface="Times New Roman" panose="02020603050405020304" pitchFamily="18" charset="0"/>
-              </a:rPr>
-              <a:t>Testen der Software</a:t>
-            </a:r>
-          </a:p>
-          <a:p>
-            <a:endParaRPr lang="de-DE" sz="2000" dirty="0">
-              <a:solidFill>
-                <a:srgbClr val="FF0000"/>
-              </a:solidFill>
-              <a:latin typeface="Times New Roman" panose="02020603050405020304" pitchFamily="18" charset="0"/>
-              <a:cs typeface="Times New Roman" panose="02020603050405020304" pitchFamily="18" charset="0"/>
-            </a:endParaRPr>
-          </a:p>
-          <a:p>
-            <a:pPr marL="285750" indent="-285750">
-              <a:buFont typeface="Arial" panose="020B0604020202020204" pitchFamily="34" charset="0"/>
-              <a:buChar char="•"/>
-            </a:pPr>
-            <a:r>
-              <a:rPr lang="de-DE" sz="2000" dirty="0" smtClean="0">
-                <a:solidFill>
-                  <a:srgbClr val="FF0000"/>
-                </a:solidFill>
-                <a:latin typeface="Times New Roman" panose="02020603050405020304" pitchFamily="18" charset="0"/>
-                <a:cs typeface="Times New Roman" panose="02020603050405020304" pitchFamily="18" charset="0"/>
-              </a:rPr>
-              <a:t>Automatisierung der Simulation</a:t>
-            </a:r>
-            <a:endParaRPr lang="de-DE" sz="2000" dirty="0">
-              <a:solidFill>
-                <a:srgbClr val="FF0000"/>
-              </a:solidFill>
-              <a:latin typeface="Times New Roman" panose="02020603050405020304" pitchFamily="18" charset="0"/>
-              <a:cs typeface="Times New Roman" panose="02020603050405020304" pitchFamily="18" charset="0"/>
-            </a:endParaRPr>
-          </a:p>
-        </p:txBody>
-      </p:sp>
-      <p:sp>
-        <p:nvSpPr>
-          <p:cNvPr id="3" name="Textfeld 2"/>
+            <a:r>
+              <a:rPr lang="de-DE" sz="2000" dirty="0" smtClean="0"/>
+              <a:t>Verteilung der Aufgaben  </a:t>
+            </a:r>
+            <a:endParaRPr lang="de-DE" sz="2000" dirty="0"/>
+          </a:p>
+        </p:txBody>
+      </p:sp>
+      <p:sp>
+        <p:nvSpPr>
+          <p:cNvPr id="4" name="Textfeld 3"/>
           <p:cNvSpPr txBox="1"/>
           <p:nvPr/>
         </p:nvSpPr>
         <p:spPr>
           <a:xfrm>
-            <a:off x="5136776" y="2380128"/>
-            <a:ext cx="4666130" cy="3477875"/>
+            <a:off x="6562163" y="2460812"/>
+            <a:ext cx="2662518" cy="4093428"/>
           </a:xfrm>
           <a:prstGeom prst="rect">
             <a:avLst/>
@@ -12904,152 +13220,67 @@
           </a:bodyPr>
           <a:lstStyle/>
           <a:p>
+            <a:r>
+              <a:rPr lang="de-DE" sz="2000" b="1" dirty="0" smtClean="0"/>
+              <a:t>Was lief schlecht ?</a:t>
+            </a:r>
+          </a:p>
+          <a:p>
+            <a:endParaRPr lang="de-DE" sz="2000" dirty="0"/>
+          </a:p>
+          <a:p>
             <a:pPr marL="285750" indent="-285750">
               <a:buFont typeface="Arial" panose="020B0604020202020204" pitchFamily="34" charset="0"/>
               <a:buChar char="•"/>
             </a:pPr>
             <a:r>
-              <a:rPr lang="de-DE" sz="2000" dirty="0" err="1">
-                <a:solidFill>
-                  <a:srgbClr val="FF0000"/>
-                </a:solidFill>
-                <a:latin typeface="Times New Roman" panose="02020603050405020304" pitchFamily="18" charset="0"/>
-                <a:cs typeface="Times New Roman" panose="02020603050405020304" pitchFamily="18" charset="0"/>
-              </a:rPr>
-              <a:t>Trello</a:t>
-            </a:r>
-            <a:r>
-              <a:rPr lang="de-DE" sz="2000" dirty="0">
-                <a:solidFill>
-                  <a:srgbClr val="FF0000"/>
-                </a:solidFill>
-                <a:latin typeface="Times New Roman" panose="02020603050405020304" pitchFamily="18" charset="0"/>
-                <a:cs typeface="Times New Roman" panose="02020603050405020304" pitchFamily="18" charset="0"/>
-              </a:rPr>
-              <a:t> Projekt/Repository erstellen/Treffen </a:t>
-            </a:r>
-            <a:r>
-              <a:rPr lang="de-DE" sz="2000" dirty="0" smtClean="0">
-                <a:solidFill>
-                  <a:srgbClr val="FF0000"/>
-                </a:solidFill>
-                <a:latin typeface="Times New Roman" panose="02020603050405020304" pitchFamily="18" charset="0"/>
-                <a:cs typeface="Times New Roman" panose="02020603050405020304" pitchFamily="18" charset="0"/>
-              </a:rPr>
-              <a:t>festlegen</a:t>
-            </a:r>
-            <a:endParaRPr lang="de-DE" sz="2000" dirty="0">
-              <a:solidFill>
-                <a:srgbClr val="FF0000"/>
-              </a:solidFill>
-              <a:latin typeface="Times New Roman" panose="02020603050405020304" pitchFamily="18" charset="0"/>
-              <a:cs typeface="Times New Roman" panose="02020603050405020304" pitchFamily="18" charset="0"/>
-            </a:endParaRPr>
-          </a:p>
-          <a:p>
-            <a:endParaRPr lang="de-DE" sz="2000" dirty="0">
-              <a:latin typeface="Times New Roman" panose="02020603050405020304" pitchFamily="18" charset="0"/>
-              <a:cs typeface="Times New Roman" panose="02020603050405020304" pitchFamily="18" charset="0"/>
-            </a:endParaRPr>
+              <a:rPr lang="de-DE" sz="2000" dirty="0" smtClean="0"/>
+              <a:t>Kommunikation zwischen den Gruppen zu Beginn </a:t>
+            </a:r>
+            <a:r>
+              <a:rPr lang="de-DE" sz="2000" dirty="0" smtClean="0"/>
+              <a:t>unkoordiniert</a:t>
+            </a:r>
+          </a:p>
+          <a:p>
+            <a:pPr marL="342900" indent="-342900">
+              <a:buFont typeface="Wingdings" panose="05000000000000000000" pitchFamily="2" charset="2"/>
+              <a:buChar char="Ø"/>
+            </a:pPr>
+            <a:r>
+              <a:rPr lang="de-DE" sz="2000" dirty="0" smtClean="0"/>
+              <a:t>Behoben durch </a:t>
+            </a:r>
+            <a:r>
+              <a:rPr lang="de-DE" sz="2000" dirty="0" err="1" smtClean="0"/>
+              <a:t>Slack</a:t>
+            </a:r>
+            <a:endParaRPr lang="de-DE" sz="2000" dirty="0" smtClean="0"/>
           </a:p>
           <a:p>
             <a:pPr marL="285750" indent="-285750">
               <a:buFont typeface="Arial" panose="020B0604020202020204" pitchFamily="34" charset="0"/>
               <a:buChar char="•"/>
             </a:pPr>
-            <a:r>
-              <a:rPr lang="de-DE" sz="2000" dirty="0">
-                <a:solidFill>
-                  <a:srgbClr val="FF0000"/>
-                </a:solidFill>
-                <a:latin typeface="Times New Roman" panose="02020603050405020304" pitchFamily="18" charset="0"/>
-                <a:cs typeface="Times New Roman" panose="02020603050405020304" pitchFamily="18" charset="0"/>
-              </a:rPr>
-              <a:t>Daten der Dichteverteilung herauslesen bzw. berechnen und Berechnung der Verteilung der Personen</a:t>
-            </a:r>
+            <a:endParaRPr lang="de-DE" sz="2000" dirty="0"/>
           </a:p>
           <a:p>
             <a:pPr marL="285750" indent="-285750">
               <a:buFont typeface="Arial" panose="020B0604020202020204" pitchFamily="34" charset="0"/>
               <a:buChar char="•"/>
             </a:pPr>
-            <a:endParaRPr lang="de-DE" sz="2000" dirty="0">
-              <a:latin typeface="Times New Roman" panose="02020603050405020304" pitchFamily="18" charset="0"/>
-              <a:cs typeface="Times New Roman" panose="02020603050405020304" pitchFamily="18" charset="0"/>
-            </a:endParaRPr>
-          </a:p>
-          <a:p>
-            <a:pPr marL="285750" indent="-285750">
-              <a:buFont typeface="Arial" panose="020B0604020202020204" pitchFamily="34" charset="0"/>
-              <a:buChar char="•"/>
-            </a:pPr>
-            <a:r>
-              <a:rPr lang="de-DE" sz="2000" dirty="0">
-                <a:solidFill>
-                  <a:srgbClr val="FF0000"/>
-                </a:solidFill>
-                <a:latin typeface="Times New Roman" panose="02020603050405020304" pitchFamily="18" charset="0"/>
-                <a:cs typeface="Times New Roman" panose="02020603050405020304" pitchFamily="18" charset="0"/>
-              </a:rPr>
-              <a:t>Erstellen </a:t>
-            </a:r>
-            <a:r>
-              <a:rPr lang="de-DE" sz="2000" dirty="0" smtClean="0">
-                <a:solidFill>
-                  <a:srgbClr val="FF0000"/>
-                </a:solidFill>
-                <a:latin typeface="Times New Roman" panose="02020603050405020304" pitchFamily="18" charset="0"/>
-                <a:cs typeface="Times New Roman" panose="02020603050405020304" pitchFamily="18" charset="0"/>
-              </a:rPr>
-              <a:t>eines Datenformats und Verteilungen </a:t>
-            </a:r>
-            <a:r>
-              <a:rPr lang="de-DE" sz="2000" dirty="0">
-                <a:solidFill>
-                  <a:srgbClr val="FF0000"/>
-                </a:solidFill>
-                <a:latin typeface="Times New Roman" panose="02020603050405020304" pitchFamily="18" charset="0"/>
-                <a:cs typeface="Times New Roman" panose="02020603050405020304" pitchFamily="18" charset="0"/>
-              </a:rPr>
-              <a:t>mittels Trajektorien</a:t>
-            </a:r>
-          </a:p>
-          <a:p>
-            <a:endParaRPr lang="de-DE" sz="2000" dirty="0">
-              <a:latin typeface="Times New Roman" panose="02020603050405020304" pitchFamily="18" charset="0"/>
-              <a:cs typeface="Times New Roman" panose="02020603050405020304" pitchFamily="18" charset="0"/>
-            </a:endParaRPr>
-          </a:p>
-          <a:p>
-            <a:pPr marL="285750" indent="-285750">
-              <a:buFont typeface="Arial" panose="020B0604020202020204" pitchFamily="34" charset="0"/>
-              <a:buChar char="•"/>
-            </a:pPr>
-            <a:r>
-              <a:rPr lang="de-DE" sz="2000" dirty="0">
-                <a:latin typeface="Times New Roman" panose="02020603050405020304" pitchFamily="18" charset="0"/>
-                <a:cs typeface="Times New Roman" panose="02020603050405020304" pitchFamily="18" charset="0"/>
-              </a:rPr>
-              <a:t>Literaturrecherche (</a:t>
-            </a:r>
-            <a:r>
-              <a:rPr lang="de-DE" sz="2000" dirty="0" smtClean="0">
-                <a:latin typeface="Times New Roman" panose="02020603050405020304" pitchFamily="18" charset="0"/>
-                <a:cs typeface="Times New Roman" panose="02020603050405020304" pitchFamily="18" charset="0"/>
-              </a:rPr>
-              <a:t>Filter)</a:t>
-            </a:r>
-            <a:endParaRPr lang="de-DE" sz="2000" dirty="0">
-              <a:latin typeface="Times New Roman" panose="02020603050405020304" pitchFamily="18" charset="0"/>
-              <a:cs typeface="Times New Roman" panose="02020603050405020304" pitchFamily="18" charset="0"/>
-            </a:endParaRPr>
+            <a:r>
+              <a:rPr lang="de-DE" sz="2000" dirty="0" smtClean="0"/>
+              <a:t>Datenauslieferung hat länger gedauert, als geplant</a:t>
+            </a:r>
+            <a:endParaRPr lang="de-DE" dirty="0"/>
           </a:p>
         </p:txBody>
       </p:sp>
     </p:spTree>
     <p:extLst>
       <p:ext uri="{BB962C8B-B14F-4D97-AF65-F5344CB8AC3E}">
-        <p14:creationId xmlns:p14="http://schemas.microsoft.com/office/powerpoint/2010/main" val="1300575367"/>
+        <p14:creationId xmlns:p14="http://schemas.microsoft.com/office/powerpoint/2010/main" val="3561348784"/>
       </p:ext>
     </p:extLst>
   </p:cSld>
@@ -13098,6 +13329,419 @@
         </p:nvSpPr>
         <p:spPr>
           <a:xfrm>
+            <a:off x="1524000" y="718951"/>
+            <a:ext cx="9144000" cy="1338449"/>
+          </a:xfrm>
+        </p:spPr>
+        <p:txBody>
+          <a:bodyPr>
+            <a:noAutofit/>
+          </a:bodyPr>
+          <a:lstStyle/>
+          <a:p>
+            <a:pPr algn="l"/>
+            <a:r>
+              <a:rPr lang="de-DE" sz="5000" dirty="0" smtClean="0">
+                <a:solidFill>
+                  <a:schemeClr val="tx1"/>
+                </a:solidFill>
+                <a:latin typeface="Times New Roman" panose="02020603050405020304" pitchFamily="18" charset="0"/>
+                <a:cs typeface="Times New Roman" panose="02020603050405020304" pitchFamily="18" charset="0"/>
+              </a:rPr>
+              <a:t>Umgesetzte Ziele des ersten Sprints</a:t>
+            </a:r>
+            <a:endParaRPr lang="de-DE" sz="5000" dirty="0">
+              <a:solidFill>
+                <a:schemeClr val="tx1"/>
+              </a:solidFill>
+              <a:latin typeface="Times New Roman" panose="02020603050405020304" pitchFamily="18" charset="0"/>
+              <a:cs typeface="Times New Roman" panose="02020603050405020304" pitchFamily="18" charset="0"/>
+            </a:endParaRPr>
+          </a:p>
+        </p:txBody>
+      </p:sp>
+      <p:sp>
+        <p:nvSpPr>
+          <p:cNvPr id="4" name="Textfeld 3"/>
+          <p:cNvSpPr txBox="1"/>
+          <p:nvPr/>
+        </p:nvSpPr>
+        <p:spPr>
+          <a:xfrm>
+            <a:off x="1201271" y="2380128"/>
+            <a:ext cx="3639671" cy="3785652"/>
+          </a:xfrm>
+          <a:prstGeom prst="rect">
+            <a:avLst/>
+          </a:prstGeom>
+          <a:noFill/>
+        </p:spPr>
+        <p:txBody>
+          <a:bodyPr wrap="square" rtlCol="0">
+            <a:spAutoFit/>
+          </a:bodyPr>
+          <a:lstStyle/>
+          <a:p>
+            <a:pPr marL="285750" indent="-285750">
+              <a:buFont typeface="Arial" panose="020B0604020202020204" pitchFamily="34" charset="0"/>
+              <a:buChar char="•"/>
+            </a:pPr>
+            <a:r>
+              <a:rPr lang="de-DE" sz="2000" dirty="0" smtClean="0">
+                <a:solidFill>
+                  <a:srgbClr val="FF0000"/>
+                </a:solidFill>
+                <a:latin typeface="Times New Roman" panose="02020603050405020304" pitchFamily="18" charset="0"/>
+                <a:cs typeface="Times New Roman" panose="02020603050405020304" pitchFamily="18" charset="0"/>
+              </a:rPr>
+              <a:t>Einarbeitung in </a:t>
+            </a:r>
+            <a:r>
+              <a:rPr lang="de-DE" sz="2000" dirty="0" err="1" smtClean="0">
+                <a:solidFill>
+                  <a:srgbClr val="FF0000"/>
+                </a:solidFill>
+                <a:latin typeface="Times New Roman" panose="02020603050405020304" pitchFamily="18" charset="0"/>
+                <a:cs typeface="Times New Roman" panose="02020603050405020304" pitchFamily="18" charset="0"/>
+              </a:rPr>
+              <a:t>Vadere</a:t>
+            </a:r>
+            <a:r>
+              <a:rPr lang="de-DE" sz="2000" dirty="0" smtClean="0">
+                <a:solidFill>
+                  <a:srgbClr val="FF0000"/>
+                </a:solidFill>
+                <a:latin typeface="Times New Roman" panose="02020603050405020304" pitchFamily="18" charset="0"/>
+                <a:cs typeface="Times New Roman" panose="02020603050405020304" pitchFamily="18" charset="0"/>
+              </a:rPr>
+              <a:t>/Python</a:t>
+            </a:r>
+          </a:p>
+          <a:p>
+            <a:endParaRPr lang="de-DE" sz="2000" dirty="0">
+              <a:latin typeface="Times New Roman" panose="02020603050405020304" pitchFamily="18" charset="0"/>
+              <a:cs typeface="Times New Roman" panose="02020603050405020304" pitchFamily="18" charset="0"/>
+            </a:endParaRPr>
+          </a:p>
+          <a:p>
+            <a:pPr marL="285750" indent="-285750">
+              <a:buFont typeface="Arial" panose="020B0604020202020204" pitchFamily="34" charset="0"/>
+              <a:buChar char="•"/>
+            </a:pPr>
+            <a:r>
+              <a:rPr lang="de-DE" sz="2000" dirty="0" smtClean="0">
+                <a:solidFill>
+                  <a:srgbClr val="FF0000"/>
+                </a:solidFill>
+                <a:latin typeface="Times New Roman" panose="02020603050405020304" pitchFamily="18" charset="0"/>
+                <a:cs typeface="Times New Roman" panose="02020603050405020304" pitchFamily="18" charset="0"/>
+              </a:rPr>
+              <a:t>Erste Test-Szenarien erstellen</a:t>
+            </a:r>
+            <a:endParaRPr lang="de-DE" sz="2000" dirty="0">
+              <a:solidFill>
+                <a:srgbClr val="FF0000"/>
+              </a:solidFill>
+              <a:latin typeface="Times New Roman" panose="02020603050405020304" pitchFamily="18" charset="0"/>
+              <a:cs typeface="Times New Roman" panose="02020603050405020304" pitchFamily="18" charset="0"/>
+            </a:endParaRPr>
+          </a:p>
+          <a:p>
+            <a:pPr marL="285750" indent="-285750">
+              <a:buFont typeface="Arial" panose="020B0604020202020204" pitchFamily="34" charset="0"/>
+              <a:buChar char="•"/>
+            </a:pPr>
+            <a:endParaRPr lang="de-DE" sz="2000" dirty="0" smtClean="0">
+              <a:latin typeface="Times New Roman" panose="02020603050405020304" pitchFamily="18" charset="0"/>
+              <a:cs typeface="Times New Roman" panose="02020603050405020304" pitchFamily="18" charset="0"/>
+            </a:endParaRPr>
+          </a:p>
+          <a:p>
+            <a:pPr marL="285750" indent="-285750">
+              <a:buFont typeface="Arial" panose="020B0604020202020204" pitchFamily="34" charset="0"/>
+              <a:buChar char="•"/>
+            </a:pPr>
+            <a:r>
+              <a:rPr lang="de-DE" sz="2000" dirty="0" smtClean="0">
+                <a:latin typeface="Times New Roman" panose="02020603050405020304" pitchFamily="18" charset="0"/>
+                <a:cs typeface="Times New Roman" panose="02020603050405020304" pitchFamily="18" charset="0"/>
+              </a:rPr>
+              <a:t>Aufbereitung der Daten für die Gruppen des Maschinenlernalgorithmus</a:t>
+            </a:r>
+          </a:p>
+          <a:p>
+            <a:pPr marL="285750" indent="-285750">
+              <a:buFont typeface="Arial" panose="020B0604020202020204" pitchFamily="34" charset="0"/>
+              <a:buChar char="•"/>
+            </a:pPr>
+            <a:endParaRPr lang="de-DE" sz="2000" dirty="0">
+              <a:latin typeface="Times New Roman" panose="02020603050405020304" pitchFamily="18" charset="0"/>
+              <a:cs typeface="Times New Roman" panose="02020603050405020304" pitchFamily="18" charset="0"/>
+            </a:endParaRPr>
+          </a:p>
+          <a:p>
+            <a:pPr marL="285750" indent="-285750">
+              <a:buFont typeface="Arial" panose="020B0604020202020204" pitchFamily="34" charset="0"/>
+              <a:buChar char="•"/>
+            </a:pPr>
+            <a:r>
+              <a:rPr lang="de-DE" sz="2000" dirty="0" smtClean="0">
+                <a:latin typeface="Times New Roman" panose="02020603050405020304" pitchFamily="18" charset="0"/>
+                <a:cs typeface="Times New Roman" panose="02020603050405020304" pitchFamily="18" charset="0"/>
+              </a:rPr>
+              <a:t>Testen der Software</a:t>
+            </a:r>
+          </a:p>
+          <a:p>
+            <a:endParaRPr lang="de-DE" sz="2000" dirty="0">
+              <a:solidFill>
+                <a:srgbClr val="FF0000"/>
+              </a:solidFill>
+              <a:latin typeface="Times New Roman" panose="02020603050405020304" pitchFamily="18" charset="0"/>
+              <a:cs typeface="Times New Roman" panose="02020603050405020304" pitchFamily="18" charset="0"/>
+            </a:endParaRPr>
+          </a:p>
+          <a:p>
+            <a:pPr marL="285750" indent="-285750">
+              <a:buFont typeface="Arial" panose="020B0604020202020204" pitchFamily="34" charset="0"/>
+              <a:buChar char="•"/>
+            </a:pPr>
+            <a:r>
+              <a:rPr lang="de-DE" sz="2000" dirty="0" smtClean="0">
+                <a:solidFill>
+                  <a:srgbClr val="FF0000"/>
+                </a:solidFill>
+                <a:latin typeface="Times New Roman" panose="02020603050405020304" pitchFamily="18" charset="0"/>
+                <a:cs typeface="Times New Roman" panose="02020603050405020304" pitchFamily="18" charset="0"/>
+              </a:rPr>
+              <a:t>Automatisierung der Simulation</a:t>
+            </a:r>
+            <a:endParaRPr lang="de-DE" sz="2000" dirty="0">
+              <a:solidFill>
+                <a:srgbClr val="FF0000"/>
+              </a:solidFill>
+              <a:latin typeface="Times New Roman" panose="02020603050405020304" pitchFamily="18" charset="0"/>
+              <a:cs typeface="Times New Roman" panose="02020603050405020304" pitchFamily="18" charset="0"/>
+            </a:endParaRPr>
+          </a:p>
+        </p:txBody>
+      </p:sp>
+      <p:sp>
+        <p:nvSpPr>
+          <p:cNvPr id="3" name="Textfeld 2"/>
+          <p:cNvSpPr txBox="1"/>
+          <p:nvPr/>
+        </p:nvSpPr>
+        <p:spPr>
+          <a:xfrm>
+            <a:off x="5136776" y="2380128"/>
+            <a:ext cx="4666130" cy="3477875"/>
+          </a:xfrm>
+          <a:prstGeom prst="rect">
+            <a:avLst/>
+          </a:prstGeom>
+          <a:noFill/>
+        </p:spPr>
+        <p:txBody>
+          <a:bodyPr wrap="square" rtlCol="0">
+            <a:spAutoFit/>
+          </a:bodyPr>
+          <a:lstStyle/>
+          <a:p>
+            <a:pPr marL="285750" indent="-285750">
+              <a:buFont typeface="Arial" panose="020B0604020202020204" pitchFamily="34" charset="0"/>
+              <a:buChar char="•"/>
+            </a:pPr>
+            <a:r>
+              <a:rPr lang="de-DE" sz="2000" dirty="0" err="1">
+                <a:solidFill>
+                  <a:srgbClr val="FF0000"/>
+                </a:solidFill>
+                <a:latin typeface="Times New Roman" panose="02020603050405020304" pitchFamily="18" charset="0"/>
+                <a:cs typeface="Times New Roman" panose="02020603050405020304" pitchFamily="18" charset="0"/>
+              </a:rPr>
+              <a:t>Trello</a:t>
+            </a:r>
+            <a:r>
+              <a:rPr lang="de-DE" sz="2000" dirty="0">
+                <a:solidFill>
+                  <a:srgbClr val="FF0000"/>
+                </a:solidFill>
+                <a:latin typeface="Times New Roman" panose="02020603050405020304" pitchFamily="18" charset="0"/>
+                <a:cs typeface="Times New Roman" panose="02020603050405020304" pitchFamily="18" charset="0"/>
+              </a:rPr>
+              <a:t> Projekt/Repository erstellen/Treffen </a:t>
+            </a:r>
+            <a:r>
+              <a:rPr lang="de-DE" sz="2000" dirty="0" smtClean="0">
+                <a:solidFill>
+                  <a:srgbClr val="FF0000"/>
+                </a:solidFill>
+                <a:latin typeface="Times New Roman" panose="02020603050405020304" pitchFamily="18" charset="0"/>
+                <a:cs typeface="Times New Roman" panose="02020603050405020304" pitchFamily="18" charset="0"/>
+              </a:rPr>
+              <a:t>festlegen</a:t>
+            </a:r>
+            <a:endParaRPr lang="de-DE" sz="2000" dirty="0">
+              <a:solidFill>
+                <a:srgbClr val="FF0000"/>
+              </a:solidFill>
+              <a:latin typeface="Times New Roman" panose="02020603050405020304" pitchFamily="18" charset="0"/>
+              <a:cs typeface="Times New Roman" panose="02020603050405020304" pitchFamily="18" charset="0"/>
+            </a:endParaRPr>
+          </a:p>
+          <a:p>
+            <a:endParaRPr lang="de-DE" sz="2000" dirty="0">
+              <a:latin typeface="Times New Roman" panose="02020603050405020304" pitchFamily="18" charset="0"/>
+              <a:cs typeface="Times New Roman" panose="02020603050405020304" pitchFamily="18" charset="0"/>
+            </a:endParaRPr>
+          </a:p>
+          <a:p>
+            <a:pPr marL="285750" indent="-285750">
+              <a:buFont typeface="Arial" panose="020B0604020202020204" pitchFamily="34" charset="0"/>
+              <a:buChar char="•"/>
+            </a:pPr>
+            <a:r>
+              <a:rPr lang="de-DE" sz="2000" dirty="0">
+                <a:solidFill>
+                  <a:srgbClr val="FF0000"/>
+                </a:solidFill>
+                <a:latin typeface="Times New Roman" panose="02020603050405020304" pitchFamily="18" charset="0"/>
+                <a:cs typeface="Times New Roman" panose="02020603050405020304" pitchFamily="18" charset="0"/>
+              </a:rPr>
+              <a:t>Daten der Dichteverteilung herauslesen bzw. berechnen und Berechnung der Verteilung der Personen</a:t>
+            </a:r>
+          </a:p>
+          <a:p>
+            <a:pPr marL="285750" indent="-285750">
+              <a:buFont typeface="Arial" panose="020B0604020202020204" pitchFamily="34" charset="0"/>
+              <a:buChar char="•"/>
+            </a:pPr>
+            <a:endParaRPr lang="de-DE" sz="2000" dirty="0">
+              <a:latin typeface="Times New Roman" panose="02020603050405020304" pitchFamily="18" charset="0"/>
+              <a:cs typeface="Times New Roman" panose="02020603050405020304" pitchFamily="18" charset="0"/>
+            </a:endParaRPr>
+          </a:p>
+          <a:p>
+            <a:pPr marL="285750" indent="-285750">
+              <a:buFont typeface="Arial" panose="020B0604020202020204" pitchFamily="34" charset="0"/>
+              <a:buChar char="•"/>
+            </a:pPr>
+            <a:r>
+              <a:rPr lang="de-DE" sz="2000" dirty="0">
+                <a:solidFill>
+                  <a:srgbClr val="FF0000"/>
+                </a:solidFill>
+                <a:latin typeface="Times New Roman" panose="02020603050405020304" pitchFamily="18" charset="0"/>
+                <a:cs typeface="Times New Roman" panose="02020603050405020304" pitchFamily="18" charset="0"/>
+              </a:rPr>
+              <a:t>Erstellen </a:t>
+            </a:r>
+            <a:r>
+              <a:rPr lang="de-DE" sz="2000" dirty="0" smtClean="0">
+                <a:solidFill>
+                  <a:srgbClr val="FF0000"/>
+                </a:solidFill>
+                <a:latin typeface="Times New Roman" panose="02020603050405020304" pitchFamily="18" charset="0"/>
+                <a:cs typeface="Times New Roman" panose="02020603050405020304" pitchFamily="18" charset="0"/>
+              </a:rPr>
+              <a:t>eines Datenformats und Verteilungen </a:t>
+            </a:r>
+            <a:r>
+              <a:rPr lang="de-DE" sz="2000" dirty="0">
+                <a:solidFill>
+                  <a:srgbClr val="FF0000"/>
+                </a:solidFill>
+                <a:latin typeface="Times New Roman" panose="02020603050405020304" pitchFamily="18" charset="0"/>
+                <a:cs typeface="Times New Roman" panose="02020603050405020304" pitchFamily="18" charset="0"/>
+              </a:rPr>
+              <a:t>mittels Trajektorien</a:t>
+            </a:r>
+          </a:p>
+          <a:p>
+            <a:endParaRPr lang="de-DE" sz="2000" dirty="0">
+              <a:latin typeface="Times New Roman" panose="02020603050405020304" pitchFamily="18" charset="0"/>
+              <a:cs typeface="Times New Roman" panose="02020603050405020304" pitchFamily="18" charset="0"/>
+            </a:endParaRPr>
+          </a:p>
+          <a:p>
+            <a:pPr marL="285750" indent="-285750">
+              <a:buFont typeface="Arial" panose="020B0604020202020204" pitchFamily="34" charset="0"/>
+              <a:buChar char="•"/>
+            </a:pPr>
+            <a:r>
+              <a:rPr lang="de-DE" sz="2000" dirty="0">
+                <a:latin typeface="Times New Roman" panose="02020603050405020304" pitchFamily="18" charset="0"/>
+                <a:cs typeface="Times New Roman" panose="02020603050405020304" pitchFamily="18" charset="0"/>
+              </a:rPr>
+              <a:t>Literaturrecherche (</a:t>
+            </a:r>
+            <a:r>
+              <a:rPr lang="de-DE" sz="2000" dirty="0" smtClean="0">
+                <a:latin typeface="Times New Roman" panose="02020603050405020304" pitchFamily="18" charset="0"/>
+                <a:cs typeface="Times New Roman" panose="02020603050405020304" pitchFamily="18" charset="0"/>
+              </a:rPr>
+              <a:t>Filter)</a:t>
+            </a:r>
+            <a:endParaRPr lang="de-DE" sz="2000" dirty="0">
+              <a:latin typeface="Times New Roman" panose="02020603050405020304" pitchFamily="18" charset="0"/>
+              <a:cs typeface="Times New Roman" panose="02020603050405020304" pitchFamily="18" charset="0"/>
+            </a:endParaRPr>
+          </a:p>
+        </p:txBody>
+      </p:sp>
+    </p:spTree>
+    <p:extLst>
+      <p:ext uri="{BB962C8B-B14F-4D97-AF65-F5344CB8AC3E}">
+        <p14:creationId xmlns:p14="http://schemas.microsoft.com/office/powerpoint/2010/main" val="1300575367"/>
+      </p:ext>
+    </p:extLst>
+  </p:cSld>
+  <p:clrMapOvr>
+    <a:masterClrMapping/>
+  </p:clrMapOvr>
+  <p:transition spd="slow">
+    <p:push dir="u"/>
+  </p:transition>
+  <p:timing>
+    <p:tnLst>
+      <p:par>
+        <p:cTn id="1" dur="indefinite" restart="never" nodeType="tmRoot"/>
+      </p:par>
+    </p:tnLst>
+  </p:timing>
+</p:sld>
+</file>
+
+<file path=ppt/slides/slide7.xml><?xml version="1.0" encoding="utf-8"?>
+<p:sld xmlns:a="http://schemas.openxmlformats.org/drawingml/2006/main" xmlns:r="http://schemas.openxmlformats.org/officeDocument/2006/relationships" xmlns:p="http://schemas.openxmlformats.org/presentationml/2006/main">
+  <p:cSld>
+    <p:spTree>
+      <p:nvGrpSpPr>
+        <p:cNvPr id="1" name=""/>
+        <p:cNvGrpSpPr/>
+        <p:nvPr/>
+      </p:nvGrpSpPr>
+      <p:grpSpPr>
+        <a:xfrm>
+          <a:off x="0" y="0"/>
+          <a:ext cx="0" cy="0"/>
+          <a:chOff x="0" y="0"/>
+          <a:chExt cx="0" cy="0"/>
+        </a:xfrm>
+      </p:grpSpPr>
+      <p:sp>
+        <p:nvSpPr>
+          <p:cNvPr id="2" name="Titel 1"/>
+          <p:cNvSpPr>
+            <a:spLocks noGrp="1"/>
+          </p:cNvSpPr>
+          <p:nvPr>
+            <p:ph type="ctrTitle"/>
+          </p:nvPr>
+        </p:nvSpPr>
+        <p:spPr>
+          <a:xfrm>
             <a:off x="1524000" y="611376"/>
             <a:ext cx="9144000" cy="1029166"/>
           </a:xfrm>
@@ -13258,10 +13902,6 @@
               </a:rPr>
               <a:t>Erstellen des Datenformats nach Vorgaben des Fraunhofer Instituts</a:t>
             </a:r>
-            <a:endParaRPr lang="de-DE" sz="2200" dirty="0" smtClean="0">
-              <a:latin typeface="Times New Roman" panose="02020603050405020304" pitchFamily="18" charset="0"/>
-              <a:cs typeface="Times New Roman" panose="02020603050405020304" pitchFamily="18" charset="0"/>
-            </a:endParaRPr>
           </a:p>
         </p:txBody>
       </p:sp>
@@ -13318,7 +13958,7 @@
 </p:sld>
 </file>
 
-<file path=ppt/slides/slide7.xml><?xml version="1.0" encoding="utf-8"?>
+<file path=ppt/slides/slide8.xml><?xml version="1.0" encoding="utf-8"?>
 <p:sld xmlns:a="http://schemas.openxmlformats.org/drawingml/2006/main" xmlns:r="http://schemas.openxmlformats.org/officeDocument/2006/relationships" xmlns:p="http://schemas.openxmlformats.org/presentationml/2006/main">
   <p:cSld>
     <p:spTree>
@@ -13401,123 +14041,6 @@
 </p:sld>
 </file>
 
-<file path=ppt/slides/slide8.xml><?xml version="1.0" encoding="utf-8"?>
-<p:sld xmlns:a="http://schemas.openxmlformats.org/drawingml/2006/main" xmlns:r="http://schemas.openxmlformats.org/officeDocument/2006/relationships" xmlns:p="http://schemas.openxmlformats.org/presentationml/2006/main">
-  <p:cSld>
-    <p:spTree>
-      <p:nvGrpSpPr>
-        <p:cNvPr id="1" name=""/>
-        <p:cNvGrpSpPr/>
-        <p:nvPr/>
-      </p:nvGrpSpPr>
-      <p:grpSpPr>
-        <a:xfrm>
-          <a:off x="0" y="0"/>
-          <a:ext cx="0" cy="0"/>
-          <a:chOff x="0" y="0"/>
-          <a:chExt cx="0" cy="0"/>
-        </a:xfrm>
-      </p:grpSpPr>
-      <p:sp>
-        <p:nvSpPr>
-          <p:cNvPr id="2" name="Titel 1">
-            <a:extLst>
-              <a:ext uri="{FF2B5EF4-FFF2-40B4-BE49-F238E27FC236}">
-                <a16:creationId xmlns="" xmlns:a16="http://schemas.microsoft.com/office/drawing/2014/main" id="{F92BECF1-38C4-42E7-ABE8-26C37206B6D1}"/>
-              </a:ext>
-            </a:extLst>
-          </p:cNvPr>
-          <p:cNvSpPr>
-            <a:spLocks noGrp="1"/>
-          </p:cNvSpPr>
-          <p:nvPr>
-            <p:ph type="title"/>
-          </p:nvPr>
-        </p:nvSpPr>
-        <p:spPr/>
-        <p:txBody>
-          <a:bodyPr/>
-          <a:lstStyle/>
-          <a:p>
-            <a:r>
-              <a:rPr lang="de-DE" dirty="0"/>
-              <a:t>Datenerzeugung</a:t>
-            </a:r>
-          </a:p>
-        </p:txBody>
-      </p:sp>
-      <p:sp>
-        <p:nvSpPr>
-          <p:cNvPr id="3" name="Inhaltsplatzhalter 2">
-            <a:extLst>
-              <a:ext uri="{FF2B5EF4-FFF2-40B4-BE49-F238E27FC236}">
-                <a16:creationId xmlns="" xmlns:a16="http://schemas.microsoft.com/office/drawing/2014/main" id="{74BE07E9-9FDA-4058-9B8B-903BFFE92079}"/>
-              </a:ext>
-            </a:extLst>
-          </p:cNvPr>
-          <p:cNvSpPr>
-            <a:spLocks noGrp="1"/>
-          </p:cNvSpPr>
-          <p:nvPr>
-            <p:ph idx="1"/>
-          </p:nvPr>
-        </p:nvSpPr>
-        <p:spPr/>
-        <p:txBody>
-          <a:bodyPr/>
-          <a:lstStyle/>
-          <a:p>
-            <a:r>
-              <a:rPr lang="de-DE" dirty="0"/>
-              <a:t>Einarbeitung in </a:t>
-            </a:r>
-            <a:r>
-              <a:rPr lang="de-DE" dirty="0" err="1"/>
-              <a:t>Vadere</a:t>
-            </a:r>
-            <a:endParaRPr lang="de-DE" dirty="0"/>
-          </a:p>
-          <a:p>
-            <a:r>
-              <a:rPr lang="de-DE" dirty="0"/>
-              <a:t>Erstellung eines ersten Testszenarios (~60 </a:t>
-            </a:r>
-            <a:r>
-              <a:rPr lang="de-DE" dirty="0" err="1"/>
-              <a:t>outputs</a:t>
-            </a:r>
-            <a:r>
-              <a:rPr lang="de-DE" dirty="0"/>
-              <a:t>)</a:t>
-            </a:r>
-          </a:p>
-          <a:p>
-            <a:r>
-              <a:rPr lang="de-DE" dirty="0"/>
-              <a:t>Automatisierung der Erstellung von Testszenarien</a:t>
-            </a:r>
-          </a:p>
-          <a:p>
-            <a:r>
-              <a:rPr lang="de-DE" dirty="0"/>
-              <a:t>Literatur-Recherche über Filter für neuronale Netze wurde zu nächstem Sprint verschoben</a:t>
-            </a:r>
-          </a:p>
-        </p:txBody>
-      </p:sp>
-    </p:spTree>
-    <p:extLst>
-      <p:ext uri="{BB962C8B-B14F-4D97-AF65-F5344CB8AC3E}">
-        <p14:creationId xmlns:p14="http://schemas.microsoft.com/office/powerpoint/2010/main" val="672807121"/>
-      </p:ext>
-    </p:extLst>
-  </p:cSld>
-  <p:clrMapOvr>
-    <a:masterClrMapping/>
-  </p:clrMapOvr>
-</p:sld>
-</file>
-
 <file path=ppt/slides/slide9.xml><?xml version="1.0" encoding="utf-8"?>
 <p:sld xmlns:a="http://schemas.openxmlformats.org/drawingml/2006/main" xmlns:r="http://schemas.openxmlformats.org/officeDocument/2006/relationships" xmlns:p="http://schemas.openxmlformats.org/presentationml/2006/main">
   <p:cSld>
@@ -13540,7 +14063,7 @@
           <p:cNvPr id="2" name="Titel 1">
             <a:extLst>
               <a:ext uri="{FF2B5EF4-FFF2-40B4-BE49-F238E27FC236}">
-                <a16:creationId xmlns="" xmlns:a16="http://schemas.microsoft.com/office/drawing/2014/main" id="{3B93D7C6-AAFC-4E24-B819-4E38B3649BB2}"/>
+                <a16:creationId xmlns:a16="http://schemas.microsoft.com/office/drawing/2014/main" xmlns="" id="{F92BECF1-38C4-42E7-ABE8-26C37206B6D1}"/>
               </a:ext>
             </a:extLst>
           </p:cNvPr>
@@ -13568,7 +14091,7 @@
           <p:cNvPr id="3" name="Inhaltsplatzhalter 2">
             <a:extLst>
               <a:ext uri="{FF2B5EF4-FFF2-40B4-BE49-F238E27FC236}">
-                <a16:creationId xmlns="" xmlns:a16="http://schemas.microsoft.com/office/drawing/2014/main" id="{50FAC4C0-76A8-4BEB-B624-C039CF37C82B}"/>
+                <a16:creationId xmlns:a16="http://schemas.microsoft.com/office/drawing/2014/main" xmlns="" id="{74BE07E9-9FDA-4058-9B8B-903BFFE92079}"/>
               </a:ext>
             </a:extLst>
           </p:cNvPr>
@@ -13586,27 +14109,62 @@
           <a:p>
             <a:r>
               <a:rPr lang="de-DE" dirty="0"/>
-              <a:t>(Erstellung eines ersten Testszenarios)</a:t>
-            </a:r>
-          </a:p>
-          <a:p>
-            <a:pPr marL="0" indent="0">
-              <a:buNone/>
-            </a:pPr>
+              <a:t>Einarbeitung in </a:t>
+            </a:r>
+            <a:r>
+              <a:rPr lang="de-DE" dirty="0" err="1"/>
+              <a:t>Vadere</a:t>
+            </a:r>
             <a:endParaRPr lang="de-DE" dirty="0"/>
+          </a:p>
+          <a:p>
+            <a:r>
+              <a:rPr lang="de-DE" dirty="0"/>
+              <a:t>Erstellung eines ersten Testszenarios (~60 </a:t>
+            </a:r>
+            <a:r>
+              <a:rPr lang="de-DE" dirty="0" err="1"/>
+              <a:t>outputs</a:t>
+            </a:r>
+            <a:r>
+              <a:rPr lang="de-DE" dirty="0"/>
+              <a:t>)</a:t>
+            </a:r>
+          </a:p>
+          <a:p>
+            <a:r>
+              <a:rPr lang="de-DE" dirty="0"/>
+              <a:t>Automatisierung der Erstellung von Testszenarien</a:t>
+            </a:r>
+          </a:p>
+          <a:p>
+            <a:r>
+              <a:rPr lang="de-DE" dirty="0"/>
+              <a:t>Literatur-Recherche über Filter für neuronale Netze wurde zu nächstem Sprint verschoben</a:t>
+            </a:r>
           </a:p>
         </p:txBody>
       </p:sp>
     </p:spTree>
     <p:extLst>
       <p:ext uri="{BB962C8B-B14F-4D97-AF65-F5344CB8AC3E}">
-        <p14:creationId xmlns:p14="http://schemas.microsoft.com/office/powerpoint/2010/main" val="1316922202"/>
+        <p14:creationId xmlns:p14="http://schemas.microsoft.com/office/powerpoint/2010/main" val="672807121"/>
       </p:ext>
     </p:extLst>
   </p:cSld>
   <p:clrMapOvr>
     <a:masterClrMapping/>
   </p:clrMapOvr>
+  <p:transition spd="slow">
+    <p:push dir="u"/>
+  </p:transition>
+  <p:timing>
+    <p:tnLst>
+      <p:par>
+        <p:cTn id="1" dur="indefinite" restart="never" nodeType="tmRoot"/>
+      </p:par>
+    </p:tnLst>
+  </p:timing>
 </p:sld>
 </file>
 
